--- a/slides/zigzag.pptx
+++ b/slides/zigzag.pptx
@@ -5,7 +5,7 @@
     <p:sldMasterId id="2147483648" r:id="rId1"/>
   </p:sldMasterIdLst>
   <p:notesMasterIdLst>
-    <p:notesMasterId r:id="rId71"/>
+    <p:notesMasterId r:id="rId76"/>
   </p:notesMasterIdLst>
   <p:sldIdLst>
     <p:sldId id="295" r:id="rId2"/>
@@ -52,31 +52,36 @@
     <p:sldId id="329" r:id="rId43"/>
     <p:sldId id="332" r:id="rId44"/>
     <p:sldId id="330" r:id="rId45"/>
-    <p:sldId id="328" r:id="rId46"/>
-    <p:sldId id="324" r:id="rId47"/>
-    <p:sldId id="326" r:id="rId48"/>
-    <p:sldId id="327" r:id="rId49"/>
-    <p:sldId id="281" r:id="rId50"/>
-    <p:sldId id="292" r:id="rId51"/>
-    <p:sldId id="283" r:id="rId52"/>
-    <p:sldId id="274" r:id="rId53"/>
-    <p:sldId id="317" r:id="rId54"/>
-    <p:sldId id="282" r:id="rId55"/>
-    <p:sldId id="259" r:id="rId56"/>
-    <p:sldId id="285" r:id="rId57"/>
-    <p:sldId id="286" r:id="rId58"/>
-    <p:sldId id="287" r:id="rId59"/>
-    <p:sldId id="288" r:id="rId60"/>
-    <p:sldId id="257" r:id="rId61"/>
-    <p:sldId id="289" r:id="rId62"/>
-    <p:sldId id="271" r:id="rId63"/>
-    <p:sldId id="291" r:id="rId64"/>
-    <p:sldId id="284" r:id="rId65"/>
-    <p:sldId id="290" r:id="rId66"/>
-    <p:sldId id="273" r:id="rId67"/>
-    <p:sldId id="293" r:id="rId68"/>
-    <p:sldId id="265" r:id="rId69"/>
-    <p:sldId id="263" r:id="rId70"/>
+    <p:sldId id="333" r:id="rId46"/>
+    <p:sldId id="334" r:id="rId47"/>
+    <p:sldId id="335" r:id="rId48"/>
+    <p:sldId id="336" r:id="rId49"/>
+    <p:sldId id="337" r:id="rId50"/>
+    <p:sldId id="338" r:id="rId51"/>
+    <p:sldId id="326" r:id="rId52"/>
+    <p:sldId id="339" r:id="rId53"/>
+    <p:sldId id="340" r:id="rId54"/>
+    <p:sldId id="328" r:id="rId55"/>
+    <p:sldId id="324" r:id="rId56"/>
+    <p:sldId id="283" r:id="rId57"/>
+    <p:sldId id="274" r:id="rId58"/>
+    <p:sldId id="317" r:id="rId59"/>
+    <p:sldId id="282" r:id="rId60"/>
+    <p:sldId id="259" r:id="rId61"/>
+    <p:sldId id="285" r:id="rId62"/>
+    <p:sldId id="286" r:id="rId63"/>
+    <p:sldId id="287" r:id="rId64"/>
+    <p:sldId id="288" r:id="rId65"/>
+    <p:sldId id="257" r:id="rId66"/>
+    <p:sldId id="289" r:id="rId67"/>
+    <p:sldId id="271" r:id="rId68"/>
+    <p:sldId id="291" r:id="rId69"/>
+    <p:sldId id="284" r:id="rId70"/>
+    <p:sldId id="290" r:id="rId71"/>
+    <p:sldId id="273" r:id="rId72"/>
+    <p:sldId id="293" r:id="rId73"/>
+    <p:sldId id="265" r:id="rId74"/>
+    <p:sldId id="263" r:id="rId75"/>
   </p:sldIdLst>
   <p:sldSz cx="12192000" cy="6858000"/>
   <p:notesSz cx="6858000" cy="9144000"/>
@@ -2074,6 +2079,14 @@
           <a:bodyPr/>
           <a:lstStyle/>
           <a:p>
+            <a:r>
+              <a:rPr lang="en-US" dirty="0" err="1" smtClean="0"/>
+              <a:t>Loopless</a:t>
+            </a:r>
+            <a:r>
+              <a:rPr lang="en-US" dirty="0" smtClean="0"/>
+              <a:t> coding</a:t>
+            </a:r>
             <a:endParaRPr lang="en-US" dirty="0"/>
           </a:p>
         </p:txBody>
@@ -2104,7 +2117,7 @@
     </p:spTree>
     <p:extLst>
       <p:ext uri="{BB962C8B-B14F-4D97-AF65-F5344CB8AC3E}">
-        <p14:creationId xmlns:p14="http://schemas.microsoft.com/office/powerpoint/2010/main" val="592633343"/>
+        <p14:creationId xmlns:p14="http://schemas.microsoft.com/office/powerpoint/2010/main" val="1876232463"/>
       </p:ext>
     </p:extLst>
   </p:cSld>
@@ -2158,14 +2171,6 @@
           <a:bodyPr/>
           <a:lstStyle/>
           <a:p>
-            <a:r>
-              <a:rPr lang="en-US" dirty="0" smtClean="0"/>
-              <a:t>No precedence</a:t>
-            </a:r>
-            <a:r>
-              <a:rPr lang="en-US" baseline="0" dirty="0" smtClean="0"/>
-              <a:t> rules except parentheses ()</a:t>
-            </a:r>
             <a:endParaRPr lang="en-US" dirty="0"/>
           </a:p>
         </p:txBody>
@@ -2196,7 +2201,7 @@
     </p:spTree>
     <p:extLst>
       <p:ext uri="{BB962C8B-B14F-4D97-AF65-F5344CB8AC3E}">
-        <p14:creationId xmlns:p14="http://schemas.microsoft.com/office/powerpoint/2010/main" val="1518111516"/>
+        <p14:creationId xmlns:p14="http://schemas.microsoft.com/office/powerpoint/2010/main" val="1541669401"/>
       </p:ext>
     </p:extLst>
   </p:cSld>
@@ -2250,26 +2255,6 @@
           <a:bodyPr/>
           <a:lstStyle/>
           <a:p>
-            <a:r>
-              <a:rPr lang="en-US" dirty="0" smtClean="0"/>
-              <a:t>“-n=: #y </a:t>
-            </a:r>
-            <a:r>
-              <a:rPr lang="en-US" sz="1200" b="0" i="0" kern="1200" dirty="0" smtClean="0">
-                <a:solidFill>
-                  <a:schemeClr val="tx1"/>
-                </a:solidFill>
-                <a:effectLst/>
-                <a:latin typeface="+mn-lt"/>
-                <a:ea typeface="+mn-ea"/>
-                <a:cs typeface="+mn-cs"/>
-              </a:rPr>
-              <a:t>to</a:t>
-            </a:r>
-            <a:r>
-              <a:rPr lang="en-US" dirty="0" smtClean="0"/>
-              <a:t> n-1” means: from (first let n=4) -4 to 3</a:t>
-            </a:r>
             <a:endParaRPr lang="en-US" dirty="0"/>
           </a:p>
         </p:txBody>
@@ -2300,7 +2285,7 @@
     </p:spTree>
     <p:extLst>
       <p:ext uri="{BB962C8B-B14F-4D97-AF65-F5344CB8AC3E}">
-        <p14:creationId xmlns:p14="http://schemas.microsoft.com/office/powerpoint/2010/main" val="1773048482"/>
+        <p14:creationId xmlns:p14="http://schemas.microsoft.com/office/powerpoint/2010/main" val="324259380"/>
       </p:ext>
     </p:extLst>
   </p:cSld>
@@ -2354,6 +2339,14 @@
           <a:bodyPr/>
           <a:lstStyle/>
           <a:p>
+            <a:r>
+              <a:rPr lang="en-US" dirty="0" smtClean="0"/>
+              <a:t>No precedence</a:t>
+            </a:r>
+            <a:r>
+              <a:rPr lang="en-US" baseline="0" dirty="0" smtClean="0"/>
+              <a:t> rules except parentheses ()</a:t>
+            </a:r>
             <a:endParaRPr lang="en-US" dirty="0"/>
           </a:p>
         </p:txBody>
@@ -2384,7 +2377,7 @@
     </p:spTree>
     <p:extLst>
       <p:ext uri="{BB962C8B-B14F-4D97-AF65-F5344CB8AC3E}">
-        <p14:creationId xmlns:p14="http://schemas.microsoft.com/office/powerpoint/2010/main" val="816783294"/>
+        <p14:creationId xmlns:p14="http://schemas.microsoft.com/office/powerpoint/2010/main" val="612612661"/>
       </p:ext>
     </p:extLst>
   </p:cSld>
@@ -2439,12 +2432,12 @@
           <a:lstStyle/>
           <a:p>
             <a:r>
-              <a:rPr lang="en-US" dirty="0" err="1" smtClean="0"/>
-              <a:t>Loopless</a:t>
-            </a:r>
-            <a:r>
               <a:rPr lang="en-US" dirty="0" smtClean="0"/>
-              <a:t> coding</a:t>
+              <a:t>No precedence</a:t>
+            </a:r>
+            <a:r>
+              <a:rPr lang="en-US" baseline="0" dirty="0" smtClean="0"/>
+              <a:t> rules except parentheses ()</a:t>
             </a:r>
             <a:endParaRPr lang="en-US" dirty="0"/>
           </a:p>
@@ -2476,7 +2469,7 @@
     </p:spTree>
     <p:extLst>
       <p:ext uri="{BB962C8B-B14F-4D97-AF65-F5344CB8AC3E}">
-        <p14:creationId xmlns:p14="http://schemas.microsoft.com/office/powerpoint/2010/main" val="1679326745"/>
+        <p14:creationId xmlns:p14="http://schemas.microsoft.com/office/powerpoint/2010/main" val="1595097412"/>
       </p:ext>
     </p:extLst>
   </p:cSld>
@@ -2560,7 +2553,7 @@
     </p:spTree>
     <p:extLst>
       <p:ext uri="{BB962C8B-B14F-4D97-AF65-F5344CB8AC3E}">
-        <p14:creationId xmlns:p14="http://schemas.microsoft.com/office/powerpoint/2010/main" val="705503528"/>
+        <p14:creationId xmlns:p14="http://schemas.microsoft.com/office/powerpoint/2010/main" val="1093190645"/>
       </p:ext>
     </p:extLst>
   </p:cSld>
@@ -2698,6 +2691,26 @@
           <a:bodyPr/>
           <a:lstStyle/>
           <a:p>
+            <a:r>
+              <a:rPr lang="en-US" dirty="0" smtClean="0"/>
+              <a:t>“-n=: #y </a:t>
+            </a:r>
+            <a:r>
+              <a:rPr lang="en-US" sz="1200" b="0" i="0" kern="1200" dirty="0" smtClean="0">
+                <a:solidFill>
+                  <a:schemeClr val="tx1"/>
+                </a:solidFill>
+                <a:effectLst/>
+                <a:latin typeface="+mn-lt"/>
+                <a:ea typeface="+mn-ea"/>
+                <a:cs typeface="+mn-cs"/>
+              </a:rPr>
+              <a:t>to</a:t>
+            </a:r>
+            <a:r>
+              <a:rPr lang="en-US" dirty="0" smtClean="0"/>
+              <a:t> n-1” means: from (first let n=4) -4 to 3</a:t>
+            </a:r>
             <a:endParaRPr lang="en-US" dirty="0"/>
           </a:p>
         </p:txBody>
@@ -2719,7 +2732,7 @@
           <a:p>
             <a:fld id="{25B59622-9478-9143-A4F4-B72A582F0DE7}" type="slidenum">
               <a:rPr lang="en-US" smtClean="0"/>
-              <a:t>62</a:t>
+              <a:t>51</a:t>
             </a:fld>
             <a:endParaRPr lang="en-US"/>
           </a:p>
@@ -2728,7 +2741,7 @@
     </p:spTree>
     <p:extLst>
       <p:ext uri="{BB962C8B-B14F-4D97-AF65-F5344CB8AC3E}">
-        <p14:creationId xmlns:p14="http://schemas.microsoft.com/office/powerpoint/2010/main" val="327625760"/>
+        <p14:creationId xmlns:p14="http://schemas.microsoft.com/office/powerpoint/2010/main" val="1773048482"/>
       </p:ext>
     </p:extLst>
   </p:cSld>
@@ -2782,6 +2795,16 @@
           <a:bodyPr/>
           <a:lstStyle/>
           <a:p>
+            <a:r>
+              <a:rPr lang="en-US" dirty="0" smtClean="0"/>
+              <a:t>|.</a:t>
+            </a:r>
+            <a:r>
+              <a:rPr lang="en-US" baseline="0" dirty="0" smtClean="0"/>
+              <a:t> intentionally not described ahead of time</a:t>
+            </a:r>
+          </a:p>
+          <a:p>
             <a:endParaRPr lang="en-US" dirty="0"/>
           </a:p>
         </p:txBody>
@@ -2803,7 +2826,7 @@
           <a:p>
             <a:fld id="{25B59622-9478-9143-A4F4-B72A582F0DE7}" type="slidenum">
               <a:rPr lang="en-US" smtClean="0"/>
-              <a:t>66</a:t>
+              <a:t>52</a:t>
             </a:fld>
             <a:endParaRPr lang="en-US"/>
           </a:p>
@@ -2812,7 +2835,7 @@
     </p:spTree>
     <p:extLst>
       <p:ext uri="{BB962C8B-B14F-4D97-AF65-F5344CB8AC3E}">
-        <p14:creationId xmlns:p14="http://schemas.microsoft.com/office/powerpoint/2010/main" val="1791793583"/>
+        <p14:creationId xmlns:p14="http://schemas.microsoft.com/office/powerpoint/2010/main" val="151941399"/>
       </p:ext>
     </p:extLst>
   </p:cSld>
@@ -2887,7 +2910,351 @@
           <a:p>
             <a:fld id="{25B59622-9478-9143-A4F4-B72A582F0DE7}" type="slidenum">
               <a:rPr lang="en-US" smtClean="0"/>
+              <a:t>54</a:t>
+            </a:fld>
+            <a:endParaRPr lang="en-US"/>
+          </a:p>
+        </p:txBody>
+      </p:sp>
+    </p:spTree>
+    <p:extLst>
+      <p:ext uri="{BB962C8B-B14F-4D97-AF65-F5344CB8AC3E}">
+        <p14:creationId xmlns:p14="http://schemas.microsoft.com/office/powerpoint/2010/main" val="592633343"/>
+      </p:ext>
+    </p:extLst>
+  </p:cSld>
+  <p:clrMapOvr>
+    <a:masterClrMapping/>
+  </p:clrMapOvr>
+</p:notes>
+</file>
+
+<file path=ppt/notesSlides/notesSlide33.xml><?xml version="1.0" encoding="utf-8"?>
+<p:notes xmlns:a="http://schemas.openxmlformats.org/drawingml/2006/main" xmlns:r="http://schemas.openxmlformats.org/officeDocument/2006/relationships" xmlns:p="http://schemas.openxmlformats.org/presentationml/2006/main">
+  <p:cSld>
+    <p:spTree>
+      <p:nvGrpSpPr>
+        <p:cNvPr id="1" name=""/>
+        <p:cNvGrpSpPr/>
+        <p:nvPr/>
+      </p:nvGrpSpPr>
+      <p:grpSpPr>
+        <a:xfrm>
+          <a:off x="0" y="0"/>
+          <a:ext cx="0" cy="0"/>
+          <a:chOff x="0" y="0"/>
+          <a:chExt cx="0" cy="0"/>
+        </a:xfrm>
+      </p:grpSpPr>
+      <p:sp>
+        <p:nvSpPr>
+          <p:cNvPr id="2" name="Slide Image Placeholder 1"/>
+          <p:cNvSpPr>
+            <a:spLocks noGrp="1" noRot="1" noChangeAspect="1"/>
+          </p:cNvSpPr>
+          <p:nvPr>
+            <p:ph type="sldImg"/>
+          </p:nvPr>
+        </p:nvSpPr>
+        <p:spPr/>
+      </p:sp>
+      <p:sp>
+        <p:nvSpPr>
+          <p:cNvPr id="3" name="Notes Placeholder 2"/>
+          <p:cNvSpPr>
+            <a:spLocks noGrp="1"/>
+          </p:cNvSpPr>
+          <p:nvPr>
+            <p:ph type="body" idx="1"/>
+          </p:nvPr>
+        </p:nvSpPr>
+        <p:spPr/>
+        <p:txBody>
+          <a:bodyPr/>
+          <a:lstStyle/>
+          <a:p>
+            <a:r>
+              <a:rPr lang="en-US" dirty="0" smtClean="0"/>
+              <a:t>No precedence</a:t>
+            </a:r>
+            <a:r>
+              <a:rPr lang="en-US" baseline="0" dirty="0" smtClean="0"/>
+              <a:t> rules except parentheses ()</a:t>
+            </a:r>
+            <a:endParaRPr lang="en-US" dirty="0"/>
+          </a:p>
+        </p:txBody>
+      </p:sp>
+      <p:sp>
+        <p:nvSpPr>
+          <p:cNvPr id="4" name="Slide Number Placeholder 3"/>
+          <p:cNvSpPr>
+            <a:spLocks noGrp="1"/>
+          </p:cNvSpPr>
+          <p:nvPr>
+            <p:ph type="sldNum" sz="quarter" idx="10"/>
+          </p:nvPr>
+        </p:nvSpPr>
+        <p:spPr/>
+        <p:txBody>
+          <a:bodyPr/>
+          <a:lstStyle/>
+          <a:p>
+            <a:fld id="{25B59622-9478-9143-A4F4-B72A582F0DE7}" type="slidenum">
+              <a:rPr lang="en-US" smtClean="0"/>
+              <a:t>55</a:t>
+            </a:fld>
+            <a:endParaRPr lang="en-US"/>
+          </a:p>
+        </p:txBody>
+      </p:sp>
+    </p:spTree>
+    <p:extLst>
+      <p:ext uri="{BB962C8B-B14F-4D97-AF65-F5344CB8AC3E}">
+        <p14:creationId xmlns:p14="http://schemas.microsoft.com/office/powerpoint/2010/main" val="1518111516"/>
+      </p:ext>
+    </p:extLst>
+  </p:cSld>
+  <p:clrMapOvr>
+    <a:masterClrMapping/>
+  </p:clrMapOvr>
+</p:notes>
+</file>
+
+<file path=ppt/notesSlides/notesSlide34.xml><?xml version="1.0" encoding="utf-8"?>
+<p:notes xmlns:a="http://schemas.openxmlformats.org/drawingml/2006/main" xmlns:r="http://schemas.openxmlformats.org/officeDocument/2006/relationships" xmlns:p="http://schemas.openxmlformats.org/presentationml/2006/main">
+  <p:cSld>
+    <p:spTree>
+      <p:nvGrpSpPr>
+        <p:cNvPr id="1" name=""/>
+        <p:cNvGrpSpPr/>
+        <p:nvPr/>
+      </p:nvGrpSpPr>
+      <p:grpSpPr>
+        <a:xfrm>
+          <a:off x="0" y="0"/>
+          <a:ext cx="0" cy="0"/>
+          <a:chOff x="0" y="0"/>
+          <a:chExt cx="0" cy="0"/>
+        </a:xfrm>
+      </p:grpSpPr>
+      <p:sp>
+        <p:nvSpPr>
+          <p:cNvPr id="2" name="Slide Image Placeholder 1"/>
+          <p:cNvSpPr>
+            <a:spLocks noGrp="1" noRot="1" noChangeAspect="1"/>
+          </p:cNvSpPr>
+          <p:nvPr>
+            <p:ph type="sldImg"/>
+          </p:nvPr>
+        </p:nvSpPr>
+        <p:spPr/>
+      </p:sp>
+      <p:sp>
+        <p:nvSpPr>
+          <p:cNvPr id="3" name="Notes Placeholder 2"/>
+          <p:cNvSpPr>
+            <a:spLocks noGrp="1"/>
+          </p:cNvSpPr>
+          <p:nvPr>
+            <p:ph type="body" idx="1"/>
+          </p:nvPr>
+        </p:nvSpPr>
+        <p:spPr/>
+        <p:txBody>
+          <a:bodyPr/>
+          <a:lstStyle/>
+          <a:p>
+            <a:endParaRPr lang="en-US" dirty="0"/>
+          </a:p>
+        </p:txBody>
+      </p:sp>
+      <p:sp>
+        <p:nvSpPr>
+          <p:cNvPr id="4" name="Slide Number Placeholder 3"/>
+          <p:cNvSpPr>
+            <a:spLocks noGrp="1"/>
+          </p:cNvSpPr>
+          <p:nvPr>
+            <p:ph type="sldNum" sz="quarter" idx="10"/>
+          </p:nvPr>
+        </p:nvSpPr>
+        <p:spPr/>
+        <p:txBody>
+          <a:bodyPr/>
+          <a:lstStyle/>
+          <a:p>
+            <a:fld id="{25B59622-9478-9143-A4F4-B72A582F0DE7}" type="slidenum">
+              <a:rPr lang="en-US" smtClean="0"/>
               <a:t>67</a:t>
+            </a:fld>
+            <a:endParaRPr lang="en-US"/>
+          </a:p>
+        </p:txBody>
+      </p:sp>
+    </p:spTree>
+    <p:extLst>
+      <p:ext uri="{BB962C8B-B14F-4D97-AF65-F5344CB8AC3E}">
+        <p14:creationId xmlns:p14="http://schemas.microsoft.com/office/powerpoint/2010/main" val="327625760"/>
+      </p:ext>
+    </p:extLst>
+  </p:cSld>
+  <p:clrMapOvr>
+    <a:masterClrMapping/>
+  </p:clrMapOvr>
+</p:notes>
+</file>
+
+<file path=ppt/notesSlides/notesSlide35.xml><?xml version="1.0" encoding="utf-8"?>
+<p:notes xmlns:a="http://schemas.openxmlformats.org/drawingml/2006/main" xmlns:r="http://schemas.openxmlformats.org/officeDocument/2006/relationships" xmlns:p="http://schemas.openxmlformats.org/presentationml/2006/main">
+  <p:cSld>
+    <p:spTree>
+      <p:nvGrpSpPr>
+        <p:cNvPr id="1" name=""/>
+        <p:cNvGrpSpPr/>
+        <p:nvPr/>
+      </p:nvGrpSpPr>
+      <p:grpSpPr>
+        <a:xfrm>
+          <a:off x="0" y="0"/>
+          <a:ext cx="0" cy="0"/>
+          <a:chOff x="0" y="0"/>
+          <a:chExt cx="0" cy="0"/>
+        </a:xfrm>
+      </p:grpSpPr>
+      <p:sp>
+        <p:nvSpPr>
+          <p:cNvPr id="2" name="Slide Image Placeholder 1"/>
+          <p:cNvSpPr>
+            <a:spLocks noGrp="1" noRot="1" noChangeAspect="1"/>
+          </p:cNvSpPr>
+          <p:nvPr>
+            <p:ph type="sldImg"/>
+          </p:nvPr>
+        </p:nvSpPr>
+        <p:spPr/>
+      </p:sp>
+      <p:sp>
+        <p:nvSpPr>
+          <p:cNvPr id="3" name="Notes Placeholder 2"/>
+          <p:cNvSpPr>
+            <a:spLocks noGrp="1"/>
+          </p:cNvSpPr>
+          <p:nvPr>
+            <p:ph type="body" idx="1"/>
+          </p:nvPr>
+        </p:nvSpPr>
+        <p:spPr/>
+        <p:txBody>
+          <a:bodyPr/>
+          <a:lstStyle/>
+          <a:p>
+            <a:endParaRPr lang="en-US" dirty="0"/>
+          </a:p>
+        </p:txBody>
+      </p:sp>
+      <p:sp>
+        <p:nvSpPr>
+          <p:cNvPr id="4" name="Slide Number Placeholder 3"/>
+          <p:cNvSpPr>
+            <a:spLocks noGrp="1"/>
+          </p:cNvSpPr>
+          <p:nvPr>
+            <p:ph type="sldNum" sz="quarter" idx="10"/>
+          </p:nvPr>
+        </p:nvSpPr>
+        <p:spPr/>
+        <p:txBody>
+          <a:bodyPr/>
+          <a:lstStyle/>
+          <a:p>
+            <a:fld id="{25B59622-9478-9143-A4F4-B72A582F0DE7}" type="slidenum">
+              <a:rPr lang="en-US" smtClean="0"/>
+              <a:t>71</a:t>
+            </a:fld>
+            <a:endParaRPr lang="en-US"/>
+          </a:p>
+        </p:txBody>
+      </p:sp>
+    </p:spTree>
+    <p:extLst>
+      <p:ext uri="{BB962C8B-B14F-4D97-AF65-F5344CB8AC3E}">
+        <p14:creationId xmlns:p14="http://schemas.microsoft.com/office/powerpoint/2010/main" val="1791793583"/>
+      </p:ext>
+    </p:extLst>
+  </p:cSld>
+  <p:clrMapOvr>
+    <a:masterClrMapping/>
+  </p:clrMapOvr>
+</p:notes>
+</file>
+
+<file path=ppt/notesSlides/notesSlide36.xml><?xml version="1.0" encoding="utf-8"?>
+<p:notes xmlns:a="http://schemas.openxmlformats.org/drawingml/2006/main" xmlns:r="http://schemas.openxmlformats.org/officeDocument/2006/relationships" xmlns:p="http://schemas.openxmlformats.org/presentationml/2006/main">
+  <p:cSld>
+    <p:spTree>
+      <p:nvGrpSpPr>
+        <p:cNvPr id="1" name=""/>
+        <p:cNvGrpSpPr/>
+        <p:nvPr/>
+      </p:nvGrpSpPr>
+      <p:grpSpPr>
+        <a:xfrm>
+          <a:off x="0" y="0"/>
+          <a:ext cx="0" cy="0"/>
+          <a:chOff x="0" y="0"/>
+          <a:chExt cx="0" cy="0"/>
+        </a:xfrm>
+      </p:grpSpPr>
+      <p:sp>
+        <p:nvSpPr>
+          <p:cNvPr id="2" name="Slide Image Placeholder 1"/>
+          <p:cNvSpPr>
+            <a:spLocks noGrp="1" noRot="1" noChangeAspect="1"/>
+          </p:cNvSpPr>
+          <p:nvPr>
+            <p:ph type="sldImg"/>
+          </p:nvPr>
+        </p:nvSpPr>
+        <p:spPr/>
+      </p:sp>
+      <p:sp>
+        <p:nvSpPr>
+          <p:cNvPr id="3" name="Notes Placeholder 2"/>
+          <p:cNvSpPr>
+            <a:spLocks noGrp="1"/>
+          </p:cNvSpPr>
+          <p:nvPr>
+            <p:ph type="body" idx="1"/>
+          </p:nvPr>
+        </p:nvSpPr>
+        <p:spPr/>
+        <p:txBody>
+          <a:bodyPr/>
+          <a:lstStyle/>
+          <a:p>
+            <a:endParaRPr lang="en-US" dirty="0"/>
+          </a:p>
+        </p:txBody>
+      </p:sp>
+      <p:sp>
+        <p:nvSpPr>
+          <p:cNvPr id="4" name="Slide Number Placeholder 3"/>
+          <p:cNvSpPr>
+            <a:spLocks noGrp="1"/>
+          </p:cNvSpPr>
+          <p:nvPr>
+            <p:ph type="sldNum" sz="quarter" idx="10"/>
+          </p:nvPr>
+        </p:nvSpPr>
+        <p:spPr/>
+        <p:txBody>
+          <a:bodyPr/>
+          <a:lstStyle/>
+          <a:p>
+            <a:fld id="{25B59622-9478-9143-A4F4-B72A582F0DE7}" type="slidenum">
+              <a:rPr lang="en-US" smtClean="0"/>
+              <a:t>72</a:t>
             </a:fld>
             <a:endParaRPr lang="en-US"/>
           </a:p>
@@ -8433,7 +8800,7 @@
                 <a:ea typeface="Calibri" charset="0"/>
                 <a:cs typeface="Calibri" charset="0"/>
               </a:rPr>
-              <a:t>Solution!</a:t>
+              <a:t>Solutions!</a:t>
             </a:r>
             <a:endParaRPr lang="en-US" sz="4000" b="1" i="1" dirty="0">
               <a:solidFill>
@@ -11173,7 +11540,7 @@
                 <a:ea typeface="Calibri" charset="0"/>
                 <a:cs typeface="Calibri" charset="0"/>
               </a:rPr>
-              <a:t>Solution!</a:t>
+              <a:t>Solutions!</a:t>
             </a:r>
             <a:endParaRPr lang="en-US" sz="4000" b="1" i="1" dirty="0">
               <a:solidFill>
@@ -15309,7 +15676,7 @@
                 <a:ea typeface="Calibri" charset="0"/>
                 <a:cs typeface="Calibri" charset="0"/>
               </a:rPr>
-              <a:t>Solution!</a:t>
+              <a:t>Solutions!</a:t>
             </a:r>
             <a:endParaRPr lang="en-US" sz="4000" b="1" i="1" dirty="0">
               <a:solidFill>
@@ -16285,7 +16652,7 @@
                 <a:ea typeface="Calibri" charset="0"/>
                 <a:cs typeface="Calibri" charset="0"/>
               </a:rPr>
-              <a:t>Solution!</a:t>
+              <a:t>Solutions!</a:t>
             </a:r>
             <a:endParaRPr lang="en-US" sz="4000" b="1" i="1" dirty="0">
               <a:solidFill>
@@ -17344,100 +17711,55 @@
           <a:chExt cx="0" cy="0"/>
         </a:xfrm>
       </p:grpSpPr>
-      <p:pic>
-        <p:nvPicPr>
-          <p:cNvPr id="2" name="Picture 1"/>
-          <p:cNvPicPr>
-            <a:picLocks noChangeAspect="1"/>
-          </p:cNvPicPr>
-          <p:nvPr/>
-        </p:nvPicPr>
-        <p:blipFill>
-          <a:blip r:embed="rId3">
-            <a:extLst>
-              <a:ext uri="{28A0092B-C50C-407E-A947-70E740481C1C}">
-                <a14:useLocalDpi xmlns:a14="http://schemas.microsoft.com/office/drawing/2010/main" val="0"/>
-              </a:ext>
-            </a:extLst>
-          </a:blip>
-          <a:stretch>
-            <a:fillRect/>
-          </a:stretch>
-        </p:blipFill>
-        <p:spPr>
-          <a:xfrm>
-            <a:off x="2168525" y="619642"/>
-            <a:ext cx="3657597" cy="5483902"/>
-          </a:xfrm>
-          <a:prstGeom prst="rect">
-            <a:avLst/>
-          </a:prstGeom>
-        </p:spPr>
-      </p:pic>
-      <p:pic>
-        <p:nvPicPr>
-          <p:cNvPr id="3" name="Picture 2"/>
-          <p:cNvPicPr>
-            <a:picLocks noChangeAspect="1"/>
-          </p:cNvPicPr>
-          <p:nvPr/>
-        </p:nvPicPr>
-        <p:blipFill>
-          <a:blip r:embed="rId4">
-            <a:extLst>
-              <a:ext uri="{28A0092B-C50C-407E-A947-70E740481C1C}">
-                <a14:useLocalDpi xmlns:a14="http://schemas.microsoft.com/office/drawing/2010/main" val="0"/>
-              </a:ext>
-            </a:extLst>
-          </a:blip>
-          <a:stretch>
-            <a:fillRect/>
-          </a:stretch>
-        </p:blipFill>
-        <p:spPr>
-          <a:xfrm>
-            <a:off x="6379146" y="639540"/>
-            <a:ext cx="3631055" cy="5444105"/>
-          </a:xfrm>
-          <a:prstGeom prst="rect">
-            <a:avLst/>
-          </a:prstGeom>
-        </p:spPr>
-      </p:pic>
-      <p:pic>
-        <p:nvPicPr>
-          <p:cNvPr id="4" name="Picture 3"/>
-          <p:cNvPicPr>
-            <a:picLocks noChangeAspect="1"/>
-          </p:cNvPicPr>
-          <p:nvPr/>
-        </p:nvPicPr>
-        <p:blipFill>
-          <a:blip r:embed="rId5">
-            <a:extLst>
-              <a:ext uri="{28A0092B-C50C-407E-A947-70E740481C1C}">
-                <a14:useLocalDpi xmlns:a14="http://schemas.microsoft.com/office/drawing/2010/main" val="0"/>
-              </a:ext>
-            </a:extLst>
-          </a:blip>
-          <a:stretch>
-            <a:fillRect/>
-          </a:stretch>
-        </p:blipFill>
-        <p:spPr>
-          <a:xfrm>
-            <a:off x="2168525" y="629610"/>
-            <a:ext cx="3657596" cy="5483900"/>
-          </a:xfrm>
-          <a:prstGeom prst="rect">
-            <a:avLst/>
-          </a:prstGeom>
-        </p:spPr>
-      </p:pic>
+      <p:sp>
+        <p:nvSpPr>
+          <p:cNvPr id="2" name="TextBox 1"/>
+          <p:cNvSpPr txBox="1"/>
+          <p:nvPr/>
+        </p:nvSpPr>
+        <p:spPr>
+          <a:xfrm>
+            <a:off x="1442978" y="1458411"/>
+            <a:ext cx="9306045" cy="1446550"/>
+          </a:xfrm>
+          <a:prstGeom prst="rect">
+            <a:avLst/>
+          </a:prstGeom>
+          <a:noFill/>
+        </p:spPr>
+        <p:txBody>
+          <a:bodyPr wrap="square" rtlCol="0">
+            <a:spAutoFit/>
+          </a:bodyPr>
+          <a:lstStyle/>
+          <a:p>
+            <a:pPr algn="ctr"/>
+            <a:r>
+              <a:rPr lang="en-US" sz="8800" b="1" i="1" dirty="0" smtClean="0">
+                <a:solidFill>
+                  <a:schemeClr val="bg1"/>
+                </a:solidFill>
+                <a:latin typeface="Helvetica Neue" charset="0"/>
+                <a:ea typeface="Helvetica Neue" charset="0"/>
+                <a:cs typeface="Helvetica Neue" charset="0"/>
+              </a:rPr>
+              <a:t>Adverbs</a:t>
+            </a:r>
+            <a:endParaRPr lang="en-US" sz="8800" b="1" i="1" dirty="0">
+              <a:solidFill>
+                <a:schemeClr val="bg1"/>
+              </a:solidFill>
+              <a:latin typeface="Helvetica Neue" charset="0"/>
+              <a:ea typeface="Helvetica Neue" charset="0"/>
+              <a:cs typeface="Helvetica Neue" charset="0"/>
+            </a:endParaRPr>
+          </a:p>
+        </p:txBody>
+      </p:sp>
     </p:spTree>
     <p:extLst>
       <p:ext uri="{BB962C8B-B14F-4D97-AF65-F5344CB8AC3E}">
-        <p14:creationId xmlns:p14="http://schemas.microsoft.com/office/powerpoint/2010/main" val="1802148033"/>
+        <p14:creationId xmlns:p14="http://schemas.microsoft.com/office/powerpoint/2010/main" val="617256039"/>
       </p:ext>
     </p:extLst>
   </p:cSld>
@@ -17479,8 +17801,8 @@
         </p:nvSpPr>
         <p:spPr>
           <a:xfrm>
-            <a:off x="1637957" y="1009410"/>
-            <a:ext cx="9956800" cy="2862322"/>
+            <a:off x="1469986" y="914400"/>
+            <a:ext cx="9722733" cy="3416320"/>
           </a:xfrm>
           <a:prstGeom prst="rect">
             <a:avLst/>
@@ -17494,204 +17816,55 @@
           <a:lstStyle/>
           <a:p>
             <a:r>
-              <a:rPr lang="da-DK" sz="3600" dirty="0" smtClean="0">
-                <a:solidFill>
-                  <a:schemeClr val="accent4"/>
-                </a:solidFill>
-                <a:latin typeface="Consolas" charset="0"/>
-                <a:ea typeface="Consolas" charset="0"/>
-                <a:cs typeface="Consolas" charset="0"/>
-              </a:rPr>
-              <a:t>	(</a:t>
-            </a:r>
-            <a:r>
-              <a:rPr lang="da-DK" sz="3600" dirty="0">
-                <a:solidFill>
-                  <a:schemeClr val="accent4"/>
-                </a:solidFill>
-                <a:latin typeface="Consolas" charset="0"/>
-                <a:ea typeface="Consolas" charset="0"/>
-                <a:cs typeface="Consolas" charset="0"/>
-              </a:rPr>
-              <a:t>i.3) (i.5</a:t>
-            </a:r>
-            <a:r>
-              <a:rPr lang="da-DK" sz="3600" dirty="0" smtClean="0">
-                <a:solidFill>
-                  <a:schemeClr val="accent4"/>
-                </a:solidFill>
-                <a:latin typeface="Consolas" charset="0"/>
-                <a:ea typeface="Consolas" charset="0"/>
-                <a:cs typeface="Consolas" charset="0"/>
-              </a:rPr>
-              <a:t>)</a:t>
-            </a:r>
-          </a:p>
-          <a:p>
-            <a:r>
-              <a:rPr lang="da-DK" sz="3600" dirty="0" smtClean="0">
-                <a:solidFill>
-                  <a:schemeClr val="accent4"/>
-                </a:solidFill>
-                <a:latin typeface="Consolas" charset="0"/>
-                <a:ea typeface="Consolas" charset="0"/>
-                <a:cs typeface="Consolas" charset="0"/>
-              </a:rPr>
-              <a:t>|</a:t>
-            </a:r>
-            <a:r>
-              <a:rPr lang="da-DK" sz="3600" dirty="0" err="1">
-                <a:solidFill>
-                  <a:schemeClr val="accent4"/>
-                </a:solidFill>
-                <a:latin typeface="Consolas" charset="0"/>
-                <a:ea typeface="Consolas" charset="0"/>
-                <a:cs typeface="Consolas" charset="0"/>
-              </a:rPr>
-              <a:t>syntax</a:t>
-            </a:r>
-            <a:r>
-              <a:rPr lang="da-DK" sz="3600" dirty="0">
-                <a:solidFill>
-                  <a:schemeClr val="accent4"/>
-                </a:solidFill>
-                <a:latin typeface="Consolas" charset="0"/>
-                <a:ea typeface="Consolas" charset="0"/>
-                <a:cs typeface="Consolas" charset="0"/>
-              </a:rPr>
-              <a:t> </a:t>
-            </a:r>
-            <a:r>
-              <a:rPr lang="da-DK" sz="3600" dirty="0" err="1" smtClean="0">
-                <a:solidFill>
-                  <a:schemeClr val="accent4"/>
-                </a:solidFill>
-                <a:latin typeface="Consolas" charset="0"/>
-                <a:ea typeface="Consolas" charset="0"/>
-                <a:cs typeface="Consolas" charset="0"/>
-              </a:rPr>
-              <a:t>error</a:t>
-            </a:r>
-            <a:endParaRPr lang="da-DK" sz="3600" dirty="0" smtClean="0">
+              <a:rPr lang="en-US" sz="3600" dirty="0">
+                <a:solidFill>
+                  <a:schemeClr val="bg1"/>
+                </a:solidFill>
+              </a:rPr>
+              <a:t>A noun holds data; a verb operates on one or two nouns to produce a result which is a noun; an adverb operates on one noun or verb to produce a derived </a:t>
+            </a:r>
+            <a:r>
+              <a:rPr lang="en-US" sz="3600" dirty="0" smtClean="0">
+                <a:solidFill>
+                  <a:schemeClr val="bg1"/>
+                </a:solidFill>
+              </a:rPr>
+              <a:t>entity.</a:t>
+            </a:r>
+            <a:r>
+              <a:rPr lang="en-US" sz="3600" dirty="0">
+                <a:solidFill>
+                  <a:schemeClr val="bg1"/>
+                </a:solidFill>
+              </a:rPr>
+              <a:t> </a:t>
+            </a:r>
+            <a:endParaRPr lang="en-US" sz="3600" dirty="0" smtClean="0">
               <a:solidFill>
-                <a:schemeClr val="accent4"/>
+                <a:schemeClr val="bg1"/>
               </a:solidFill>
-              <a:latin typeface="Consolas" charset="0"/>
-              <a:ea typeface="Consolas" charset="0"/>
-              <a:cs typeface="Consolas" charset="0"/>
             </a:endParaRPr>
           </a:p>
           <a:p>
-            <a:r>
-              <a:rPr lang="da-DK" sz="3600" dirty="0" smtClean="0">
-                <a:solidFill>
-                  <a:schemeClr val="accent4"/>
-                </a:solidFill>
-                <a:latin typeface="Consolas" charset="0"/>
-                <a:ea typeface="Consolas" charset="0"/>
-                <a:cs typeface="Consolas" charset="0"/>
-              </a:rPr>
-              <a:t>|       </a:t>
-            </a:r>
-            <a:r>
-              <a:rPr lang="da-DK" sz="3600" dirty="0">
-                <a:solidFill>
-                  <a:schemeClr val="accent4"/>
-                </a:solidFill>
-                <a:latin typeface="Consolas" charset="0"/>
-                <a:ea typeface="Consolas" charset="0"/>
-                <a:cs typeface="Consolas" charset="0"/>
-              </a:rPr>
-              <a:t>(i.3)(i.5</a:t>
-            </a:r>
-            <a:r>
-              <a:rPr lang="da-DK" sz="3600" dirty="0" smtClean="0">
-                <a:solidFill>
-                  <a:schemeClr val="accent4"/>
-                </a:solidFill>
-                <a:latin typeface="Consolas" charset="0"/>
-                <a:ea typeface="Consolas" charset="0"/>
-                <a:cs typeface="Consolas" charset="0"/>
-              </a:rPr>
-              <a:t>)</a:t>
-            </a:r>
-          </a:p>
-          <a:p>
-            <a:r>
-              <a:rPr lang="da-DK" sz="3600" dirty="0">
-                <a:solidFill>
-                  <a:schemeClr val="accent4"/>
-                </a:solidFill>
-                <a:latin typeface="Consolas" charset="0"/>
-                <a:ea typeface="Consolas" charset="0"/>
-                <a:cs typeface="Consolas" charset="0"/>
-              </a:rPr>
-              <a:t>	</a:t>
-            </a:r>
-            <a:r>
-              <a:rPr lang="da-DK" sz="3600" dirty="0" smtClean="0">
-                <a:solidFill>
-                  <a:schemeClr val="accent4"/>
-                </a:solidFill>
-                <a:latin typeface="Consolas" charset="0"/>
-                <a:ea typeface="Consolas" charset="0"/>
-                <a:cs typeface="Consolas" charset="0"/>
-              </a:rPr>
-              <a:t>(</a:t>
-            </a:r>
-            <a:r>
-              <a:rPr lang="da-DK" sz="3600" dirty="0">
-                <a:solidFill>
-                  <a:schemeClr val="accent4"/>
-                </a:solidFill>
-                <a:latin typeface="Consolas" charset="0"/>
-                <a:ea typeface="Consolas" charset="0"/>
-                <a:cs typeface="Consolas" charset="0"/>
-              </a:rPr>
-              <a:t>i.3),(i.5</a:t>
-            </a:r>
-            <a:r>
-              <a:rPr lang="da-DK" sz="3600" dirty="0" smtClean="0">
-                <a:solidFill>
-                  <a:schemeClr val="accent4"/>
-                </a:solidFill>
-                <a:latin typeface="Consolas" charset="0"/>
-                <a:ea typeface="Consolas" charset="0"/>
-                <a:cs typeface="Consolas" charset="0"/>
-              </a:rPr>
-              <a:t>)</a:t>
-            </a:r>
-          </a:p>
-          <a:p>
-            <a:r>
-              <a:rPr lang="da-DK" sz="3600" dirty="0" smtClean="0">
-                <a:solidFill>
-                  <a:schemeClr val="accent4"/>
-                </a:solidFill>
-                <a:latin typeface="Consolas" charset="0"/>
-                <a:ea typeface="Consolas" charset="0"/>
-                <a:cs typeface="Consolas" charset="0"/>
-              </a:rPr>
-              <a:t>0 </a:t>
-            </a:r>
-            <a:r>
-              <a:rPr lang="da-DK" sz="3600" dirty="0">
-                <a:solidFill>
-                  <a:schemeClr val="accent4"/>
-                </a:solidFill>
-                <a:latin typeface="Consolas" charset="0"/>
-                <a:ea typeface="Consolas" charset="0"/>
-                <a:cs typeface="Consolas" charset="0"/>
-              </a:rPr>
-              <a:t>1 2 0 1 2 3 4</a:t>
-            </a:r>
-            <a:endParaRPr lang="da-DK" sz="3600" dirty="0" smtClean="0">
+            <a:endParaRPr lang="en-US" sz="3600" dirty="0">
               <a:solidFill>
-                <a:schemeClr val="accent4"/>
+                <a:schemeClr val="bg1"/>
               </a:solidFill>
-              <a:latin typeface="Consolas" charset="0"/>
-              <a:ea typeface="Consolas" charset="0"/>
-              <a:cs typeface="Consolas" charset="0"/>
+            </a:endParaRPr>
+          </a:p>
+          <a:p>
+            <a:r>
+              <a:rPr lang="en-US" sz="3600" i="1" dirty="0" smtClean="0">
+                <a:solidFill>
+                  <a:schemeClr val="bg1"/>
+                </a:solidFill>
+              </a:rPr>
+              <a:t>J for C Programmers</a:t>
+            </a:r>
+            <a:endParaRPr lang="en-US" sz="3600" i="1" dirty="0">
+              <a:solidFill>
+                <a:schemeClr val="bg1"/>
+              </a:solidFill>
             </a:endParaRPr>
           </a:p>
         </p:txBody>
@@ -17699,7 +17872,7 @@
     </p:spTree>
     <p:extLst>
       <p:ext uri="{BB962C8B-B14F-4D97-AF65-F5344CB8AC3E}">
-        <p14:creationId xmlns:p14="http://schemas.microsoft.com/office/powerpoint/2010/main" val="1049491361"/>
+        <p14:creationId xmlns:p14="http://schemas.microsoft.com/office/powerpoint/2010/main" val="484096491"/>
       </p:ext>
     </p:extLst>
   </p:cSld>
@@ -17735,7 +17908,7 @@
       </p:grpSpPr>
       <p:pic>
         <p:nvPicPr>
-          <p:cNvPr id="2" name="Picture 1"/>
+          <p:cNvPr id="3" name="Picture 2"/>
           <p:cNvPicPr>
             <a:picLocks noChangeAspect="1"/>
           </p:cNvPicPr>
@@ -17755,8 +17928,8 @@
         </p:blipFill>
         <p:spPr>
           <a:xfrm>
-            <a:off x="2168525" y="619642"/>
-            <a:ext cx="3657597" cy="5483902"/>
+            <a:off x="6385746" y="639540"/>
+            <a:ext cx="3617855" cy="5444105"/>
           </a:xfrm>
           <a:prstGeom prst="rect">
             <a:avLst/>
@@ -17765,7 +17938,7 @@
       </p:pic>
       <p:pic>
         <p:nvPicPr>
-          <p:cNvPr id="3" name="Picture 2"/>
+          <p:cNvPr id="5" name="Picture 4"/>
           <p:cNvPicPr>
             <a:picLocks noChangeAspect="1"/>
           </p:cNvPicPr>
@@ -17785,37 +17958,7 @@
         </p:blipFill>
         <p:spPr>
           <a:xfrm>
-            <a:off x="6385746" y="639540"/>
-            <a:ext cx="3617855" cy="5444105"/>
-          </a:xfrm>
-          <a:prstGeom prst="rect">
-            <a:avLst/>
-          </a:prstGeom>
-        </p:spPr>
-      </p:pic>
-      <p:pic>
-        <p:nvPicPr>
-          <p:cNvPr id="4" name="Picture 3"/>
-          <p:cNvPicPr>
-            <a:picLocks noChangeAspect="1"/>
-          </p:cNvPicPr>
-          <p:nvPr/>
-        </p:nvPicPr>
-        <p:blipFill>
-          <a:blip r:embed="rId5">
-            <a:extLst>
-              <a:ext uri="{28A0092B-C50C-407E-A947-70E740481C1C}">
-                <a14:useLocalDpi xmlns:a14="http://schemas.microsoft.com/office/drawing/2010/main" val="0"/>
-              </a:ext>
-            </a:extLst>
-          </a:blip>
-          <a:stretch>
-            <a:fillRect/>
-          </a:stretch>
-        </p:blipFill>
-        <p:spPr>
-          <a:xfrm>
-            <a:off x="2168525" y="629610"/>
+            <a:off x="2168525" y="632697"/>
             <a:ext cx="3657596" cy="5483899"/>
           </a:xfrm>
           <a:prstGeom prst="rect">
@@ -17826,7 +17969,7 @@
     </p:spTree>
     <p:extLst>
       <p:ext uri="{BB962C8B-B14F-4D97-AF65-F5344CB8AC3E}">
-        <p14:creationId xmlns:p14="http://schemas.microsoft.com/office/powerpoint/2010/main" val="299478029"/>
+        <p14:creationId xmlns:p14="http://schemas.microsoft.com/office/powerpoint/2010/main" val="989622485"/>
       </p:ext>
     </p:extLst>
   </p:cSld>
@@ -17860,130 +18003,133 @@
           <a:chExt cx="0" cy="0"/>
         </a:xfrm>
       </p:grpSpPr>
-      <p:pic>
-        <p:nvPicPr>
-          <p:cNvPr id="2" name="Picture 1"/>
-          <p:cNvPicPr>
-            <a:picLocks noChangeAspect="1"/>
-          </p:cNvPicPr>
-          <p:nvPr/>
-        </p:nvPicPr>
-        <p:blipFill>
-          <a:blip r:embed="rId3">
-            <a:extLst>
-              <a:ext uri="{28A0092B-C50C-407E-A947-70E740481C1C}">
-                <a14:useLocalDpi xmlns:a14="http://schemas.microsoft.com/office/drawing/2010/main" val="0"/>
-              </a:ext>
-            </a:extLst>
-          </a:blip>
-          <a:stretch>
-            <a:fillRect/>
-          </a:stretch>
-        </p:blipFill>
-        <p:spPr>
-          <a:xfrm>
-            <a:off x="2168525" y="619642"/>
-            <a:ext cx="3657597" cy="5483902"/>
-          </a:xfrm>
-          <a:prstGeom prst="rect">
-            <a:avLst/>
-          </a:prstGeom>
-        </p:spPr>
-      </p:pic>
-      <p:pic>
-        <p:nvPicPr>
-          <p:cNvPr id="3" name="Picture 2"/>
-          <p:cNvPicPr>
-            <a:picLocks noChangeAspect="1"/>
-          </p:cNvPicPr>
-          <p:nvPr/>
-        </p:nvPicPr>
-        <p:blipFill>
-          <a:blip r:embed="rId4">
-            <a:extLst>
-              <a:ext uri="{28A0092B-C50C-407E-A947-70E740481C1C}">
-                <a14:useLocalDpi xmlns:a14="http://schemas.microsoft.com/office/drawing/2010/main" val="0"/>
-              </a:ext>
-            </a:extLst>
-          </a:blip>
-          <a:stretch>
-            <a:fillRect/>
-          </a:stretch>
-        </p:blipFill>
-        <p:spPr>
-          <a:xfrm>
-            <a:off x="6385746" y="649435"/>
-            <a:ext cx="3617855" cy="5424314"/>
-          </a:xfrm>
-          <a:prstGeom prst="rect">
-            <a:avLst/>
-          </a:prstGeom>
-        </p:spPr>
-      </p:pic>
-      <p:pic>
-        <p:nvPicPr>
-          <p:cNvPr id="4" name="Picture 3"/>
-          <p:cNvPicPr>
-            <a:picLocks noChangeAspect="1"/>
-          </p:cNvPicPr>
-          <p:nvPr/>
-        </p:nvPicPr>
-        <p:blipFill>
-          <a:blip r:embed="rId5">
-            <a:extLst>
-              <a:ext uri="{28A0092B-C50C-407E-A947-70E740481C1C}">
-                <a14:useLocalDpi xmlns:a14="http://schemas.microsoft.com/office/drawing/2010/main" val="0"/>
-              </a:ext>
-            </a:extLst>
-          </a:blip>
-          <a:stretch>
-            <a:fillRect/>
-          </a:stretch>
-        </p:blipFill>
-        <p:spPr>
-          <a:xfrm>
-            <a:off x="2168525" y="629610"/>
-            <a:ext cx="3657596" cy="5483899"/>
-          </a:xfrm>
-          <a:prstGeom prst="rect">
-            <a:avLst/>
-          </a:prstGeom>
-        </p:spPr>
-      </p:pic>
-      <p:pic>
-        <p:nvPicPr>
-          <p:cNvPr id="5" name="Picture 4"/>
-          <p:cNvPicPr>
-            <a:picLocks noChangeAspect="1"/>
-          </p:cNvPicPr>
-          <p:nvPr/>
-        </p:nvPicPr>
-        <p:blipFill>
-          <a:blip r:embed="rId6">
-            <a:extLst>
-              <a:ext uri="{28A0092B-C50C-407E-A947-70E740481C1C}">
-                <a14:useLocalDpi xmlns:a14="http://schemas.microsoft.com/office/drawing/2010/main" val="0"/>
-              </a:ext>
-            </a:extLst>
-          </a:blip>
-          <a:stretch>
-            <a:fillRect/>
-          </a:stretch>
-        </p:blipFill>
-        <p:spPr>
-          <a:xfrm>
-            <a:off x="2168526" y="639540"/>
-            <a:ext cx="3657595" cy="5483899"/>
-          </a:xfrm>
-          <a:prstGeom prst="rect">
-            <a:avLst/>
-          </a:prstGeom>
-        </p:spPr>
-      </p:pic>
+      <p:sp>
+        <p:nvSpPr>
+          <p:cNvPr id="2" name="TextBox 1"/>
+          <p:cNvSpPr txBox="1"/>
+          <p:nvPr/>
+        </p:nvSpPr>
+        <p:spPr>
+          <a:xfrm>
+            <a:off x="1637957" y="1009410"/>
+            <a:ext cx="9956800" cy="3416320"/>
+          </a:xfrm>
+          <a:prstGeom prst="rect">
+            <a:avLst/>
+          </a:prstGeom>
+          <a:noFill/>
+        </p:spPr>
+        <p:txBody>
+          <a:bodyPr wrap="square" rtlCol="0">
+            <a:spAutoFit/>
+          </a:bodyPr>
+          <a:lstStyle/>
+          <a:p>
+            <a:r>
+              <a:rPr lang="da-DK" sz="3600" dirty="0" smtClean="0">
+                <a:solidFill>
+                  <a:schemeClr val="accent4"/>
+                </a:solidFill>
+                <a:latin typeface="Consolas" charset="0"/>
+                <a:ea typeface="Consolas" charset="0"/>
+                <a:cs typeface="Consolas" charset="0"/>
+              </a:rPr>
+              <a:t>	1+2+3+4+5</a:t>
+            </a:r>
+          </a:p>
+          <a:p>
+            <a:r>
+              <a:rPr lang="da-DK" sz="3600" dirty="0" smtClean="0">
+                <a:solidFill>
+                  <a:schemeClr val="accent4"/>
+                </a:solidFill>
+                <a:latin typeface="Consolas" charset="0"/>
+                <a:ea typeface="Consolas" charset="0"/>
+                <a:cs typeface="Consolas" charset="0"/>
+              </a:rPr>
+              <a:t>15</a:t>
+            </a:r>
+          </a:p>
+          <a:p>
+            <a:r>
+              <a:rPr lang="da-DK" sz="3600" dirty="0">
+                <a:solidFill>
+                  <a:schemeClr val="accent4"/>
+                </a:solidFill>
+                <a:latin typeface="Consolas" charset="0"/>
+                <a:ea typeface="Consolas" charset="0"/>
+                <a:cs typeface="Consolas" charset="0"/>
+              </a:rPr>
+              <a:t>	</a:t>
+            </a:r>
+            <a:r>
+              <a:rPr lang="da-DK" sz="3600" dirty="0" smtClean="0">
+                <a:solidFill>
+                  <a:schemeClr val="accent4"/>
+                </a:solidFill>
+                <a:latin typeface="Consolas" charset="0"/>
+                <a:ea typeface="Consolas" charset="0"/>
+                <a:cs typeface="Consolas" charset="0"/>
+              </a:rPr>
+              <a:t>+/1 2 3 4 5</a:t>
+            </a:r>
+          </a:p>
+          <a:p>
+            <a:r>
+              <a:rPr lang="da-DK" sz="3600" dirty="0" smtClean="0">
+                <a:solidFill>
+                  <a:schemeClr val="accent4"/>
+                </a:solidFill>
+                <a:latin typeface="Consolas" charset="0"/>
+                <a:ea typeface="Consolas" charset="0"/>
+                <a:cs typeface="Consolas" charset="0"/>
+              </a:rPr>
+              <a:t>15</a:t>
+            </a:r>
+          </a:p>
+          <a:p>
+            <a:r>
+              <a:rPr lang="da-DK" sz="3600" dirty="0">
+                <a:solidFill>
+                  <a:schemeClr val="accent4"/>
+                </a:solidFill>
+                <a:latin typeface="Consolas" charset="0"/>
+                <a:ea typeface="Consolas" charset="0"/>
+                <a:cs typeface="Consolas" charset="0"/>
+              </a:rPr>
+              <a:t>	</a:t>
+            </a:r>
+            <a:r>
+              <a:rPr lang="da-DK" sz="3600" dirty="0" smtClean="0">
+                <a:solidFill>
+                  <a:schemeClr val="accent4"/>
+                </a:solidFill>
+                <a:latin typeface="Consolas" charset="0"/>
+                <a:ea typeface="Consolas" charset="0"/>
+                <a:cs typeface="Consolas" charset="0"/>
+              </a:rPr>
+              <a:t>*/1 2 3 4 5</a:t>
+            </a:r>
+          </a:p>
+          <a:p>
+            <a:r>
+              <a:rPr lang="da-DK" sz="3600" dirty="0" smtClean="0">
+                <a:solidFill>
+                  <a:schemeClr val="accent4"/>
+                </a:solidFill>
+                <a:latin typeface="Consolas" charset="0"/>
+                <a:ea typeface="Consolas" charset="0"/>
+                <a:cs typeface="Consolas" charset="0"/>
+              </a:rPr>
+              <a:t>120</a:t>
+            </a:r>
+          </a:p>
+        </p:txBody>
+      </p:sp>
     </p:spTree>
     <p:extLst>
       <p:ext uri="{BB962C8B-B14F-4D97-AF65-F5344CB8AC3E}">
-        <p14:creationId xmlns:p14="http://schemas.microsoft.com/office/powerpoint/2010/main" val="197074824"/>
+        <p14:creationId xmlns:p14="http://schemas.microsoft.com/office/powerpoint/2010/main" val="985295354"/>
       </p:ext>
     </p:extLst>
   </p:cSld>
@@ -18025,8 +18171,8 @@
         </p:nvSpPr>
         <p:spPr>
           <a:xfrm>
-            <a:off x="1442978" y="1458411"/>
-            <a:ext cx="9306045" cy="1446550"/>
+            <a:off x="1625600" y="1324580"/>
+            <a:ext cx="9956800" cy="5078313"/>
           </a:xfrm>
           <a:prstGeom prst="rect">
             <a:avLst/>
@@ -18039,25 +18185,202 @@
           </a:bodyPr>
           <a:lstStyle/>
           <a:p>
-            <a:pPr algn="ctr"/>
-            <a:r>
-              <a:rPr lang="en-US" sz="8800" b="1" i="1" dirty="0" smtClean="0">
+            <a:r>
+              <a:rPr lang="da-DK" sz="3600" dirty="0" smtClean="0">
+                <a:solidFill>
+                  <a:schemeClr val="accent4"/>
+                </a:solidFill>
+                <a:latin typeface="Consolas" charset="0"/>
+                <a:ea typeface="Consolas" charset="0"/>
+                <a:cs typeface="Consolas" charset="0"/>
+              </a:rPr>
+              <a:t>	vals=:3 _4 7 9 _2 3</a:t>
+            </a:r>
+          </a:p>
+          <a:p>
+            <a:r>
+              <a:rPr lang="da-DK" sz="3600" dirty="0">
+                <a:solidFill>
+                  <a:schemeClr val="accent4"/>
+                </a:solidFill>
+                <a:latin typeface="Consolas" charset="0"/>
+                <a:ea typeface="Consolas" charset="0"/>
+                <a:cs typeface="Consolas" charset="0"/>
+              </a:rPr>
+              <a:t>	</a:t>
+            </a:r>
+            <a:r>
+              <a:rPr lang="da-DK" sz="3600" dirty="0" smtClean="0">
+                <a:solidFill>
+                  <a:schemeClr val="accent4"/>
+                </a:solidFill>
+                <a:latin typeface="Consolas" charset="0"/>
+                <a:ea typeface="Consolas" charset="0"/>
+                <a:cs typeface="Consolas" charset="0"/>
+              </a:rPr>
+              <a:t>+/vals</a:t>
+            </a:r>
+          </a:p>
+          <a:p>
+            <a:r>
+              <a:rPr lang="da-DK" sz="3600" dirty="0" smtClean="0">
+                <a:solidFill>
+                  <a:schemeClr val="accent4"/>
+                </a:solidFill>
+                <a:latin typeface="Consolas" charset="0"/>
+                <a:ea typeface="Consolas" charset="0"/>
+                <a:cs typeface="Consolas" charset="0"/>
+              </a:rPr>
+              <a:t>16</a:t>
+            </a:r>
+          </a:p>
+          <a:p>
+            <a:r>
+              <a:rPr lang="da-DK" sz="3600" dirty="0">
+                <a:solidFill>
+                  <a:schemeClr val="accent4"/>
+                </a:solidFill>
+                <a:latin typeface="Consolas" charset="0"/>
+                <a:ea typeface="Consolas" charset="0"/>
+                <a:cs typeface="Consolas" charset="0"/>
+              </a:rPr>
+              <a:t>	</a:t>
+            </a:r>
+            <a:r>
+              <a:rPr lang="da-DK" sz="3600" dirty="0" smtClean="0">
+                <a:solidFill>
+                  <a:schemeClr val="accent4"/>
+                </a:solidFill>
+                <a:latin typeface="Consolas" charset="0"/>
+                <a:ea typeface="Consolas" charset="0"/>
+                <a:cs typeface="Consolas" charset="0"/>
+              </a:rPr>
+              <a:t>#vals</a:t>
+            </a:r>
+          </a:p>
+          <a:p>
+            <a:r>
+              <a:rPr lang="da-DK" sz="3600" dirty="0" smtClean="0">
+                <a:solidFill>
+                  <a:schemeClr val="accent4"/>
+                </a:solidFill>
+                <a:latin typeface="Consolas" charset="0"/>
+                <a:ea typeface="Consolas" charset="0"/>
+                <a:cs typeface="Consolas" charset="0"/>
+              </a:rPr>
+              <a:t>6</a:t>
+            </a:r>
+          </a:p>
+          <a:p>
+            <a:r>
+              <a:rPr lang="da-DK" sz="3600" dirty="0">
+                <a:solidFill>
+                  <a:schemeClr val="accent4"/>
+                </a:solidFill>
+                <a:latin typeface="Consolas" charset="0"/>
+                <a:ea typeface="Consolas" charset="0"/>
+                <a:cs typeface="Consolas" charset="0"/>
+              </a:rPr>
+              <a:t>	</a:t>
+            </a:r>
+            <a:r>
+              <a:rPr lang="da-DK" sz="3600" dirty="0" smtClean="0">
+                <a:solidFill>
+                  <a:schemeClr val="accent4"/>
+                </a:solidFill>
+                <a:latin typeface="Consolas" charset="0"/>
+                <a:ea typeface="Consolas" charset="0"/>
+                <a:cs typeface="Consolas" charset="0"/>
+              </a:rPr>
+              <a:t>(+/vals)%(#vals)</a:t>
+            </a:r>
+          </a:p>
+          <a:p>
+            <a:r>
+              <a:rPr lang="da-DK" sz="3600" dirty="0" smtClean="0">
+                <a:solidFill>
+                  <a:schemeClr val="accent4"/>
+                </a:solidFill>
+                <a:latin typeface="Consolas" charset="0"/>
+                <a:ea typeface="Consolas" charset="0"/>
+                <a:cs typeface="Consolas" charset="0"/>
+              </a:rPr>
+              <a:t>2.66667</a:t>
+            </a:r>
+          </a:p>
+          <a:p>
+            <a:r>
+              <a:rPr lang="da-DK" sz="3600" dirty="0">
+                <a:solidFill>
+                  <a:schemeClr val="accent4"/>
+                </a:solidFill>
+                <a:latin typeface="Consolas" charset="0"/>
+                <a:ea typeface="Consolas" charset="0"/>
+                <a:cs typeface="Consolas" charset="0"/>
+              </a:rPr>
+              <a:t>	</a:t>
+            </a:r>
+            <a:r>
+              <a:rPr lang="da-DK" sz="3600" dirty="0" smtClean="0">
+                <a:solidFill>
+                  <a:schemeClr val="accent4"/>
+                </a:solidFill>
+                <a:latin typeface="Consolas" charset="0"/>
+                <a:ea typeface="Consolas" charset="0"/>
+                <a:cs typeface="Consolas" charset="0"/>
+              </a:rPr>
+              <a:t>+/vals%#vals</a:t>
+            </a:r>
+          </a:p>
+          <a:p>
+            <a:r>
+              <a:rPr lang="da-DK" sz="3600" dirty="0" smtClean="0">
+                <a:solidFill>
+                  <a:schemeClr val="accent4"/>
+                </a:solidFill>
+                <a:latin typeface="Consolas" charset="0"/>
+                <a:ea typeface="Consolas" charset="0"/>
+                <a:cs typeface="Consolas" charset="0"/>
+              </a:rPr>
+              <a:t>2.66667</a:t>
+            </a:r>
+          </a:p>
+        </p:txBody>
+      </p:sp>
+      <p:sp>
+        <p:nvSpPr>
+          <p:cNvPr id="3" name="TextBox 2"/>
+          <p:cNvSpPr txBox="1"/>
+          <p:nvPr/>
+        </p:nvSpPr>
+        <p:spPr>
+          <a:xfrm>
+            <a:off x="1625600" y="431113"/>
+            <a:ext cx="7924800" cy="646331"/>
+          </a:xfrm>
+          <a:prstGeom prst="rect">
+            <a:avLst/>
+          </a:prstGeom>
+          <a:noFill/>
+        </p:spPr>
+        <p:txBody>
+          <a:bodyPr wrap="square" rtlCol="0">
+            <a:spAutoFit/>
+          </a:bodyPr>
+          <a:lstStyle/>
+          <a:p>
+            <a:r>
+              <a:rPr lang="en-US" sz="3600" dirty="0" smtClean="0">
                 <a:solidFill>
                   <a:schemeClr val="bg1"/>
                 </a:solidFill>
-                <a:latin typeface="Helvetica Neue" charset="0"/>
-                <a:ea typeface="Helvetica Neue" charset="0"/>
-                <a:cs typeface="Helvetica Neue" charset="0"/>
-              </a:rPr>
-              <a:t>Adverbs</a:t>
-            </a:r>
-            <a:endParaRPr lang="en-US" sz="8800" b="1" i="1" dirty="0">
+              </a:rPr>
+              <a:t>New version of “arithmetic mean”:</a:t>
+            </a:r>
+            <a:endParaRPr lang="en-US" sz="3600" dirty="0">
               <a:solidFill>
                 <a:schemeClr val="bg1"/>
               </a:solidFill>
-              <a:latin typeface="Helvetica Neue" charset="0"/>
-              <a:ea typeface="Helvetica Neue" charset="0"/>
-              <a:cs typeface="Helvetica Neue" charset="0"/>
             </a:endParaRPr>
           </a:p>
         </p:txBody>
@@ -18065,7 +18388,7 @@
     </p:spTree>
     <p:extLst>
       <p:ext uri="{BB962C8B-B14F-4D97-AF65-F5344CB8AC3E}">
-        <p14:creationId xmlns:p14="http://schemas.microsoft.com/office/powerpoint/2010/main" val="742878414"/>
+        <p14:creationId xmlns:p14="http://schemas.microsoft.com/office/powerpoint/2010/main" val="2133395732"/>
       </p:ext>
     </p:extLst>
   </p:cSld>
@@ -18171,70 +18494,70 @@
           <a:chExt cx="0" cy="0"/>
         </a:xfrm>
       </p:grpSpPr>
-      <p:sp>
-        <p:nvSpPr>
-          <p:cNvPr id="2" name="TextBox 1"/>
-          <p:cNvSpPr txBox="1"/>
-          <p:nvPr/>
-        </p:nvSpPr>
-        <p:spPr>
-          <a:xfrm>
-            <a:off x="1469986" y="914400"/>
-            <a:ext cx="9722733" cy="3970318"/>
-          </a:xfrm>
-          <a:prstGeom prst="rect">
-            <a:avLst/>
-          </a:prstGeom>
-          <a:noFill/>
-        </p:spPr>
-        <p:txBody>
-          <a:bodyPr wrap="square" rtlCol="0">
-            <a:spAutoFit/>
-          </a:bodyPr>
-          <a:lstStyle/>
-          <a:p>
-            <a:r>
-              <a:rPr lang="en-US" sz="3600" dirty="0">
-                <a:solidFill>
-                  <a:schemeClr val="bg1"/>
-                </a:solidFill>
-              </a:rPr>
-              <a:t>A noun holds data; a verb operates on one or two nouns to produce a result which is a noun; an adverb operates on one noun or verb to produce a derived entity; a conjunction operates on two nouns or verbs to produce a derived entity. </a:t>
-            </a:r>
-            <a:endParaRPr lang="en-US" sz="3600" dirty="0" smtClean="0">
-              <a:solidFill>
-                <a:schemeClr val="bg1"/>
-              </a:solidFill>
-            </a:endParaRPr>
-          </a:p>
-          <a:p>
-            <a:endParaRPr lang="en-US" sz="3600" dirty="0">
-              <a:solidFill>
-                <a:schemeClr val="bg1"/>
-              </a:solidFill>
-            </a:endParaRPr>
-          </a:p>
-          <a:p>
-            <a:r>
-              <a:rPr lang="en-US" sz="3600" i="1" dirty="0" smtClean="0">
-                <a:solidFill>
-                  <a:schemeClr val="bg1"/>
-                </a:solidFill>
-              </a:rPr>
-              <a:t>J for C Programmers</a:t>
-            </a:r>
-            <a:endParaRPr lang="en-US" sz="3600" i="1" dirty="0">
-              <a:solidFill>
-                <a:schemeClr val="bg1"/>
-              </a:solidFill>
-            </a:endParaRPr>
-          </a:p>
-        </p:txBody>
-      </p:sp>
+      <p:pic>
+        <p:nvPicPr>
+          <p:cNvPr id="3" name="Picture 2"/>
+          <p:cNvPicPr>
+            <a:picLocks noChangeAspect="1"/>
+          </p:cNvPicPr>
+          <p:nvPr/>
+        </p:nvPicPr>
+        <p:blipFill>
+          <a:blip r:embed="rId3">
+            <a:extLst>
+              <a:ext uri="{28A0092B-C50C-407E-A947-70E740481C1C}">
+                <a14:useLocalDpi xmlns:a14="http://schemas.microsoft.com/office/drawing/2010/main" val="0"/>
+              </a:ext>
+            </a:extLst>
+          </a:blip>
+          <a:stretch>
+            <a:fillRect/>
+          </a:stretch>
+        </p:blipFill>
+        <p:spPr>
+          <a:xfrm>
+            <a:off x="6385746" y="639540"/>
+            <a:ext cx="3617855" cy="5444104"/>
+          </a:xfrm>
+          <a:prstGeom prst="rect">
+            <a:avLst/>
+          </a:prstGeom>
+        </p:spPr>
+      </p:pic>
+      <p:pic>
+        <p:nvPicPr>
+          <p:cNvPr id="5" name="Picture 4"/>
+          <p:cNvPicPr>
+            <a:picLocks noChangeAspect="1"/>
+          </p:cNvPicPr>
+          <p:nvPr/>
+        </p:nvPicPr>
+        <p:blipFill>
+          <a:blip r:embed="rId4">
+            <a:extLst>
+              <a:ext uri="{28A0092B-C50C-407E-A947-70E740481C1C}">
+                <a14:useLocalDpi xmlns:a14="http://schemas.microsoft.com/office/drawing/2010/main" val="0"/>
+              </a:ext>
+            </a:extLst>
+          </a:blip>
+          <a:stretch>
+            <a:fillRect/>
+          </a:stretch>
+        </p:blipFill>
+        <p:spPr>
+          <a:xfrm>
+            <a:off x="2168526" y="632697"/>
+            <a:ext cx="3657595" cy="5483899"/>
+          </a:xfrm>
+          <a:prstGeom prst="rect">
+            <a:avLst/>
+          </a:prstGeom>
+        </p:spPr>
+      </p:pic>
     </p:spTree>
     <p:extLst>
       <p:ext uri="{BB962C8B-B14F-4D97-AF65-F5344CB8AC3E}">
-        <p14:creationId xmlns:p14="http://schemas.microsoft.com/office/powerpoint/2010/main" val="723365885"/>
+        <p14:creationId xmlns:p14="http://schemas.microsoft.com/office/powerpoint/2010/main" val="1719891895"/>
       </p:ext>
     </p:extLst>
   </p:cSld>
@@ -18252,6 +18575,2871 @@
 </file>
 
 <file path=ppt/slides/slide51.xml><?xml version="1.0" encoding="utf-8"?>
+<p:sld xmlns:a="http://schemas.openxmlformats.org/drawingml/2006/main" xmlns:r="http://schemas.openxmlformats.org/officeDocument/2006/relationships" xmlns:p="http://schemas.openxmlformats.org/presentationml/2006/main">
+  <p:cSld>
+    <p:spTree>
+      <p:nvGrpSpPr>
+        <p:cNvPr id="1" name=""/>
+        <p:cNvGrpSpPr/>
+        <p:nvPr/>
+      </p:nvGrpSpPr>
+      <p:grpSpPr>
+        <a:xfrm>
+          <a:off x="0" y="0"/>
+          <a:ext cx="0" cy="0"/>
+          <a:chOff x="0" y="0"/>
+          <a:chExt cx="0" cy="0"/>
+        </a:xfrm>
+      </p:grpSpPr>
+      <p:pic>
+        <p:nvPicPr>
+          <p:cNvPr id="2" name="Picture 1"/>
+          <p:cNvPicPr>
+            <a:picLocks noChangeAspect="1"/>
+          </p:cNvPicPr>
+          <p:nvPr/>
+        </p:nvPicPr>
+        <p:blipFill>
+          <a:blip r:embed="rId3">
+            <a:extLst>
+              <a:ext uri="{28A0092B-C50C-407E-A947-70E740481C1C}">
+                <a14:useLocalDpi xmlns:a14="http://schemas.microsoft.com/office/drawing/2010/main" val="0"/>
+              </a:ext>
+            </a:extLst>
+          </a:blip>
+          <a:stretch>
+            <a:fillRect/>
+          </a:stretch>
+        </p:blipFill>
+        <p:spPr>
+          <a:xfrm>
+            <a:off x="2168525" y="619642"/>
+            <a:ext cx="3657597" cy="5483902"/>
+          </a:xfrm>
+          <a:prstGeom prst="rect">
+            <a:avLst/>
+          </a:prstGeom>
+        </p:spPr>
+      </p:pic>
+      <p:pic>
+        <p:nvPicPr>
+          <p:cNvPr id="3" name="Picture 2"/>
+          <p:cNvPicPr>
+            <a:picLocks noChangeAspect="1"/>
+          </p:cNvPicPr>
+          <p:nvPr/>
+        </p:nvPicPr>
+        <p:blipFill>
+          <a:blip r:embed="rId4">
+            <a:extLst>
+              <a:ext uri="{28A0092B-C50C-407E-A947-70E740481C1C}">
+                <a14:useLocalDpi xmlns:a14="http://schemas.microsoft.com/office/drawing/2010/main" val="0"/>
+              </a:ext>
+            </a:extLst>
+          </a:blip>
+          <a:stretch>
+            <a:fillRect/>
+          </a:stretch>
+        </p:blipFill>
+        <p:spPr>
+          <a:xfrm>
+            <a:off x="6385746" y="639540"/>
+            <a:ext cx="3617855" cy="5444105"/>
+          </a:xfrm>
+          <a:prstGeom prst="rect">
+            <a:avLst/>
+          </a:prstGeom>
+        </p:spPr>
+      </p:pic>
+      <p:pic>
+        <p:nvPicPr>
+          <p:cNvPr id="4" name="Picture 3"/>
+          <p:cNvPicPr>
+            <a:picLocks noChangeAspect="1"/>
+          </p:cNvPicPr>
+          <p:nvPr/>
+        </p:nvPicPr>
+        <p:blipFill>
+          <a:blip r:embed="rId5">
+            <a:extLst>
+              <a:ext uri="{28A0092B-C50C-407E-A947-70E740481C1C}">
+                <a14:useLocalDpi xmlns:a14="http://schemas.microsoft.com/office/drawing/2010/main" val="0"/>
+              </a:ext>
+            </a:extLst>
+          </a:blip>
+          <a:stretch>
+            <a:fillRect/>
+          </a:stretch>
+        </p:blipFill>
+        <p:spPr>
+          <a:xfrm>
+            <a:off x="2168525" y="629610"/>
+            <a:ext cx="3657596" cy="5483899"/>
+          </a:xfrm>
+          <a:prstGeom prst="rect">
+            <a:avLst/>
+          </a:prstGeom>
+        </p:spPr>
+      </p:pic>
+    </p:spTree>
+    <p:extLst>
+      <p:ext uri="{BB962C8B-B14F-4D97-AF65-F5344CB8AC3E}">
+        <p14:creationId xmlns:p14="http://schemas.microsoft.com/office/powerpoint/2010/main" val="299478029"/>
+      </p:ext>
+    </p:extLst>
+  </p:cSld>
+  <p:clrMapOvr>
+    <a:masterClrMapping/>
+  </p:clrMapOvr>
+  <p:timing>
+    <p:tnLst>
+      <p:par>
+        <p:cTn id="1" dur="indefinite" restart="never" nodeType="tmRoot"/>
+      </p:par>
+    </p:tnLst>
+  </p:timing>
+</p:sld>
+</file>
+
+<file path=ppt/slides/slide52.xml><?xml version="1.0" encoding="utf-8"?>
+<p:sld xmlns:a="http://schemas.openxmlformats.org/drawingml/2006/main" xmlns:r="http://schemas.openxmlformats.org/officeDocument/2006/relationships" xmlns:p="http://schemas.openxmlformats.org/presentationml/2006/main">
+  <p:cSld>
+    <p:spTree>
+      <p:nvGrpSpPr>
+        <p:cNvPr id="1" name=""/>
+        <p:cNvGrpSpPr/>
+        <p:nvPr/>
+      </p:nvGrpSpPr>
+      <p:grpSpPr>
+        <a:xfrm>
+          <a:off x="0" y="0"/>
+          <a:ext cx="0" cy="0"/>
+          <a:chOff x="0" y="0"/>
+          <a:chExt cx="0" cy="0"/>
+        </a:xfrm>
+      </p:grpSpPr>
+      <p:sp>
+        <p:nvSpPr>
+          <p:cNvPr id="2" name="TextBox 1"/>
+          <p:cNvSpPr txBox="1"/>
+          <p:nvPr/>
+        </p:nvSpPr>
+        <p:spPr>
+          <a:xfrm>
+            <a:off x="1422400" y="711200"/>
+            <a:ext cx="8036560" cy="707886"/>
+          </a:xfrm>
+          <a:prstGeom prst="rect">
+            <a:avLst/>
+          </a:prstGeom>
+          <a:noFill/>
+        </p:spPr>
+        <p:txBody>
+          <a:bodyPr wrap="square" rtlCol="0">
+            <a:spAutoFit/>
+          </a:bodyPr>
+          <a:lstStyle/>
+          <a:p>
+            <a:r>
+              <a:rPr lang="en-US" sz="4000" b="1" i="1" dirty="0" smtClean="0">
+                <a:solidFill>
+                  <a:schemeClr val="accent1"/>
+                </a:solidFill>
+                <a:latin typeface="Calibri" charset="0"/>
+                <a:ea typeface="Calibri" charset="0"/>
+                <a:cs typeface="Calibri" charset="0"/>
+              </a:rPr>
+              <a:t>Challenge!</a:t>
+            </a:r>
+            <a:endParaRPr lang="en-US" sz="4000" b="1" i="1" dirty="0">
+              <a:solidFill>
+                <a:schemeClr val="accent1"/>
+              </a:solidFill>
+              <a:latin typeface="Calibri" charset="0"/>
+              <a:ea typeface="Calibri" charset="0"/>
+              <a:cs typeface="Calibri" charset="0"/>
+            </a:endParaRPr>
+          </a:p>
+        </p:txBody>
+      </p:sp>
+      <p:sp>
+        <p:nvSpPr>
+          <p:cNvPr id="3" name="TextBox 2"/>
+          <p:cNvSpPr txBox="1"/>
+          <p:nvPr/>
+        </p:nvSpPr>
+        <p:spPr>
+          <a:xfrm>
+            <a:off x="1422400" y="1595120"/>
+            <a:ext cx="9216768" cy="1384995"/>
+          </a:xfrm>
+          <a:prstGeom prst="rect">
+            <a:avLst/>
+          </a:prstGeom>
+          <a:noFill/>
+        </p:spPr>
+        <p:txBody>
+          <a:bodyPr wrap="square" rtlCol="0">
+            <a:spAutoFit/>
+          </a:bodyPr>
+          <a:lstStyle/>
+          <a:p>
+            <a:r>
+              <a:rPr lang="en-US" sz="2800" b="1" dirty="0" smtClean="0">
+                <a:solidFill>
+                  <a:schemeClr val="bg1"/>
+                </a:solidFill>
+              </a:rPr>
+              <a:t>Given a string (or any array) s, determine if it</a:t>
+            </a:r>
+            <a:r>
+              <a:rPr lang="fr-FR" sz="2800" b="1" dirty="0" smtClean="0">
+                <a:solidFill>
+                  <a:schemeClr val="bg1"/>
+                </a:solidFill>
+              </a:rPr>
+              <a:t>’</a:t>
+            </a:r>
+            <a:r>
+              <a:rPr lang="en-US" sz="2800" b="1" dirty="0" smtClean="0">
+                <a:solidFill>
+                  <a:schemeClr val="bg1"/>
+                </a:solidFill>
+              </a:rPr>
+              <a:t>s a palindrome.</a:t>
+            </a:r>
+            <a:endParaRPr lang="en-US" sz="2800" dirty="0">
+              <a:solidFill>
+                <a:schemeClr val="bg1"/>
+              </a:solidFill>
+            </a:endParaRPr>
+          </a:p>
+          <a:p>
+            <a:endParaRPr lang="en-US" sz="2800" dirty="0" smtClean="0">
+              <a:solidFill>
+                <a:schemeClr val="bg1"/>
+              </a:solidFill>
+            </a:endParaRPr>
+          </a:p>
+          <a:p>
+            <a:r>
+              <a:rPr lang="en-US" sz="2800" dirty="0" smtClean="0">
+                <a:solidFill>
+                  <a:schemeClr val="bg1"/>
+                </a:solidFill>
+              </a:rPr>
+              <a:t>Find </a:t>
+            </a:r>
+            <a:r>
+              <a:rPr lang="en-US" sz="2800" u="sng" dirty="0" smtClean="0">
+                <a:solidFill>
+                  <a:schemeClr val="bg1"/>
+                </a:solidFill>
+              </a:rPr>
+              <a:t>two</a:t>
+            </a:r>
+            <a:r>
+              <a:rPr lang="en-US" sz="2800" dirty="0" smtClean="0">
+                <a:solidFill>
+                  <a:schemeClr val="bg1"/>
+                </a:solidFill>
+              </a:rPr>
+              <a:t> solutions using all of these cards simultaneously:</a:t>
+            </a:r>
+            <a:endParaRPr lang="en-US" sz="2800" dirty="0">
+              <a:solidFill>
+                <a:schemeClr val="bg1"/>
+              </a:solidFill>
+            </a:endParaRPr>
+          </a:p>
+        </p:txBody>
+      </p:sp>
+      <p:pic>
+        <p:nvPicPr>
+          <p:cNvPr id="4" name="Picture 3"/>
+          <p:cNvPicPr>
+            <a:picLocks noChangeAspect="1"/>
+          </p:cNvPicPr>
+          <p:nvPr/>
+        </p:nvPicPr>
+        <p:blipFill>
+          <a:blip r:embed="rId3">
+            <a:extLst>
+              <a:ext uri="{28A0092B-C50C-407E-A947-70E740481C1C}">
+                <a14:useLocalDpi xmlns:a14="http://schemas.microsoft.com/office/drawing/2010/main" val="0"/>
+              </a:ext>
+            </a:extLst>
+          </a:blip>
+          <a:stretch>
+            <a:fillRect/>
+          </a:stretch>
+        </p:blipFill>
+        <p:spPr>
+          <a:xfrm>
+            <a:off x="1523354" y="3411356"/>
+            <a:ext cx="941444" cy="1416675"/>
+          </a:xfrm>
+          <a:prstGeom prst="rect">
+            <a:avLst/>
+          </a:prstGeom>
+        </p:spPr>
+      </p:pic>
+      <p:sp>
+        <p:nvSpPr>
+          <p:cNvPr id="5" name="TextBox 4"/>
+          <p:cNvSpPr txBox="1"/>
+          <p:nvPr/>
+        </p:nvSpPr>
+        <p:spPr>
+          <a:xfrm>
+            <a:off x="617397" y="3535680"/>
+            <a:ext cx="835485" cy="923330"/>
+          </a:xfrm>
+          <a:prstGeom prst="rect">
+            <a:avLst/>
+          </a:prstGeom>
+          <a:noFill/>
+        </p:spPr>
+        <p:txBody>
+          <a:bodyPr wrap="none" rtlCol="0">
+            <a:spAutoFit/>
+          </a:bodyPr>
+          <a:lstStyle/>
+          <a:p>
+            <a:r>
+              <a:rPr lang="en-US" sz="5400" dirty="0">
+                <a:solidFill>
+                  <a:schemeClr val="accent1"/>
+                </a:solidFill>
+              </a:rPr>
+              <a:t>5</a:t>
+            </a:r>
+            <a:r>
+              <a:rPr lang="en-US" sz="5400" dirty="0" smtClean="0">
+                <a:solidFill>
+                  <a:schemeClr val="accent1"/>
+                </a:solidFill>
+              </a:rPr>
+              <a:t>x</a:t>
+            </a:r>
+            <a:endParaRPr lang="en-US" sz="5400" dirty="0">
+              <a:solidFill>
+                <a:schemeClr val="accent1"/>
+              </a:solidFill>
+            </a:endParaRPr>
+          </a:p>
+        </p:txBody>
+      </p:sp>
+      <p:pic>
+        <p:nvPicPr>
+          <p:cNvPr id="6" name="Picture 5"/>
+          <p:cNvPicPr>
+            <a:picLocks noChangeAspect="1"/>
+          </p:cNvPicPr>
+          <p:nvPr/>
+        </p:nvPicPr>
+        <p:blipFill>
+          <a:blip r:embed="rId4">
+            <a:extLst>
+              <a:ext uri="{28A0092B-C50C-407E-A947-70E740481C1C}">
+                <a14:useLocalDpi xmlns:a14="http://schemas.microsoft.com/office/drawing/2010/main" val="0"/>
+              </a:ext>
+            </a:extLst>
+          </a:blip>
+          <a:stretch>
+            <a:fillRect/>
+          </a:stretch>
+        </p:blipFill>
+        <p:spPr>
+          <a:xfrm>
+            <a:off x="3679454" y="3411357"/>
+            <a:ext cx="944878" cy="1416672"/>
+          </a:xfrm>
+          <a:prstGeom prst="rect">
+            <a:avLst/>
+          </a:prstGeom>
+        </p:spPr>
+      </p:pic>
+      <p:sp>
+        <p:nvSpPr>
+          <p:cNvPr id="7" name="TextBox 6"/>
+          <p:cNvSpPr txBox="1"/>
+          <p:nvPr/>
+        </p:nvSpPr>
+        <p:spPr>
+          <a:xfrm>
+            <a:off x="2775214" y="3535680"/>
+            <a:ext cx="835485" cy="923330"/>
+          </a:xfrm>
+          <a:prstGeom prst="rect">
+            <a:avLst/>
+          </a:prstGeom>
+          <a:noFill/>
+        </p:spPr>
+        <p:txBody>
+          <a:bodyPr wrap="none" rtlCol="0">
+            <a:spAutoFit/>
+          </a:bodyPr>
+          <a:lstStyle/>
+          <a:p>
+            <a:r>
+              <a:rPr lang="en-US" sz="5400" dirty="0">
+                <a:solidFill>
+                  <a:schemeClr val="accent1"/>
+                </a:solidFill>
+              </a:rPr>
+              <a:t>1</a:t>
+            </a:r>
+            <a:r>
+              <a:rPr lang="en-US" sz="5400" dirty="0" smtClean="0">
+                <a:solidFill>
+                  <a:schemeClr val="accent1"/>
+                </a:solidFill>
+              </a:rPr>
+              <a:t>x</a:t>
+            </a:r>
+            <a:endParaRPr lang="en-US" sz="5400" dirty="0">
+              <a:solidFill>
+                <a:schemeClr val="accent1"/>
+              </a:solidFill>
+            </a:endParaRPr>
+          </a:p>
+        </p:txBody>
+      </p:sp>
+      <p:pic>
+        <p:nvPicPr>
+          <p:cNvPr id="8" name="Picture 7"/>
+          <p:cNvPicPr>
+            <a:picLocks noChangeAspect="1"/>
+          </p:cNvPicPr>
+          <p:nvPr/>
+        </p:nvPicPr>
+        <p:blipFill>
+          <a:blip r:embed="rId5">
+            <a:extLst>
+              <a:ext uri="{28A0092B-C50C-407E-A947-70E740481C1C}">
+                <a14:useLocalDpi xmlns:a14="http://schemas.microsoft.com/office/drawing/2010/main" val="0"/>
+              </a:ext>
+            </a:extLst>
+          </a:blip>
+          <a:stretch>
+            <a:fillRect/>
+          </a:stretch>
+        </p:blipFill>
+        <p:spPr>
+          <a:xfrm>
+            <a:off x="7920070" y="3411357"/>
+            <a:ext cx="944878" cy="1416672"/>
+          </a:xfrm>
+          <a:prstGeom prst="rect">
+            <a:avLst/>
+          </a:prstGeom>
+        </p:spPr>
+      </p:pic>
+      <p:sp>
+        <p:nvSpPr>
+          <p:cNvPr id="9" name="TextBox 8"/>
+          <p:cNvSpPr txBox="1"/>
+          <p:nvPr/>
+        </p:nvSpPr>
+        <p:spPr>
+          <a:xfrm>
+            <a:off x="7025990" y="3535680"/>
+            <a:ext cx="835485" cy="923330"/>
+          </a:xfrm>
+          <a:prstGeom prst="rect">
+            <a:avLst/>
+          </a:prstGeom>
+          <a:noFill/>
+        </p:spPr>
+        <p:txBody>
+          <a:bodyPr wrap="none" rtlCol="0">
+            <a:spAutoFit/>
+          </a:bodyPr>
+          <a:lstStyle/>
+          <a:p>
+            <a:r>
+              <a:rPr lang="en-US" sz="5400" dirty="0" smtClean="0">
+                <a:solidFill>
+                  <a:schemeClr val="accent1"/>
+                </a:solidFill>
+              </a:rPr>
+              <a:t>1x</a:t>
+            </a:r>
+            <a:endParaRPr lang="en-US" sz="5400" dirty="0">
+              <a:solidFill>
+                <a:schemeClr val="accent1"/>
+              </a:solidFill>
+            </a:endParaRPr>
+          </a:p>
+        </p:txBody>
+      </p:sp>
+      <p:pic>
+        <p:nvPicPr>
+          <p:cNvPr id="10" name="Picture 9"/>
+          <p:cNvPicPr>
+            <a:picLocks noChangeAspect="1"/>
+          </p:cNvPicPr>
+          <p:nvPr/>
+        </p:nvPicPr>
+        <p:blipFill>
+          <a:blip r:embed="rId6">
+            <a:extLst>
+              <a:ext uri="{28A0092B-C50C-407E-A947-70E740481C1C}">
+                <a14:useLocalDpi xmlns:a14="http://schemas.microsoft.com/office/drawing/2010/main" val="0"/>
+              </a:ext>
+            </a:extLst>
+          </a:blip>
+          <a:stretch>
+            <a:fillRect/>
+          </a:stretch>
+        </p:blipFill>
+        <p:spPr>
+          <a:xfrm>
+            <a:off x="10077886" y="3411356"/>
+            <a:ext cx="944877" cy="1416672"/>
+          </a:xfrm>
+          <a:prstGeom prst="rect">
+            <a:avLst/>
+          </a:prstGeom>
+        </p:spPr>
+      </p:pic>
+      <p:sp>
+        <p:nvSpPr>
+          <p:cNvPr id="11" name="TextBox 10"/>
+          <p:cNvSpPr txBox="1"/>
+          <p:nvPr/>
+        </p:nvSpPr>
+        <p:spPr>
+          <a:xfrm>
+            <a:off x="9173646" y="3535679"/>
+            <a:ext cx="835485" cy="923330"/>
+          </a:xfrm>
+          <a:prstGeom prst="rect">
+            <a:avLst/>
+          </a:prstGeom>
+          <a:noFill/>
+        </p:spPr>
+        <p:txBody>
+          <a:bodyPr wrap="none" rtlCol="0">
+            <a:spAutoFit/>
+          </a:bodyPr>
+          <a:lstStyle/>
+          <a:p>
+            <a:r>
+              <a:rPr lang="en-US" sz="5400" dirty="0">
+                <a:solidFill>
+                  <a:schemeClr val="accent1"/>
+                </a:solidFill>
+              </a:rPr>
+              <a:t>2</a:t>
+            </a:r>
+            <a:r>
+              <a:rPr lang="en-US" sz="5400" dirty="0" smtClean="0">
+                <a:solidFill>
+                  <a:schemeClr val="accent1"/>
+                </a:solidFill>
+              </a:rPr>
+              <a:t>x</a:t>
+            </a:r>
+            <a:endParaRPr lang="en-US" sz="5400" dirty="0">
+              <a:solidFill>
+                <a:schemeClr val="accent1"/>
+              </a:solidFill>
+            </a:endParaRPr>
+          </a:p>
+        </p:txBody>
+      </p:sp>
+      <p:pic>
+        <p:nvPicPr>
+          <p:cNvPr id="12" name="Picture 11"/>
+          <p:cNvPicPr>
+            <a:picLocks noChangeAspect="1"/>
+          </p:cNvPicPr>
+          <p:nvPr/>
+        </p:nvPicPr>
+        <p:blipFill>
+          <a:blip r:embed="rId7">
+            <a:extLst>
+              <a:ext uri="{28A0092B-C50C-407E-A947-70E740481C1C}">
+                <a14:useLocalDpi xmlns:a14="http://schemas.microsoft.com/office/drawing/2010/main" val="0"/>
+              </a:ext>
+            </a:extLst>
+          </a:blip>
+          <a:stretch>
+            <a:fillRect/>
+          </a:stretch>
+        </p:blipFill>
+        <p:spPr>
+          <a:xfrm>
+            <a:off x="5804842" y="3411355"/>
+            <a:ext cx="944877" cy="1416672"/>
+          </a:xfrm>
+          <a:prstGeom prst="rect">
+            <a:avLst/>
+          </a:prstGeom>
+        </p:spPr>
+      </p:pic>
+      <p:sp>
+        <p:nvSpPr>
+          <p:cNvPr id="13" name="TextBox 12"/>
+          <p:cNvSpPr txBox="1"/>
+          <p:nvPr/>
+        </p:nvSpPr>
+        <p:spPr>
+          <a:xfrm>
+            <a:off x="4900602" y="3535678"/>
+            <a:ext cx="835485" cy="923330"/>
+          </a:xfrm>
+          <a:prstGeom prst="rect">
+            <a:avLst/>
+          </a:prstGeom>
+          <a:noFill/>
+        </p:spPr>
+        <p:txBody>
+          <a:bodyPr wrap="none" rtlCol="0">
+            <a:spAutoFit/>
+          </a:bodyPr>
+          <a:lstStyle/>
+          <a:p>
+            <a:r>
+              <a:rPr lang="en-US" sz="5400" dirty="0" smtClean="0">
+                <a:solidFill>
+                  <a:schemeClr val="accent1"/>
+                </a:solidFill>
+              </a:rPr>
+              <a:t>1x</a:t>
+            </a:r>
+            <a:endParaRPr lang="en-US" sz="5400" dirty="0">
+              <a:solidFill>
+                <a:schemeClr val="accent1"/>
+              </a:solidFill>
+            </a:endParaRPr>
+          </a:p>
+        </p:txBody>
+      </p:sp>
+      <p:pic>
+        <p:nvPicPr>
+          <p:cNvPr id="14" name="Picture 13"/>
+          <p:cNvPicPr>
+            <a:picLocks noChangeAspect="1"/>
+          </p:cNvPicPr>
+          <p:nvPr/>
+        </p:nvPicPr>
+        <p:blipFill>
+          <a:blip r:embed="rId8">
+            <a:extLst>
+              <a:ext uri="{28A0092B-C50C-407E-A947-70E740481C1C}">
+                <a14:useLocalDpi xmlns:a14="http://schemas.microsoft.com/office/drawing/2010/main" val="0"/>
+              </a:ext>
+            </a:extLst>
+          </a:blip>
+          <a:stretch>
+            <a:fillRect/>
+          </a:stretch>
+        </p:blipFill>
+        <p:spPr>
+          <a:xfrm>
+            <a:off x="980443" y="5014571"/>
+            <a:ext cx="944877" cy="1416670"/>
+          </a:xfrm>
+          <a:prstGeom prst="rect">
+            <a:avLst/>
+          </a:prstGeom>
+        </p:spPr>
+      </p:pic>
+      <p:sp>
+        <p:nvSpPr>
+          <p:cNvPr id="15" name="TextBox 14"/>
+          <p:cNvSpPr txBox="1"/>
+          <p:nvPr/>
+        </p:nvSpPr>
+        <p:spPr>
+          <a:xfrm>
+            <a:off x="76203" y="5138893"/>
+            <a:ext cx="835485" cy="923330"/>
+          </a:xfrm>
+          <a:prstGeom prst="rect">
+            <a:avLst/>
+          </a:prstGeom>
+          <a:noFill/>
+        </p:spPr>
+        <p:txBody>
+          <a:bodyPr wrap="none" rtlCol="0">
+            <a:spAutoFit/>
+          </a:bodyPr>
+          <a:lstStyle/>
+          <a:p>
+            <a:r>
+              <a:rPr lang="en-US" sz="5400" dirty="0" smtClean="0">
+                <a:solidFill>
+                  <a:schemeClr val="accent1"/>
+                </a:solidFill>
+              </a:rPr>
+              <a:t>1x</a:t>
+            </a:r>
+            <a:endParaRPr lang="en-US" sz="5400" dirty="0">
+              <a:solidFill>
+                <a:schemeClr val="accent1"/>
+              </a:solidFill>
+            </a:endParaRPr>
+          </a:p>
+        </p:txBody>
+      </p:sp>
+      <p:pic>
+        <p:nvPicPr>
+          <p:cNvPr id="20" name="Picture 19"/>
+          <p:cNvPicPr>
+            <a:picLocks noChangeAspect="1"/>
+          </p:cNvPicPr>
+          <p:nvPr/>
+        </p:nvPicPr>
+        <p:blipFill>
+          <a:blip r:embed="rId9">
+            <a:extLst>
+              <a:ext uri="{28A0092B-C50C-407E-A947-70E740481C1C}">
+                <a14:useLocalDpi xmlns:a14="http://schemas.microsoft.com/office/drawing/2010/main" val="0"/>
+              </a:ext>
+            </a:extLst>
+          </a:blip>
+          <a:stretch>
+            <a:fillRect/>
+          </a:stretch>
+        </p:blipFill>
+        <p:spPr>
+          <a:xfrm>
+            <a:off x="3101191" y="5014571"/>
+            <a:ext cx="944876" cy="1416670"/>
+          </a:xfrm>
+          <a:prstGeom prst="rect">
+            <a:avLst/>
+          </a:prstGeom>
+        </p:spPr>
+      </p:pic>
+      <p:sp>
+        <p:nvSpPr>
+          <p:cNvPr id="21" name="TextBox 20"/>
+          <p:cNvSpPr txBox="1"/>
+          <p:nvPr/>
+        </p:nvSpPr>
+        <p:spPr>
+          <a:xfrm>
+            <a:off x="2196951" y="5138893"/>
+            <a:ext cx="835485" cy="923330"/>
+          </a:xfrm>
+          <a:prstGeom prst="rect">
+            <a:avLst/>
+          </a:prstGeom>
+          <a:noFill/>
+        </p:spPr>
+        <p:txBody>
+          <a:bodyPr wrap="none" rtlCol="0">
+            <a:spAutoFit/>
+          </a:bodyPr>
+          <a:lstStyle/>
+          <a:p>
+            <a:r>
+              <a:rPr lang="en-US" sz="5400" dirty="0">
+                <a:solidFill>
+                  <a:schemeClr val="accent1"/>
+                </a:solidFill>
+              </a:rPr>
+              <a:t>1</a:t>
+            </a:r>
+            <a:r>
+              <a:rPr lang="en-US" sz="5400" dirty="0" smtClean="0">
+                <a:solidFill>
+                  <a:schemeClr val="accent1"/>
+                </a:solidFill>
+              </a:rPr>
+              <a:t>x</a:t>
+            </a:r>
+            <a:endParaRPr lang="en-US" sz="5400" dirty="0">
+              <a:solidFill>
+                <a:schemeClr val="accent1"/>
+              </a:solidFill>
+            </a:endParaRPr>
+          </a:p>
+        </p:txBody>
+      </p:sp>
+      <p:pic>
+        <p:nvPicPr>
+          <p:cNvPr id="22" name="Picture 21"/>
+          <p:cNvPicPr>
+            <a:picLocks noChangeAspect="1"/>
+          </p:cNvPicPr>
+          <p:nvPr/>
+        </p:nvPicPr>
+        <p:blipFill>
+          <a:blip r:embed="rId10">
+            <a:extLst>
+              <a:ext uri="{28A0092B-C50C-407E-A947-70E740481C1C}">
+                <a14:useLocalDpi xmlns:a14="http://schemas.microsoft.com/office/drawing/2010/main" val="0"/>
+              </a:ext>
+            </a:extLst>
+          </a:blip>
+          <a:stretch>
+            <a:fillRect/>
+          </a:stretch>
+        </p:blipFill>
+        <p:spPr>
+          <a:xfrm>
+            <a:off x="5225862" y="5014570"/>
+            <a:ext cx="944877" cy="1416670"/>
+          </a:xfrm>
+          <a:prstGeom prst="rect">
+            <a:avLst/>
+          </a:prstGeom>
+        </p:spPr>
+      </p:pic>
+      <p:sp>
+        <p:nvSpPr>
+          <p:cNvPr id="23" name="TextBox 22"/>
+          <p:cNvSpPr txBox="1"/>
+          <p:nvPr/>
+        </p:nvSpPr>
+        <p:spPr>
+          <a:xfrm>
+            <a:off x="4321622" y="5138892"/>
+            <a:ext cx="835485" cy="923330"/>
+          </a:xfrm>
+          <a:prstGeom prst="rect">
+            <a:avLst/>
+          </a:prstGeom>
+          <a:noFill/>
+        </p:spPr>
+        <p:txBody>
+          <a:bodyPr wrap="none" rtlCol="0">
+            <a:spAutoFit/>
+          </a:bodyPr>
+          <a:lstStyle/>
+          <a:p>
+            <a:r>
+              <a:rPr lang="en-US" sz="5400" dirty="0">
+                <a:solidFill>
+                  <a:schemeClr val="accent1"/>
+                </a:solidFill>
+              </a:rPr>
+              <a:t>1</a:t>
+            </a:r>
+            <a:r>
+              <a:rPr lang="en-US" sz="5400" dirty="0" smtClean="0">
+                <a:solidFill>
+                  <a:schemeClr val="accent1"/>
+                </a:solidFill>
+              </a:rPr>
+              <a:t>x</a:t>
+            </a:r>
+            <a:endParaRPr lang="en-US" sz="5400" dirty="0">
+              <a:solidFill>
+                <a:schemeClr val="accent1"/>
+              </a:solidFill>
+            </a:endParaRPr>
+          </a:p>
+        </p:txBody>
+      </p:sp>
+      <p:sp>
+        <p:nvSpPr>
+          <p:cNvPr id="16" name="TextBox 15"/>
+          <p:cNvSpPr txBox="1"/>
+          <p:nvPr/>
+        </p:nvSpPr>
+        <p:spPr>
+          <a:xfrm>
+            <a:off x="1761580" y="3650943"/>
+            <a:ext cx="487350" cy="830997"/>
+          </a:xfrm>
+          <a:prstGeom prst="rect">
+            <a:avLst/>
+          </a:prstGeom>
+          <a:noFill/>
+        </p:spPr>
+        <p:txBody>
+          <a:bodyPr wrap="square" rtlCol="0">
+            <a:spAutoFit/>
+          </a:bodyPr>
+          <a:lstStyle/>
+          <a:p>
+            <a:r>
+              <a:rPr lang="en-US" sz="4800" dirty="0" smtClean="0">
+                <a:latin typeface="Apple Chancery" charset="0"/>
+                <a:ea typeface="Apple Chancery" charset="0"/>
+                <a:cs typeface="Apple Chancery" charset="0"/>
+              </a:rPr>
+              <a:t>s</a:t>
+            </a:r>
+            <a:endParaRPr lang="en-US" sz="4800" dirty="0">
+              <a:latin typeface="Apple Chancery" charset="0"/>
+              <a:ea typeface="Apple Chancery" charset="0"/>
+              <a:cs typeface="Apple Chancery" charset="0"/>
+            </a:endParaRPr>
+          </a:p>
+        </p:txBody>
+      </p:sp>
+      <p:pic>
+        <p:nvPicPr>
+          <p:cNvPr id="24" name="Picture 23"/>
+          <p:cNvPicPr>
+            <a:picLocks noChangeAspect="1"/>
+          </p:cNvPicPr>
+          <p:nvPr/>
+        </p:nvPicPr>
+        <p:blipFill>
+          <a:blip r:embed="rId11">
+            <a:extLst>
+              <a:ext uri="{28A0092B-C50C-407E-A947-70E740481C1C}">
+                <a14:useLocalDpi xmlns:a14="http://schemas.microsoft.com/office/drawing/2010/main" val="0"/>
+              </a:ext>
+            </a:extLst>
+          </a:blip>
+          <a:stretch>
+            <a:fillRect/>
+          </a:stretch>
+        </p:blipFill>
+        <p:spPr>
+          <a:xfrm>
+            <a:off x="7237218" y="5014570"/>
+            <a:ext cx="944876" cy="1416670"/>
+          </a:xfrm>
+          <a:prstGeom prst="rect">
+            <a:avLst/>
+          </a:prstGeom>
+        </p:spPr>
+      </p:pic>
+      <p:sp>
+        <p:nvSpPr>
+          <p:cNvPr id="25" name="TextBox 24"/>
+          <p:cNvSpPr txBox="1"/>
+          <p:nvPr/>
+        </p:nvSpPr>
+        <p:spPr>
+          <a:xfrm>
+            <a:off x="6332978" y="5138892"/>
+            <a:ext cx="835485" cy="923330"/>
+          </a:xfrm>
+          <a:prstGeom prst="rect">
+            <a:avLst/>
+          </a:prstGeom>
+          <a:noFill/>
+        </p:spPr>
+        <p:txBody>
+          <a:bodyPr wrap="none" rtlCol="0">
+            <a:spAutoFit/>
+          </a:bodyPr>
+          <a:lstStyle/>
+          <a:p>
+            <a:r>
+              <a:rPr lang="en-US" sz="5400" dirty="0">
+                <a:solidFill>
+                  <a:schemeClr val="accent1"/>
+                </a:solidFill>
+              </a:rPr>
+              <a:t>1</a:t>
+            </a:r>
+            <a:r>
+              <a:rPr lang="en-US" sz="5400" dirty="0" smtClean="0">
+                <a:solidFill>
+                  <a:schemeClr val="accent1"/>
+                </a:solidFill>
+              </a:rPr>
+              <a:t>x</a:t>
+            </a:r>
+            <a:endParaRPr lang="en-US" sz="5400" dirty="0">
+              <a:solidFill>
+                <a:schemeClr val="accent1"/>
+              </a:solidFill>
+            </a:endParaRPr>
+          </a:p>
+        </p:txBody>
+      </p:sp>
+      <p:pic>
+        <p:nvPicPr>
+          <p:cNvPr id="26" name="Picture 25"/>
+          <p:cNvPicPr>
+            <a:picLocks noChangeAspect="1"/>
+          </p:cNvPicPr>
+          <p:nvPr/>
+        </p:nvPicPr>
+        <p:blipFill>
+          <a:blip r:embed="rId12">
+            <a:extLst>
+              <a:ext uri="{28A0092B-C50C-407E-A947-70E740481C1C}">
+                <a14:useLocalDpi xmlns:a14="http://schemas.microsoft.com/office/drawing/2010/main" val="0"/>
+              </a:ext>
+            </a:extLst>
+          </a:blip>
+          <a:stretch>
+            <a:fillRect/>
+          </a:stretch>
+        </p:blipFill>
+        <p:spPr>
+          <a:xfrm>
+            <a:off x="9173646" y="5014570"/>
+            <a:ext cx="944876" cy="1416669"/>
+          </a:xfrm>
+          <a:prstGeom prst="rect">
+            <a:avLst/>
+          </a:prstGeom>
+        </p:spPr>
+      </p:pic>
+      <p:sp>
+        <p:nvSpPr>
+          <p:cNvPr id="27" name="TextBox 26"/>
+          <p:cNvSpPr txBox="1"/>
+          <p:nvPr/>
+        </p:nvSpPr>
+        <p:spPr>
+          <a:xfrm>
+            <a:off x="8269406" y="5138892"/>
+            <a:ext cx="835485" cy="923330"/>
+          </a:xfrm>
+          <a:prstGeom prst="rect">
+            <a:avLst/>
+          </a:prstGeom>
+          <a:noFill/>
+        </p:spPr>
+        <p:txBody>
+          <a:bodyPr wrap="none" rtlCol="0">
+            <a:spAutoFit/>
+          </a:bodyPr>
+          <a:lstStyle/>
+          <a:p>
+            <a:r>
+              <a:rPr lang="en-US" sz="5400" dirty="0">
+                <a:solidFill>
+                  <a:schemeClr val="accent1"/>
+                </a:solidFill>
+              </a:rPr>
+              <a:t>1</a:t>
+            </a:r>
+            <a:r>
+              <a:rPr lang="en-US" sz="5400" dirty="0" smtClean="0">
+                <a:solidFill>
+                  <a:schemeClr val="accent1"/>
+                </a:solidFill>
+              </a:rPr>
+              <a:t>x</a:t>
+            </a:r>
+            <a:endParaRPr lang="en-US" sz="5400" dirty="0">
+              <a:solidFill>
+                <a:schemeClr val="accent1"/>
+              </a:solidFill>
+            </a:endParaRPr>
+          </a:p>
+        </p:txBody>
+      </p:sp>
+      <p:pic>
+        <p:nvPicPr>
+          <p:cNvPr id="28" name="Picture 27"/>
+          <p:cNvPicPr>
+            <a:picLocks noChangeAspect="1"/>
+          </p:cNvPicPr>
+          <p:nvPr/>
+        </p:nvPicPr>
+        <p:blipFill>
+          <a:blip r:embed="rId13">
+            <a:extLst>
+              <a:ext uri="{28A0092B-C50C-407E-A947-70E740481C1C}">
+                <a14:useLocalDpi xmlns:a14="http://schemas.microsoft.com/office/drawing/2010/main" val="0"/>
+              </a:ext>
+            </a:extLst>
+          </a:blip>
+          <a:stretch>
+            <a:fillRect/>
+          </a:stretch>
+        </p:blipFill>
+        <p:spPr>
+          <a:xfrm>
+            <a:off x="11110074" y="5014570"/>
+            <a:ext cx="944875" cy="1416669"/>
+          </a:xfrm>
+          <a:prstGeom prst="rect">
+            <a:avLst/>
+          </a:prstGeom>
+        </p:spPr>
+      </p:pic>
+      <p:sp>
+        <p:nvSpPr>
+          <p:cNvPr id="29" name="TextBox 28"/>
+          <p:cNvSpPr txBox="1"/>
+          <p:nvPr/>
+        </p:nvSpPr>
+        <p:spPr>
+          <a:xfrm>
+            <a:off x="10205834" y="5138892"/>
+            <a:ext cx="835485" cy="923330"/>
+          </a:xfrm>
+          <a:prstGeom prst="rect">
+            <a:avLst/>
+          </a:prstGeom>
+          <a:noFill/>
+        </p:spPr>
+        <p:txBody>
+          <a:bodyPr wrap="none" rtlCol="0">
+            <a:spAutoFit/>
+          </a:bodyPr>
+          <a:lstStyle/>
+          <a:p>
+            <a:r>
+              <a:rPr lang="en-US" sz="5400" dirty="0" smtClean="0">
+                <a:solidFill>
+                  <a:schemeClr val="accent1"/>
+                </a:solidFill>
+              </a:rPr>
+              <a:t>2x</a:t>
+            </a:r>
+            <a:endParaRPr lang="en-US" sz="5400" dirty="0">
+              <a:solidFill>
+                <a:schemeClr val="accent1"/>
+              </a:solidFill>
+            </a:endParaRPr>
+          </a:p>
+        </p:txBody>
+      </p:sp>
+    </p:spTree>
+    <p:extLst>
+      <p:ext uri="{BB962C8B-B14F-4D97-AF65-F5344CB8AC3E}">
+        <p14:creationId xmlns:p14="http://schemas.microsoft.com/office/powerpoint/2010/main" val="18663923"/>
+      </p:ext>
+    </p:extLst>
+  </p:cSld>
+  <p:clrMapOvr>
+    <a:masterClrMapping/>
+  </p:clrMapOvr>
+  <p:timing>
+    <p:tnLst>
+      <p:par>
+        <p:cTn id="1" dur="indefinite" restart="never" nodeType="tmRoot"/>
+      </p:par>
+    </p:tnLst>
+  </p:timing>
+</p:sld>
+</file>
+
+<file path=ppt/slides/slide53.xml><?xml version="1.0" encoding="utf-8"?>
+<p:sld xmlns:a="http://schemas.openxmlformats.org/drawingml/2006/main" xmlns:r="http://schemas.openxmlformats.org/officeDocument/2006/relationships" xmlns:p="http://schemas.openxmlformats.org/presentationml/2006/main">
+  <p:cSld>
+    <p:spTree>
+      <p:nvGrpSpPr>
+        <p:cNvPr id="1" name=""/>
+        <p:cNvGrpSpPr/>
+        <p:nvPr/>
+      </p:nvGrpSpPr>
+      <p:grpSpPr>
+        <a:xfrm>
+          <a:off x="0" y="0"/>
+          <a:ext cx="0" cy="0"/>
+          <a:chOff x="0" y="0"/>
+          <a:chExt cx="0" cy="0"/>
+        </a:xfrm>
+      </p:grpSpPr>
+      <p:sp>
+        <p:nvSpPr>
+          <p:cNvPr id="2" name="TextBox 1"/>
+          <p:cNvSpPr txBox="1"/>
+          <p:nvPr/>
+        </p:nvSpPr>
+        <p:spPr>
+          <a:xfrm>
+            <a:off x="1422400" y="711200"/>
+            <a:ext cx="8036560" cy="707886"/>
+          </a:xfrm>
+          <a:prstGeom prst="rect">
+            <a:avLst/>
+          </a:prstGeom>
+          <a:noFill/>
+        </p:spPr>
+        <p:txBody>
+          <a:bodyPr wrap="square" rtlCol="0">
+            <a:spAutoFit/>
+          </a:bodyPr>
+          <a:lstStyle/>
+          <a:p>
+            <a:r>
+              <a:rPr lang="en-US" sz="4000" b="1" i="1" dirty="0" smtClean="0">
+                <a:solidFill>
+                  <a:schemeClr val="accent1"/>
+                </a:solidFill>
+                <a:latin typeface="Calibri" charset="0"/>
+                <a:ea typeface="Calibri" charset="0"/>
+                <a:cs typeface="Calibri" charset="0"/>
+              </a:rPr>
+              <a:t>Solutions!</a:t>
+            </a:r>
+            <a:endParaRPr lang="en-US" sz="4000" b="1" i="1" dirty="0">
+              <a:solidFill>
+                <a:schemeClr val="accent1"/>
+              </a:solidFill>
+              <a:latin typeface="Calibri" charset="0"/>
+              <a:ea typeface="Calibri" charset="0"/>
+              <a:cs typeface="Calibri" charset="0"/>
+            </a:endParaRPr>
+          </a:p>
+        </p:txBody>
+      </p:sp>
+      <p:sp>
+        <p:nvSpPr>
+          <p:cNvPr id="3" name="TextBox 2"/>
+          <p:cNvSpPr txBox="1"/>
+          <p:nvPr/>
+        </p:nvSpPr>
+        <p:spPr>
+          <a:xfrm>
+            <a:off x="1422399" y="1595120"/>
+            <a:ext cx="9891701" cy="523220"/>
+          </a:xfrm>
+          <a:prstGeom prst="rect">
+            <a:avLst/>
+          </a:prstGeom>
+          <a:noFill/>
+        </p:spPr>
+        <p:txBody>
+          <a:bodyPr wrap="square" rtlCol="0">
+            <a:spAutoFit/>
+          </a:bodyPr>
+          <a:lstStyle/>
+          <a:p>
+            <a:r>
+              <a:rPr lang="en-US" sz="2800" b="1" dirty="0">
+                <a:solidFill>
+                  <a:schemeClr val="bg1"/>
+                </a:solidFill>
+              </a:rPr>
+              <a:t>Given a string (or any array) s, determine if it</a:t>
+            </a:r>
+            <a:r>
+              <a:rPr lang="fr-FR" sz="2800" b="1" dirty="0">
+                <a:solidFill>
+                  <a:schemeClr val="bg1"/>
+                </a:solidFill>
+              </a:rPr>
+              <a:t>’</a:t>
+            </a:r>
+            <a:r>
+              <a:rPr lang="en-US" sz="2800" b="1" dirty="0">
+                <a:solidFill>
+                  <a:schemeClr val="bg1"/>
+                </a:solidFill>
+              </a:rPr>
+              <a:t>s a palindrome.</a:t>
+            </a:r>
+            <a:endParaRPr lang="en-US" sz="2800" dirty="0">
+              <a:solidFill>
+                <a:schemeClr val="bg1"/>
+              </a:solidFill>
+            </a:endParaRPr>
+          </a:p>
+        </p:txBody>
+      </p:sp>
+      <p:pic>
+        <p:nvPicPr>
+          <p:cNvPr id="4" name="Picture 3"/>
+          <p:cNvPicPr>
+            <a:picLocks noChangeAspect="1"/>
+          </p:cNvPicPr>
+          <p:nvPr/>
+        </p:nvPicPr>
+        <p:blipFill>
+          <a:blip r:embed="rId2">
+            <a:extLst>
+              <a:ext uri="{28A0092B-C50C-407E-A947-70E740481C1C}">
+                <a14:useLocalDpi xmlns:a14="http://schemas.microsoft.com/office/drawing/2010/main" val="0"/>
+              </a:ext>
+            </a:extLst>
+          </a:blip>
+          <a:stretch>
+            <a:fillRect/>
+          </a:stretch>
+        </p:blipFill>
+        <p:spPr>
+          <a:xfrm>
+            <a:off x="2141915" y="2885096"/>
+            <a:ext cx="944879" cy="1416673"/>
+          </a:xfrm>
+          <a:prstGeom prst="rect">
+            <a:avLst/>
+          </a:prstGeom>
+        </p:spPr>
+      </p:pic>
+      <p:pic>
+        <p:nvPicPr>
+          <p:cNvPr id="6" name="Picture 5"/>
+          <p:cNvPicPr>
+            <a:picLocks noChangeAspect="1"/>
+          </p:cNvPicPr>
+          <p:nvPr/>
+        </p:nvPicPr>
+        <p:blipFill>
+          <a:blip r:embed="rId3">
+            <a:extLst>
+              <a:ext uri="{28A0092B-C50C-407E-A947-70E740481C1C}">
+                <a14:useLocalDpi xmlns:a14="http://schemas.microsoft.com/office/drawing/2010/main" val="0"/>
+              </a:ext>
+            </a:extLst>
+          </a:blip>
+          <a:stretch>
+            <a:fillRect/>
+          </a:stretch>
+        </p:blipFill>
+        <p:spPr>
+          <a:xfrm>
+            <a:off x="4143018" y="2885095"/>
+            <a:ext cx="944878" cy="1416673"/>
+          </a:xfrm>
+          <a:prstGeom prst="rect">
+            <a:avLst/>
+          </a:prstGeom>
+        </p:spPr>
+      </p:pic>
+      <p:pic>
+        <p:nvPicPr>
+          <p:cNvPr id="14" name="Picture 13"/>
+          <p:cNvPicPr>
+            <a:picLocks noChangeAspect="1"/>
+          </p:cNvPicPr>
+          <p:nvPr/>
+        </p:nvPicPr>
+        <p:blipFill>
+          <a:blip r:embed="rId4">
+            <a:extLst>
+              <a:ext uri="{28A0092B-C50C-407E-A947-70E740481C1C}">
+                <a14:useLocalDpi xmlns:a14="http://schemas.microsoft.com/office/drawing/2010/main" val="0"/>
+              </a:ext>
+            </a:extLst>
+          </a:blip>
+          <a:stretch>
+            <a:fillRect/>
+          </a:stretch>
+        </p:blipFill>
+        <p:spPr>
+          <a:xfrm>
+            <a:off x="1141365" y="2885097"/>
+            <a:ext cx="944877" cy="1416672"/>
+          </a:xfrm>
+          <a:prstGeom prst="rect">
+            <a:avLst/>
+          </a:prstGeom>
+        </p:spPr>
+      </p:pic>
+      <p:pic>
+        <p:nvPicPr>
+          <p:cNvPr id="16" name="Picture 15"/>
+          <p:cNvPicPr>
+            <a:picLocks noChangeAspect="1"/>
+          </p:cNvPicPr>
+          <p:nvPr/>
+        </p:nvPicPr>
+        <p:blipFill>
+          <a:blip r:embed="rId5">
+            <a:extLst>
+              <a:ext uri="{28A0092B-C50C-407E-A947-70E740481C1C}">
+                <a14:useLocalDpi xmlns:a14="http://schemas.microsoft.com/office/drawing/2010/main" val="0"/>
+              </a:ext>
+            </a:extLst>
+          </a:blip>
+          <a:stretch>
+            <a:fillRect/>
+          </a:stretch>
+        </p:blipFill>
+        <p:spPr>
+          <a:xfrm>
+            <a:off x="5161280" y="2885094"/>
+            <a:ext cx="944877" cy="1416672"/>
+          </a:xfrm>
+          <a:prstGeom prst="rect">
+            <a:avLst/>
+          </a:prstGeom>
+        </p:spPr>
+      </p:pic>
+      <p:grpSp>
+        <p:nvGrpSpPr>
+          <p:cNvPr id="5" name="Group 4"/>
+          <p:cNvGrpSpPr/>
+          <p:nvPr/>
+        </p:nvGrpSpPr>
+        <p:grpSpPr>
+          <a:xfrm>
+            <a:off x="3144185" y="2885095"/>
+            <a:ext cx="941443" cy="1416673"/>
+            <a:chOff x="2785839" y="2909808"/>
+            <a:chExt cx="941443" cy="1416673"/>
+          </a:xfrm>
+        </p:grpSpPr>
+        <p:pic>
+          <p:nvPicPr>
+            <p:cNvPr id="8" name="Picture 7"/>
+            <p:cNvPicPr>
+              <a:picLocks noChangeAspect="1"/>
+            </p:cNvPicPr>
+            <p:nvPr/>
+          </p:nvPicPr>
+          <p:blipFill>
+            <a:blip r:embed="rId6">
+              <a:extLst>
+                <a:ext uri="{28A0092B-C50C-407E-A947-70E740481C1C}">
+                  <a14:useLocalDpi xmlns:a14="http://schemas.microsoft.com/office/drawing/2010/main" val="0"/>
+                </a:ext>
+              </a:extLst>
+            </a:blip>
+            <a:stretch>
+              <a:fillRect/>
+            </a:stretch>
+          </p:blipFill>
+          <p:spPr>
+            <a:xfrm>
+              <a:off x="2785839" y="2909808"/>
+              <a:ext cx="941443" cy="1416673"/>
+            </a:xfrm>
+            <a:prstGeom prst="rect">
+              <a:avLst/>
+            </a:prstGeom>
+          </p:spPr>
+        </p:pic>
+        <p:sp>
+          <p:nvSpPr>
+            <p:cNvPr id="24" name="TextBox 23"/>
+            <p:cNvSpPr txBox="1"/>
+            <p:nvPr/>
+          </p:nvSpPr>
+          <p:spPr>
+            <a:xfrm>
+              <a:off x="3043521" y="3144460"/>
+              <a:ext cx="487350" cy="830997"/>
+            </a:xfrm>
+            <a:prstGeom prst="rect">
+              <a:avLst/>
+            </a:prstGeom>
+            <a:noFill/>
+          </p:spPr>
+          <p:txBody>
+            <a:bodyPr wrap="square" rtlCol="0">
+              <a:spAutoFit/>
+            </a:bodyPr>
+            <a:lstStyle/>
+            <a:p>
+              <a:r>
+                <a:rPr lang="en-US" sz="4800" dirty="0" smtClean="0">
+                  <a:latin typeface="Apple Chancery" charset="0"/>
+                  <a:ea typeface="Apple Chancery" charset="0"/>
+                  <a:cs typeface="Apple Chancery" charset="0"/>
+                </a:rPr>
+                <a:t>s</a:t>
+              </a:r>
+              <a:endParaRPr lang="en-US" sz="4800" dirty="0">
+                <a:latin typeface="Apple Chancery" charset="0"/>
+                <a:ea typeface="Apple Chancery" charset="0"/>
+                <a:cs typeface="Apple Chancery" charset="0"/>
+              </a:endParaRPr>
+            </a:p>
+          </p:txBody>
+        </p:sp>
+      </p:grpSp>
+      <p:grpSp>
+        <p:nvGrpSpPr>
+          <p:cNvPr id="26" name="Group 25"/>
+          <p:cNvGrpSpPr/>
+          <p:nvPr/>
+        </p:nvGrpSpPr>
+        <p:grpSpPr>
+          <a:xfrm>
+            <a:off x="6179541" y="2885093"/>
+            <a:ext cx="941443" cy="1416673"/>
+            <a:chOff x="2785839" y="2909808"/>
+            <a:chExt cx="941443" cy="1416673"/>
+          </a:xfrm>
+        </p:grpSpPr>
+        <p:pic>
+          <p:nvPicPr>
+            <p:cNvPr id="27" name="Picture 26"/>
+            <p:cNvPicPr>
+              <a:picLocks noChangeAspect="1"/>
+            </p:cNvPicPr>
+            <p:nvPr/>
+          </p:nvPicPr>
+          <p:blipFill>
+            <a:blip r:embed="rId6">
+              <a:extLst>
+                <a:ext uri="{28A0092B-C50C-407E-A947-70E740481C1C}">
+                  <a14:useLocalDpi xmlns:a14="http://schemas.microsoft.com/office/drawing/2010/main" val="0"/>
+                </a:ext>
+              </a:extLst>
+            </a:blip>
+            <a:stretch>
+              <a:fillRect/>
+            </a:stretch>
+          </p:blipFill>
+          <p:spPr>
+            <a:xfrm>
+              <a:off x="2785839" y="2909808"/>
+              <a:ext cx="941443" cy="1416673"/>
+            </a:xfrm>
+            <a:prstGeom prst="rect">
+              <a:avLst/>
+            </a:prstGeom>
+          </p:spPr>
+        </p:pic>
+        <p:sp>
+          <p:nvSpPr>
+            <p:cNvPr id="28" name="TextBox 27"/>
+            <p:cNvSpPr txBox="1"/>
+            <p:nvPr/>
+          </p:nvSpPr>
+          <p:spPr>
+            <a:xfrm>
+              <a:off x="3043521" y="3144460"/>
+              <a:ext cx="487350" cy="830997"/>
+            </a:xfrm>
+            <a:prstGeom prst="rect">
+              <a:avLst/>
+            </a:prstGeom>
+            <a:noFill/>
+          </p:spPr>
+          <p:txBody>
+            <a:bodyPr wrap="square" rtlCol="0">
+              <a:spAutoFit/>
+            </a:bodyPr>
+            <a:lstStyle/>
+            <a:p>
+              <a:r>
+                <a:rPr lang="en-US" sz="4800" dirty="0" smtClean="0">
+                  <a:latin typeface="Apple Chancery" charset="0"/>
+                  <a:ea typeface="Apple Chancery" charset="0"/>
+                  <a:cs typeface="Apple Chancery" charset="0"/>
+                </a:rPr>
+                <a:t>s</a:t>
+              </a:r>
+              <a:endParaRPr lang="en-US" sz="4800" dirty="0">
+                <a:latin typeface="Apple Chancery" charset="0"/>
+                <a:ea typeface="Apple Chancery" charset="0"/>
+                <a:cs typeface="Apple Chancery" charset="0"/>
+              </a:endParaRPr>
+            </a:p>
+          </p:txBody>
+        </p:sp>
+      </p:grpSp>
+      <p:pic>
+        <p:nvPicPr>
+          <p:cNvPr id="29" name="Picture 28"/>
+          <p:cNvPicPr>
+            <a:picLocks noChangeAspect="1"/>
+          </p:cNvPicPr>
+          <p:nvPr/>
+        </p:nvPicPr>
+        <p:blipFill>
+          <a:blip r:embed="rId2">
+            <a:extLst>
+              <a:ext uri="{28A0092B-C50C-407E-A947-70E740481C1C}">
+                <a14:useLocalDpi xmlns:a14="http://schemas.microsoft.com/office/drawing/2010/main" val="0"/>
+              </a:ext>
+            </a:extLst>
+          </a:blip>
+          <a:stretch>
+            <a:fillRect/>
+          </a:stretch>
+        </p:blipFill>
+        <p:spPr>
+          <a:xfrm>
+            <a:off x="2141915" y="4536417"/>
+            <a:ext cx="944879" cy="1416673"/>
+          </a:xfrm>
+          <a:prstGeom prst="rect">
+            <a:avLst/>
+          </a:prstGeom>
+        </p:spPr>
+      </p:pic>
+      <p:pic>
+        <p:nvPicPr>
+          <p:cNvPr id="30" name="Picture 29"/>
+          <p:cNvPicPr>
+            <a:picLocks noChangeAspect="1"/>
+          </p:cNvPicPr>
+          <p:nvPr/>
+        </p:nvPicPr>
+        <p:blipFill>
+          <a:blip r:embed="rId3">
+            <a:extLst>
+              <a:ext uri="{28A0092B-C50C-407E-A947-70E740481C1C}">
+                <a14:useLocalDpi xmlns:a14="http://schemas.microsoft.com/office/drawing/2010/main" val="0"/>
+              </a:ext>
+            </a:extLst>
+          </a:blip>
+          <a:stretch>
+            <a:fillRect/>
+          </a:stretch>
+        </p:blipFill>
+        <p:spPr>
+          <a:xfrm>
+            <a:off x="4143018" y="4536416"/>
+            <a:ext cx="944878" cy="1416673"/>
+          </a:xfrm>
+          <a:prstGeom prst="rect">
+            <a:avLst/>
+          </a:prstGeom>
+        </p:spPr>
+      </p:pic>
+      <p:pic>
+        <p:nvPicPr>
+          <p:cNvPr id="31" name="Picture 30"/>
+          <p:cNvPicPr>
+            <a:picLocks noChangeAspect="1"/>
+          </p:cNvPicPr>
+          <p:nvPr/>
+        </p:nvPicPr>
+        <p:blipFill>
+          <a:blip r:embed="rId7">
+            <a:extLst>
+              <a:ext uri="{28A0092B-C50C-407E-A947-70E740481C1C}">
+                <a14:useLocalDpi xmlns:a14="http://schemas.microsoft.com/office/drawing/2010/main" val="0"/>
+              </a:ext>
+            </a:extLst>
+          </a:blip>
+          <a:stretch>
+            <a:fillRect/>
+          </a:stretch>
+        </p:blipFill>
+        <p:spPr>
+          <a:xfrm>
+            <a:off x="1141365" y="4536419"/>
+            <a:ext cx="944877" cy="1416670"/>
+          </a:xfrm>
+          <a:prstGeom prst="rect">
+            <a:avLst/>
+          </a:prstGeom>
+        </p:spPr>
+      </p:pic>
+      <p:pic>
+        <p:nvPicPr>
+          <p:cNvPr id="32" name="Picture 31"/>
+          <p:cNvPicPr>
+            <a:picLocks noChangeAspect="1"/>
+          </p:cNvPicPr>
+          <p:nvPr/>
+        </p:nvPicPr>
+        <p:blipFill>
+          <a:blip r:embed="rId8">
+            <a:extLst>
+              <a:ext uri="{28A0092B-C50C-407E-A947-70E740481C1C}">
+                <a14:useLocalDpi xmlns:a14="http://schemas.microsoft.com/office/drawing/2010/main" val="0"/>
+              </a:ext>
+            </a:extLst>
+          </a:blip>
+          <a:stretch>
+            <a:fillRect/>
+          </a:stretch>
+        </p:blipFill>
+        <p:spPr>
+          <a:xfrm>
+            <a:off x="5161280" y="4536416"/>
+            <a:ext cx="944877" cy="1416670"/>
+          </a:xfrm>
+          <a:prstGeom prst="rect">
+            <a:avLst/>
+          </a:prstGeom>
+        </p:spPr>
+      </p:pic>
+      <p:grpSp>
+        <p:nvGrpSpPr>
+          <p:cNvPr id="46" name="Group 45"/>
+          <p:cNvGrpSpPr/>
+          <p:nvPr/>
+        </p:nvGrpSpPr>
+        <p:grpSpPr>
+          <a:xfrm>
+            <a:off x="3144185" y="4536416"/>
+            <a:ext cx="941443" cy="1416673"/>
+            <a:chOff x="2785839" y="2909808"/>
+            <a:chExt cx="941443" cy="1416673"/>
+          </a:xfrm>
+        </p:grpSpPr>
+        <p:pic>
+          <p:nvPicPr>
+            <p:cNvPr id="48" name="Picture 47"/>
+            <p:cNvPicPr>
+              <a:picLocks noChangeAspect="1"/>
+            </p:cNvPicPr>
+            <p:nvPr/>
+          </p:nvPicPr>
+          <p:blipFill>
+            <a:blip r:embed="rId6">
+              <a:extLst>
+                <a:ext uri="{28A0092B-C50C-407E-A947-70E740481C1C}">
+                  <a14:useLocalDpi xmlns:a14="http://schemas.microsoft.com/office/drawing/2010/main" val="0"/>
+                </a:ext>
+              </a:extLst>
+            </a:blip>
+            <a:stretch>
+              <a:fillRect/>
+            </a:stretch>
+          </p:blipFill>
+          <p:spPr>
+            <a:xfrm>
+              <a:off x="2785839" y="2909808"/>
+              <a:ext cx="941443" cy="1416673"/>
+            </a:xfrm>
+            <a:prstGeom prst="rect">
+              <a:avLst/>
+            </a:prstGeom>
+          </p:spPr>
+        </p:pic>
+        <p:sp>
+          <p:nvSpPr>
+            <p:cNvPr id="49" name="TextBox 48"/>
+            <p:cNvSpPr txBox="1"/>
+            <p:nvPr/>
+          </p:nvSpPr>
+          <p:spPr>
+            <a:xfrm>
+              <a:off x="3043521" y="3144460"/>
+              <a:ext cx="487350" cy="830997"/>
+            </a:xfrm>
+            <a:prstGeom prst="rect">
+              <a:avLst/>
+            </a:prstGeom>
+            <a:noFill/>
+          </p:spPr>
+          <p:txBody>
+            <a:bodyPr wrap="square" rtlCol="0">
+              <a:spAutoFit/>
+            </a:bodyPr>
+            <a:lstStyle/>
+            <a:p>
+              <a:r>
+                <a:rPr lang="en-US" sz="4800" dirty="0" smtClean="0">
+                  <a:latin typeface="Apple Chancery" charset="0"/>
+                  <a:ea typeface="Apple Chancery" charset="0"/>
+                  <a:cs typeface="Apple Chancery" charset="0"/>
+                </a:rPr>
+                <a:t>s</a:t>
+              </a:r>
+              <a:endParaRPr lang="en-US" sz="4800" dirty="0">
+                <a:latin typeface="Apple Chancery" charset="0"/>
+                <a:ea typeface="Apple Chancery" charset="0"/>
+                <a:cs typeface="Apple Chancery" charset="0"/>
+              </a:endParaRPr>
+            </a:p>
+          </p:txBody>
+        </p:sp>
+      </p:grpSp>
+      <p:pic>
+        <p:nvPicPr>
+          <p:cNvPr id="53" name="Picture 52"/>
+          <p:cNvPicPr>
+            <a:picLocks noChangeAspect="1"/>
+          </p:cNvPicPr>
+          <p:nvPr/>
+        </p:nvPicPr>
+        <p:blipFill>
+          <a:blip r:embed="rId9">
+            <a:extLst>
+              <a:ext uri="{28A0092B-C50C-407E-A947-70E740481C1C}">
+                <a14:useLocalDpi xmlns:a14="http://schemas.microsoft.com/office/drawing/2010/main" val="0"/>
+              </a:ext>
+            </a:extLst>
+          </a:blip>
+          <a:stretch>
+            <a:fillRect/>
+          </a:stretch>
+        </p:blipFill>
+        <p:spPr>
+          <a:xfrm>
+            <a:off x="6177823" y="4536415"/>
+            <a:ext cx="944877" cy="1416670"/>
+          </a:xfrm>
+          <a:prstGeom prst="rect">
+            <a:avLst/>
+          </a:prstGeom>
+        </p:spPr>
+      </p:pic>
+      <p:pic>
+        <p:nvPicPr>
+          <p:cNvPr id="54" name="Picture 53"/>
+          <p:cNvPicPr>
+            <a:picLocks noChangeAspect="1"/>
+          </p:cNvPicPr>
+          <p:nvPr/>
+        </p:nvPicPr>
+        <p:blipFill>
+          <a:blip r:embed="rId10">
+            <a:extLst>
+              <a:ext uri="{28A0092B-C50C-407E-A947-70E740481C1C}">
+                <a14:useLocalDpi xmlns:a14="http://schemas.microsoft.com/office/drawing/2010/main" val="0"/>
+              </a:ext>
+            </a:extLst>
+          </a:blip>
+          <a:stretch>
+            <a:fillRect/>
+          </a:stretch>
+        </p:blipFill>
+        <p:spPr>
+          <a:xfrm>
+            <a:off x="7194366" y="4536414"/>
+            <a:ext cx="944877" cy="1416670"/>
+          </a:xfrm>
+          <a:prstGeom prst="rect">
+            <a:avLst/>
+          </a:prstGeom>
+        </p:spPr>
+      </p:pic>
+      <p:pic>
+        <p:nvPicPr>
+          <p:cNvPr id="55" name="Picture 54"/>
+          <p:cNvPicPr>
+            <a:picLocks noChangeAspect="1"/>
+          </p:cNvPicPr>
+          <p:nvPr/>
+        </p:nvPicPr>
+        <p:blipFill>
+          <a:blip r:embed="rId11">
+            <a:extLst>
+              <a:ext uri="{28A0092B-C50C-407E-A947-70E740481C1C}">
+                <a14:useLocalDpi xmlns:a14="http://schemas.microsoft.com/office/drawing/2010/main" val="0"/>
+              </a:ext>
+            </a:extLst>
+          </a:blip>
+          <a:stretch>
+            <a:fillRect/>
+          </a:stretch>
+        </p:blipFill>
+        <p:spPr>
+          <a:xfrm>
+            <a:off x="8210909" y="4536414"/>
+            <a:ext cx="944876" cy="1416670"/>
+          </a:xfrm>
+          <a:prstGeom prst="rect">
+            <a:avLst/>
+          </a:prstGeom>
+        </p:spPr>
+      </p:pic>
+      <p:pic>
+        <p:nvPicPr>
+          <p:cNvPr id="56" name="Picture 55"/>
+          <p:cNvPicPr>
+            <a:picLocks noChangeAspect="1"/>
+          </p:cNvPicPr>
+          <p:nvPr/>
+        </p:nvPicPr>
+        <p:blipFill>
+          <a:blip r:embed="rId12">
+            <a:extLst>
+              <a:ext uri="{28A0092B-C50C-407E-A947-70E740481C1C}">
+                <a14:useLocalDpi xmlns:a14="http://schemas.microsoft.com/office/drawing/2010/main" val="0"/>
+              </a:ext>
+            </a:extLst>
+          </a:blip>
+          <a:stretch>
+            <a:fillRect/>
+          </a:stretch>
+        </p:blipFill>
+        <p:spPr>
+          <a:xfrm>
+            <a:off x="9214895" y="4536414"/>
+            <a:ext cx="944876" cy="1416669"/>
+          </a:xfrm>
+          <a:prstGeom prst="rect">
+            <a:avLst/>
+          </a:prstGeom>
+        </p:spPr>
+      </p:pic>
+      <p:grpSp>
+        <p:nvGrpSpPr>
+          <p:cNvPr id="57" name="Group 56"/>
+          <p:cNvGrpSpPr/>
+          <p:nvPr/>
+        </p:nvGrpSpPr>
+        <p:grpSpPr>
+          <a:xfrm>
+            <a:off x="10231438" y="4536410"/>
+            <a:ext cx="941443" cy="1416673"/>
+            <a:chOff x="2785839" y="2909808"/>
+            <a:chExt cx="941443" cy="1416673"/>
+          </a:xfrm>
+        </p:grpSpPr>
+        <p:pic>
+          <p:nvPicPr>
+            <p:cNvPr id="58" name="Picture 57"/>
+            <p:cNvPicPr>
+              <a:picLocks noChangeAspect="1"/>
+            </p:cNvPicPr>
+            <p:nvPr/>
+          </p:nvPicPr>
+          <p:blipFill>
+            <a:blip r:embed="rId6">
+              <a:extLst>
+                <a:ext uri="{28A0092B-C50C-407E-A947-70E740481C1C}">
+                  <a14:useLocalDpi xmlns:a14="http://schemas.microsoft.com/office/drawing/2010/main" val="0"/>
+                </a:ext>
+              </a:extLst>
+            </a:blip>
+            <a:stretch>
+              <a:fillRect/>
+            </a:stretch>
+          </p:blipFill>
+          <p:spPr>
+            <a:xfrm>
+              <a:off x="2785839" y="2909808"/>
+              <a:ext cx="941443" cy="1416673"/>
+            </a:xfrm>
+            <a:prstGeom prst="rect">
+              <a:avLst/>
+            </a:prstGeom>
+          </p:spPr>
+        </p:pic>
+        <p:sp>
+          <p:nvSpPr>
+            <p:cNvPr id="59" name="TextBox 58"/>
+            <p:cNvSpPr txBox="1"/>
+            <p:nvPr/>
+          </p:nvSpPr>
+          <p:spPr>
+            <a:xfrm>
+              <a:off x="3043521" y="3144460"/>
+              <a:ext cx="487350" cy="830997"/>
+            </a:xfrm>
+            <a:prstGeom prst="rect">
+              <a:avLst/>
+            </a:prstGeom>
+            <a:noFill/>
+          </p:spPr>
+          <p:txBody>
+            <a:bodyPr wrap="square" rtlCol="0">
+              <a:spAutoFit/>
+            </a:bodyPr>
+            <a:lstStyle/>
+            <a:p>
+              <a:r>
+                <a:rPr lang="en-US" sz="4800" dirty="0" smtClean="0">
+                  <a:latin typeface="Apple Chancery" charset="0"/>
+                  <a:ea typeface="Apple Chancery" charset="0"/>
+                  <a:cs typeface="Apple Chancery" charset="0"/>
+                </a:rPr>
+                <a:t>s</a:t>
+              </a:r>
+              <a:endParaRPr lang="en-US" sz="4800" dirty="0">
+                <a:latin typeface="Apple Chancery" charset="0"/>
+                <a:ea typeface="Apple Chancery" charset="0"/>
+                <a:cs typeface="Apple Chancery" charset="0"/>
+              </a:endParaRPr>
+            </a:p>
+          </p:txBody>
+        </p:sp>
+      </p:grpSp>
+    </p:spTree>
+    <p:extLst>
+      <p:ext uri="{BB962C8B-B14F-4D97-AF65-F5344CB8AC3E}">
+        <p14:creationId xmlns:p14="http://schemas.microsoft.com/office/powerpoint/2010/main" val="907914624"/>
+      </p:ext>
+    </p:extLst>
+  </p:cSld>
+  <p:clrMapOvr>
+    <a:masterClrMapping/>
+  </p:clrMapOvr>
+  <p:timing>
+    <p:tnLst>
+      <p:par>
+        <p:cTn id="1" dur="indefinite" restart="never" nodeType="tmRoot">
+          <p:childTnLst>
+            <p:seq concurrent="1" nextAc="seek">
+              <p:cTn id="2" dur="indefinite" nodeType="mainSeq">
+                <p:childTnLst>
+                  <p:par>
+                    <p:cTn id="3" fill="hold">
+                      <p:stCondLst>
+                        <p:cond delay="indefinite"/>
+                      </p:stCondLst>
+                      <p:childTnLst>
+                        <p:par>
+                          <p:cTn id="4" fill="hold">
+                            <p:stCondLst>
+                              <p:cond delay="0"/>
+                            </p:stCondLst>
+                            <p:childTnLst>
+                              <p:par>
+                                <p:cTn id="5" presetID="1" presetClass="entr" presetSubtype="0" fill="hold" nodeType="clickEffect">
+                                  <p:stCondLst>
+                                    <p:cond delay="0"/>
+                                  </p:stCondLst>
+                                  <p:childTnLst>
+                                    <p:set>
+                                      <p:cBhvr>
+                                        <p:cTn id="6" dur="1" fill="hold">
+                                          <p:stCondLst>
+                                            <p:cond delay="0"/>
+                                          </p:stCondLst>
+                                        </p:cTn>
+                                        <p:tgtEl>
+                                          <p:spTgt spid="4"/>
+                                        </p:tgtEl>
+                                        <p:attrNameLst>
+                                          <p:attrName>style.visibility</p:attrName>
+                                        </p:attrNameLst>
+                                      </p:cBhvr>
+                                      <p:to>
+                                        <p:strVal val="visible"/>
+                                      </p:to>
+                                    </p:set>
+                                  </p:childTnLst>
+                                </p:cTn>
+                              </p:par>
+                              <p:par>
+                                <p:cTn id="7" presetID="1" presetClass="entr" presetSubtype="0" fill="hold" nodeType="withEffect">
+                                  <p:stCondLst>
+                                    <p:cond delay="0"/>
+                                  </p:stCondLst>
+                                  <p:childTnLst>
+                                    <p:set>
+                                      <p:cBhvr>
+                                        <p:cTn id="8" dur="1" fill="hold">
+                                          <p:stCondLst>
+                                            <p:cond delay="0"/>
+                                          </p:stCondLst>
+                                        </p:cTn>
+                                        <p:tgtEl>
+                                          <p:spTgt spid="6"/>
+                                        </p:tgtEl>
+                                        <p:attrNameLst>
+                                          <p:attrName>style.visibility</p:attrName>
+                                        </p:attrNameLst>
+                                      </p:cBhvr>
+                                      <p:to>
+                                        <p:strVal val="visible"/>
+                                      </p:to>
+                                    </p:set>
+                                  </p:childTnLst>
+                                </p:cTn>
+                              </p:par>
+                              <p:par>
+                                <p:cTn id="9" presetID="1" presetClass="entr" presetSubtype="0" fill="hold" nodeType="withEffect">
+                                  <p:stCondLst>
+                                    <p:cond delay="0"/>
+                                  </p:stCondLst>
+                                  <p:childTnLst>
+                                    <p:set>
+                                      <p:cBhvr>
+                                        <p:cTn id="10" dur="1" fill="hold">
+                                          <p:stCondLst>
+                                            <p:cond delay="0"/>
+                                          </p:stCondLst>
+                                        </p:cTn>
+                                        <p:tgtEl>
+                                          <p:spTgt spid="14"/>
+                                        </p:tgtEl>
+                                        <p:attrNameLst>
+                                          <p:attrName>style.visibility</p:attrName>
+                                        </p:attrNameLst>
+                                      </p:cBhvr>
+                                      <p:to>
+                                        <p:strVal val="visible"/>
+                                      </p:to>
+                                    </p:set>
+                                  </p:childTnLst>
+                                </p:cTn>
+                              </p:par>
+                              <p:par>
+                                <p:cTn id="11" presetID="1" presetClass="entr" presetSubtype="0" fill="hold" nodeType="withEffect">
+                                  <p:stCondLst>
+                                    <p:cond delay="0"/>
+                                  </p:stCondLst>
+                                  <p:childTnLst>
+                                    <p:set>
+                                      <p:cBhvr>
+                                        <p:cTn id="12" dur="1" fill="hold">
+                                          <p:stCondLst>
+                                            <p:cond delay="0"/>
+                                          </p:stCondLst>
+                                        </p:cTn>
+                                        <p:tgtEl>
+                                          <p:spTgt spid="16"/>
+                                        </p:tgtEl>
+                                        <p:attrNameLst>
+                                          <p:attrName>style.visibility</p:attrName>
+                                        </p:attrNameLst>
+                                      </p:cBhvr>
+                                      <p:to>
+                                        <p:strVal val="visible"/>
+                                      </p:to>
+                                    </p:set>
+                                  </p:childTnLst>
+                                </p:cTn>
+                              </p:par>
+                              <p:par>
+                                <p:cTn id="13" presetID="1" presetClass="entr" presetSubtype="0" fill="hold" nodeType="withEffect">
+                                  <p:stCondLst>
+                                    <p:cond delay="0"/>
+                                  </p:stCondLst>
+                                  <p:childTnLst>
+                                    <p:set>
+                                      <p:cBhvr>
+                                        <p:cTn id="14" dur="1" fill="hold">
+                                          <p:stCondLst>
+                                            <p:cond delay="0"/>
+                                          </p:stCondLst>
+                                        </p:cTn>
+                                        <p:tgtEl>
+                                          <p:spTgt spid="5"/>
+                                        </p:tgtEl>
+                                        <p:attrNameLst>
+                                          <p:attrName>style.visibility</p:attrName>
+                                        </p:attrNameLst>
+                                      </p:cBhvr>
+                                      <p:to>
+                                        <p:strVal val="visible"/>
+                                      </p:to>
+                                    </p:set>
+                                  </p:childTnLst>
+                                </p:cTn>
+                              </p:par>
+                              <p:par>
+                                <p:cTn id="15" presetID="1" presetClass="entr" presetSubtype="0" fill="hold" nodeType="withEffect">
+                                  <p:stCondLst>
+                                    <p:cond delay="0"/>
+                                  </p:stCondLst>
+                                  <p:childTnLst>
+                                    <p:set>
+                                      <p:cBhvr>
+                                        <p:cTn id="16" dur="1" fill="hold">
+                                          <p:stCondLst>
+                                            <p:cond delay="0"/>
+                                          </p:stCondLst>
+                                        </p:cTn>
+                                        <p:tgtEl>
+                                          <p:spTgt spid="26"/>
+                                        </p:tgtEl>
+                                        <p:attrNameLst>
+                                          <p:attrName>style.visibility</p:attrName>
+                                        </p:attrNameLst>
+                                      </p:cBhvr>
+                                      <p:to>
+                                        <p:strVal val="visible"/>
+                                      </p:to>
+                                    </p:set>
+                                  </p:childTnLst>
+                                </p:cTn>
+                              </p:par>
+                            </p:childTnLst>
+                          </p:cTn>
+                        </p:par>
+                      </p:childTnLst>
+                    </p:cTn>
+                  </p:par>
+                  <p:par>
+                    <p:cTn id="17" fill="hold">
+                      <p:stCondLst>
+                        <p:cond delay="indefinite"/>
+                      </p:stCondLst>
+                      <p:childTnLst>
+                        <p:par>
+                          <p:cTn id="18" fill="hold">
+                            <p:stCondLst>
+                              <p:cond delay="0"/>
+                            </p:stCondLst>
+                            <p:childTnLst>
+                              <p:par>
+                                <p:cTn id="19" presetID="1" presetClass="entr" presetSubtype="0" fill="hold" nodeType="clickEffect">
+                                  <p:stCondLst>
+                                    <p:cond delay="0"/>
+                                  </p:stCondLst>
+                                  <p:childTnLst>
+                                    <p:set>
+                                      <p:cBhvr>
+                                        <p:cTn id="20" dur="1" fill="hold">
+                                          <p:stCondLst>
+                                            <p:cond delay="0"/>
+                                          </p:stCondLst>
+                                        </p:cTn>
+                                        <p:tgtEl>
+                                          <p:spTgt spid="29"/>
+                                        </p:tgtEl>
+                                        <p:attrNameLst>
+                                          <p:attrName>style.visibility</p:attrName>
+                                        </p:attrNameLst>
+                                      </p:cBhvr>
+                                      <p:to>
+                                        <p:strVal val="visible"/>
+                                      </p:to>
+                                    </p:set>
+                                  </p:childTnLst>
+                                </p:cTn>
+                              </p:par>
+                              <p:par>
+                                <p:cTn id="21" presetID="1" presetClass="entr" presetSubtype="0" fill="hold" nodeType="withEffect">
+                                  <p:stCondLst>
+                                    <p:cond delay="0"/>
+                                  </p:stCondLst>
+                                  <p:childTnLst>
+                                    <p:set>
+                                      <p:cBhvr>
+                                        <p:cTn id="22" dur="1" fill="hold">
+                                          <p:stCondLst>
+                                            <p:cond delay="0"/>
+                                          </p:stCondLst>
+                                        </p:cTn>
+                                        <p:tgtEl>
+                                          <p:spTgt spid="30"/>
+                                        </p:tgtEl>
+                                        <p:attrNameLst>
+                                          <p:attrName>style.visibility</p:attrName>
+                                        </p:attrNameLst>
+                                      </p:cBhvr>
+                                      <p:to>
+                                        <p:strVal val="visible"/>
+                                      </p:to>
+                                    </p:set>
+                                  </p:childTnLst>
+                                </p:cTn>
+                              </p:par>
+                              <p:par>
+                                <p:cTn id="23" presetID="1" presetClass="entr" presetSubtype="0" fill="hold" nodeType="withEffect">
+                                  <p:stCondLst>
+                                    <p:cond delay="0"/>
+                                  </p:stCondLst>
+                                  <p:childTnLst>
+                                    <p:set>
+                                      <p:cBhvr>
+                                        <p:cTn id="24" dur="1" fill="hold">
+                                          <p:stCondLst>
+                                            <p:cond delay="0"/>
+                                          </p:stCondLst>
+                                        </p:cTn>
+                                        <p:tgtEl>
+                                          <p:spTgt spid="31"/>
+                                        </p:tgtEl>
+                                        <p:attrNameLst>
+                                          <p:attrName>style.visibility</p:attrName>
+                                        </p:attrNameLst>
+                                      </p:cBhvr>
+                                      <p:to>
+                                        <p:strVal val="visible"/>
+                                      </p:to>
+                                    </p:set>
+                                  </p:childTnLst>
+                                </p:cTn>
+                              </p:par>
+                              <p:par>
+                                <p:cTn id="25" presetID="1" presetClass="entr" presetSubtype="0" fill="hold" nodeType="withEffect">
+                                  <p:stCondLst>
+                                    <p:cond delay="0"/>
+                                  </p:stCondLst>
+                                  <p:childTnLst>
+                                    <p:set>
+                                      <p:cBhvr>
+                                        <p:cTn id="26" dur="1" fill="hold">
+                                          <p:stCondLst>
+                                            <p:cond delay="0"/>
+                                          </p:stCondLst>
+                                        </p:cTn>
+                                        <p:tgtEl>
+                                          <p:spTgt spid="32"/>
+                                        </p:tgtEl>
+                                        <p:attrNameLst>
+                                          <p:attrName>style.visibility</p:attrName>
+                                        </p:attrNameLst>
+                                      </p:cBhvr>
+                                      <p:to>
+                                        <p:strVal val="visible"/>
+                                      </p:to>
+                                    </p:set>
+                                  </p:childTnLst>
+                                </p:cTn>
+                              </p:par>
+                              <p:par>
+                                <p:cTn id="27" presetID="1" presetClass="entr" presetSubtype="0" fill="hold" nodeType="withEffect">
+                                  <p:stCondLst>
+                                    <p:cond delay="0"/>
+                                  </p:stCondLst>
+                                  <p:childTnLst>
+                                    <p:set>
+                                      <p:cBhvr>
+                                        <p:cTn id="28" dur="1" fill="hold">
+                                          <p:stCondLst>
+                                            <p:cond delay="0"/>
+                                          </p:stCondLst>
+                                        </p:cTn>
+                                        <p:tgtEl>
+                                          <p:spTgt spid="46"/>
+                                        </p:tgtEl>
+                                        <p:attrNameLst>
+                                          <p:attrName>style.visibility</p:attrName>
+                                        </p:attrNameLst>
+                                      </p:cBhvr>
+                                      <p:to>
+                                        <p:strVal val="visible"/>
+                                      </p:to>
+                                    </p:set>
+                                  </p:childTnLst>
+                                </p:cTn>
+                              </p:par>
+                              <p:par>
+                                <p:cTn id="29" presetID="1" presetClass="entr" presetSubtype="0" fill="hold" nodeType="withEffect">
+                                  <p:stCondLst>
+                                    <p:cond delay="0"/>
+                                  </p:stCondLst>
+                                  <p:childTnLst>
+                                    <p:set>
+                                      <p:cBhvr>
+                                        <p:cTn id="30" dur="1" fill="hold">
+                                          <p:stCondLst>
+                                            <p:cond delay="0"/>
+                                          </p:stCondLst>
+                                        </p:cTn>
+                                        <p:tgtEl>
+                                          <p:spTgt spid="53"/>
+                                        </p:tgtEl>
+                                        <p:attrNameLst>
+                                          <p:attrName>style.visibility</p:attrName>
+                                        </p:attrNameLst>
+                                      </p:cBhvr>
+                                      <p:to>
+                                        <p:strVal val="visible"/>
+                                      </p:to>
+                                    </p:set>
+                                  </p:childTnLst>
+                                </p:cTn>
+                              </p:par>
+                              <p:par>
+                                <p:cTn id="31" presetID="1" presetClass="entr" presetSubtype="0" fill="hold" nodeType="withEffect">
+                                  <p:stCondLst>
+                                    <p:cond delay="0"/>
+                                  </p:stCondLst>
+                                  <p:childTnLst>
+                                    <p:set>
+                                      <p:cBhvr>
+                                        <p:cTn id="32" dur="1" fill="hold">
+                                          <p:stCondLst>
+                                            <p:cond delay="0"/>
+                                          </p:stCondLst>
+                                        </p:cTn>
+                                        <p:tgtEl>
+                                          <p:spTgt spid="54"/>
+                                        </p:tgtEl>
+                                        <p:attrNameLst>
+                                          <p:attrName>style.visibility</p:attrName>
+                                        </p:attrNameLst>
+                                      </p:cBhvr>
+                                      <p:to>
+                                        <p:strVal val="visible"/>
+                                      </p:to>
+                                    </p:set>
+                                  </p:childTnLst>
+                                </p:cTn>
+                              </p:par>
+                              <p:par>
+                                <p:cTn id="33" presetID="1" presetClass="entr" presetSubtype="0" fill="hold" nodeType="withEffect">
+                                  <p:stCondLst>
+                                    <p:cond delay="0"/>
+                                  </p:stCondLst>
+                                  <p:childTnLst>
+                                    <p:set>
+                                      <p:cBhvr>
+                                        <p:cTn id="34" dur="1" fill="hold">
+                                          <p:stCondLst>
+                                            <p:cond delay="0"/>
+                                          </p:stCondLst>
+                                        </p:cTn>
+                                        <p:tgtEl>
+                                          <p:spTgt spid="55"/>
+                                        </p:tgtEl>
+                                        <p:attrNameLst>
+                                          <p:attrName>style.visibility</p:attrName>
+                                        </p:attrNameLst>
+                                      </p:cBhvr>
+                                      <p:to>
+                                        <p:strVal val="visible"/>
+                                      </p:to>
+                                    </p:set>
+                                  </p:childTnLst>
+                                </p:cTn>
+                              </p:par>
+                              <p:par>
+                                <p:cTn id="35" presetID="1" presetClass="entr" presetSubtype="0" fill="hold" nodeType="withEffect">
+                                  <p:stCondLst>
+                                    <p:cond delay="0"/>
+                                  </p:stCondLst>
+                                  <p:childTnLst>
+                                    <p:set>
+                                      <p:cBhvr>
+                                        <p:cTn id="36" dur="1" fill="hold">
+                                          <p:stCondLst>
+                                            <p:cond delay="0"/>
+                                          </p:stCondLst>
+                                        </p:cTn>
+                                        <p:tgtEl>
+                                          <p:spTgt spid="56"/>
+                                        </p:tgtEl>
+                                        <p:attrNameLst>
+                                          <p:attrName>style.visibility</p:attrName>
+                                        </p:attrNameLst>
+                                      </p:cBhvr>
+                                      <p:to>
+                                        <p:strVal val="visible"/>
+                                      </p:to>
+                                    </p:set>
+                                  </p:childTnLst>
+                                </p:cTn>
+                              </p:par>
+                              <p:par>
+                                <p:cTn id="37" presetID="1" presetClass="entr" presetSubtype="0" fill="hold" nodeType="withEffect">
+                                  <p:stCondLst>
+                                    <p:cond delay="0"/>
+                                  </p:stCondLst>
+                                  <p:childTnLst>
+                                    <p:set>
+                                      <p:cBhvr>
+                                        <p:cTn id="38" dur="1" fill="hold">
+                                          <p:stCondLst>
+                                            <p:cond delay="0"/>
+                                          </p:stCondLst>
+                                        </p:cTn>
+                                        <p:tgtEl>
+                                          <p:spTgt spid="57"/>
+                                        </p:tgtEl>
+                                        <p:attrNameLst>
+                                          <p:attrName>style.visibility</p:attrName>
+                                        </p:attrNameLst>
+                                      </p:cBhvr>
+                                      <p:to>
+                                        <p:strVal val="visible"/>
+                                      </p:to>
+                                    </p:set>
+                                  </p:childTnLst>
+                                </p:cTn>
+                              </p:par>
+                            </p:childTnLst>
+                          </p:cTn>
+                        </p:par>
+                      </p:childTnLst>
+                    </p:cTn>
+                  </p:par>
+                </p:childTnLst>
+              </p:cTn>
+              <p:prevCondLst>
+                <p:cond evt="onPrev" delay="0">
+                  <p:tgtEl>
+                    <p:sldTgt/>
+                  </p:tgtEl>
+                </p:cond>
+              </p:prevCondLst>
+              <p:nextCondLst>
+                <p:cond evt="onNext" delay="0">
+                  <p:tgtEl>
+                    <p:sldTgt/>
+                  </p:tgtEl>
+                </p:cond>
+              </p:nextCondLst>
+            </p:seq>
+          </p:childTnLst>
+        </p:cTn>
+      </p:par>
+    </p:tnLst>
+  </p:timing>
+</p:sld>
+</file>
+
+<file path=ppt/slides/slide54.xml><?xml version="1.0" encoding="utf-8"?>
+<p:sld xmlns:a="http://schemas.openxmlformats.org/drawingml/2006/main" xmlns:r="http://schemas.openxmlformats.org/officeDocument/2006/relationships" xmlns:p="http://schemas.openxmlformats.org/presentationml/2006/main" show="0">
+  <p:cSld>
+    <p:spTree>
+      <p:nvGrpSpPr>
+        <p:cNvPr id="1" name=""/>
+        <p:cNvGrpSpPr/>
+        <p:nvPr/>
+      </p:nvGrpSpPr>
+      <p:grpSpPr>
+        <a:xfrm>
+          <a:off x="0" y="0"/>
+          <a:ext cx="0" cy="0"/>
+          <a:chOff x="0" y="0"/>
+          <a:chExt cx="0" cy="0"/>
+        </a:xfrm>
+      </p:grpSpPr>
+      <p:pic>
+        <p:nvPicPr>
+          <p:cNvPr id="2" name="Picture 1"/>
+          <p:cNvPicPr>
+            <a:picLocks noChangeAspect="1"/>
+          </p:cNvPicPr>
+          <p:nvPr/>
+        </p:nvPicPr>
+        <p:blipFill>
+          <a:blip r:embed="rId3">
+            <a:extLst>
+              <a:ext uri="{28A0092B-C50C-407E-A947-70E740481C1C}">
+                <a14:useLocalDpi xmlns:a14="http://schemas.microsoft.com/office/drawing/2010/main" val="0"/>
+              </a:ext>
+            </a:extLst>
+          </a:blip>
+          <a:stretch>
+            <a:fillRect/>
+          </a:stretch>
+        </p:blipFill>
+        <p:spPr>
+          <a:xfrm>
+            <a:off x="2168525" y="619642"/>
+            <a:ext cx="3657597" cy="5483902"/>
+          </a:xfrm>
+          <a:prstGeom prst="rect">
+            <a:avLst/>
+          </a:prstGeom>
+        </p:spPr>
+      </p:pic>
+      <p:pic>
+        <p:nvPicPr>
+          <p:cNvPr id="3" name="Picture 2"/>
+          <p:cNvPicPr>
+            <a:picLocks noChangeAspect="1"/>
+          </p:cNvPicPr>
+          <p:nvPr/>
+        </p:nvPicPr>
+        <p:blipFill>
+          <a:blip r:embed="rId4">
+            <a:extLst>
+              <a:ext uri="{28A0092B-C50C-407E-A947-70E740481C1C}">
+                <a14:useLocalDpi xmlns:a14="http://schemas.microsoft.com/office/drawing/2010/main" val="0"/>
+              </a:ext>
+            </a:extLst>
+          </a:blip>
+          <a:stretch>
+            <a:fillRect/>
+          </a:stretch>
+        </p:blipFill>
+        <p:spPr>
+          <a:xfrm>
+            <a:off x="6379146" y="639540"/>
+            <a:ext cx="3631055" cy="5444105"/>
+          </a:xfrm>
+          <a:prstGeom prst="rect">
+            <a:avLst/>
+          </a:prstGeom>
+        </p:spPr>
+      </p:pic>
+      <p:pic>
+        <p:nvPicPr>
+          <p:cNvPr id="4" name="Picture 3"/>
+          <p:cNvPicPr>
+            <a:picLocks noChangeAspect="1"/>
+          </p:cNvPicPr>
+          <p:nvPr/>
+        </p:nvPicPr>
+        <p:blipFill>
+          <a:blip r:embed="rId5">
+            <a:extLst>
+              <a:ext uri="{28A0092B-C50C-407E-A947-70E740481C1C}">
+                <a14:useLocalDpi xmlns:a14="http://schemas.microsoft.com/office/drawing/2010/main" val="0"/>
+              </a:ext>
+            </a:extLst>
+          </a:blip>
+          <a:stretch>
+            <a:fillRect/>
+          </a:stretch>
+        </p:blipFill>
+        <p:spPr>
+          <a:xfrm>
+            <a:off x="2168525" y="629610"/>
+            <a:ext cx="3657596" cy="5483900"/>
+          </a:xfrm>
+          <a:prstGeom prst="rect">
+            <a:avLst/>
+          </a:prstGeom>
+        </p:spPr>
+      </p:pic>
+    </p:spTree>
+    <p:extLst>
+      <p:ext uri="{BB962C8B-B14F-4D97-AF65-F5344CB8AC3E}">
+        <p14:creationId xmlns:p14="http://schemas.microsoft.com/office/powerpoint/2010/main" val="1802148033"/>
+      </p:ext>
+    </p:extLst>
+  </p:cSld>
+  <p:clrMapOvr>
+    <a:masterClrMapping/>
+  </p:clrMapOvr>
+  <mc:AlternateContent xmlns:mc="http://schemas.openxmlformats.org/markup-compatibility/2006">
+    <mc:Choice xmlns:p14="http://schemas.microsoft.com/office/powerpoint/2010/main" Requires="p14">
+      <p:transition spd="slow" p14:dur="2000"/>
+    </mc:Choice>
+    <mc:Fallback>
+      <p:transition spd="slow"/>
+    </mc:Fallback>
+  </mc:AlternateContent>
+  <p:timing>
+    <p:tnLst>
+      <p:par>
+        <p:cTn id="1" dur="indefinite" restart="never" nodeType="tmRoot"/>
+      </p:par>
+    </p:tnLst>
+  </p:timing>
+</p:sld>
+</file>
+
+<file path=ppt/slides/slide55.xml><?xml version="1.0" encoding="utf-8"?>
+<p:sld xmlns:a="http://schemas.openxmlformats.org/drawingml/2006/main" xmlns:r="http://schemas.openxmlformats.org/officeDocument/2006/relationships" xmlns:p="http://schemas.openxmlformats.org/presentationml/2006/main" show="0">
+  <p:cSld>
+    <p:spTree>
+      <p:nvGrpSpPr>
+        <p:cNvPr id="1" name=""/>
+        <p:cNvGrpSpPr/>
+        <p:nvPr/>
+      </p:nvGrpSpPr>
+      <p:grpSpPr>
+        <a:xfrm>
+          <a:off x="0" y="0"/>
+          <a:ext cx="0" cy="0"/>
+          <a:chOff x="0" y="0"/>
+          <a:chExt cx="0" cy="0"/>
+        </a:xfrm>
+      </p:grpSpPr>
+      <p:sp>
+        <p:nvSpPr>
+          <p:cNvPr id="2" name="TextBox 1"/>
+          <p:cNvSpPr txBox="1"/>
+          <p:nvPr/>
+        </p:nvSpPr>
+        <p:spPr>
+          <a:xfrm>
+            <a:off x="1637957" y="1009410"/>
+            <a:ext cx="9956800" cy="2862322"/>
+          </a:xfrm>
+          <a:prstGeom prst="rect">
+            <a:avLst/>
+          </a:prstGeom>
+          <a:noFill/>
+        </p:spPr>
+        <p:txBody>
+          <a:bodyPr wrap="square" rtlCol="0">
+            <a:spAutoFit/>
+          </a:bodyPr>
+          <a:lstStyle/>
+          <a:p>
+            <a:r>
+              <a:rPr lang="da-DK" sz="3600" dirty="0" smtClean="0">
+                <a:solidFill>
+                  <a:schemeClr val="accent4"/>
+                </a:solidFill>
+                <a:latin typeface="Consolas" charset="0"/>
+                <a:ea typeface="Consolas" charset="0"/>
+                <a:cs typeface="Consolas" charset="0"/>
+              </a:rPr>
+              <a:t>	(</a:t>
+            </a:r>
+            <a:r>
+              <a:rPr lang="da-DK" sz="3600" dirty="0">
+                <a:solidFill>
+                  <a:schemeClr val="accent4"/>
+                </a:solidFill>
+                <a:latin typeface="Consolas" charset="0"/>
+                <a:ea typeface="Consolas" charset="0"/>
+                <a:cs typeface="Consolas" charset="0"/>
+              </a:rPr>
+              <a:t>i.3) (i.5</a:t>
+            </a:r>
+            <a:r>
+              <a:rPr lang="da-DK" sz="3600" dirty="0" smtClean="0">
+                <a:solidFill>
+                  <a:schemeClr val="accent4"/>
+                </a:solidFill>
+                <a:latin typeface="Consolas" charset="0"/>
+                <a:ea typeface="Consolas" charset="0"/>
+                <a:cs typeface="Consolas" charset="0"/>
+              </a:rPr>
+              <a:t>)</a:t>
+            </a:r>
+          </a:p>
+          <a:p>
+            <a:r>
+              <a:rPr lang="da-DK" sz="3600" dirty="0" smtClean="0">
+                <a:solidFill>
+                  <a:schemeClr val="accent4"/>
+                </a:solidFill>
+                <a:latin typeface="Consolas" charset="0"/>
+                <a:ea typeface="Consolas" charset="0"/>
+                <a:cs typeface="Consolas" charset="0"/>
+              </a:rPr>
+              <a:t>|</a:t>
+            </a:r>
+            <a:r>
+              <a:rPr lang="da-DK" sz="3600" dirty="0" err="1">
+                <a:solidFill>
+                  <a:schemeClr val="accent4"/>
+                </a:solidFill>
+                <a:latin typeface="Consolas" charset="0"/>
+                <a:ea typeface="Consolas" charset="0"/>
+                <a:cs typeface="Consolas" charset="0"/>
+              </a:rPr>
+              <a:t>syntax</a:t>
+            </a:r>
+            <a:r>
+              <a:rPr lang="da-DK" sz="3600" dirty="0">
+                <a:solidFill>
+                  <a:schemeClr val="accent4"/>
+                </a:solidFill>
+                <a:latin typeface="Consolas" charset="0"/>
+                <a:ea typeface="Consolas" charset="0"/>
+                <a:cs typeface="Consolas" charset="0"/>
+              </a:rPr>
+              <a:t> </a:t>
+            </a:r>
+            <a:r>
+              <a:rPr lang="da-DK" sz="3600" dirty="0" err="1" smtClean="0">
+                <a:solidFill>
+                  <a:schemeClr val="accent4"/>
+                </a:solidFill>
+                <a:latin typeface="Consolas" charset="0"/>
+                <a:ea typeface="Consolas" charset="0"/>
+                <a:cs typeface="Consolas" charset="0"/>
+              </a:rPr>
+              <a:t>error</a:t>
+            </a:r>
+            <a:endParaRPr lang="da-DK" sz="3600" dirty="0" smtClean="0">
+              <a:solidFill>
+                <a:schemeClr val="accent4"/>
+              </a:solidFill>
+              <a:latin typeface="Consolas" charset="0"/>
+              <a:ea typeface="Consolas" charset="0"/>
+              <a:cs typeface="Consolas" charset="0"/>
+            </a:endParaRPr>
+          </a:p>
+          <a:p>
+            <a:r>
+              <a:rPr lang="da-DK" sz="3600" dirty="0" smtClean="0">
+                <a:solidFill>
+                  <a:schemeClr val="accent4"/>
+                </a:solidFill>
+                <a:latin typeface="Consolas" charset="0"/>
+                <a:ea typeface="Consolas" charset="0"/>
+                <a:cs typeface="Consolas" charset="0"/>
+              </a:rPr>
+              <a:t>|       </a:t>
+            </a:r>
+            <a:r>
+              <a:rPr lang="da-DK" sz="3600" dirty="0">
+                <a:solidFill>
+                  <a:schemeClr val="accent4"/>
+                </a:solidFill>
+                <a:latin typeface="Consolas" charset="0"/>
+                <a:ea typeface="Consolas" charset="0"/>
+                <a:cs typeface="Consolas" charset="0"/>
+              </a:rPr>
+              <a:t>(i.3)(i.5</a:t>
+            </a:r>
+            <a:r>
+              <a:rPr lang="da-DK" sz="3600" dirty="0" smtClean="0">
+                <a:solidFill>
+                  <a:schemeClr val="accent4"/>
+                </a:solidFill>
+                <a:latin typeface="Consolas" charset="0"/>
+                <a:ea typeface="Consolas" charset="0"/>
+                <a:cs typeface="Consolas" charset="0"/>
+              </a:rPr>
+              <a:t>)</a:t>
+            </a:r>
+          </a:p>
+          <a:p>
+            <a:r>
+              <a:rPr lang="da-DK" sz="3600" dirty="0">
+                <a:solidFill>
+                  <a:schemeClr val="accent4"/>
+                </a:solidFill>
+                <a:latin typeface="Consolas" charset="0"/>
+                <a:ea typeface="Consolas" charset="0"/>
+                <a:cs typeface="Consolas" charset="0"/>
+              </a:rPr>
+              <a:t>	</a:t>
+            </a:r>
+            <a:r>
+              <a:rPr lang="da-DK" sz="3600" dirty="0" smtClean="0">
+                <a:solidFill>
+                  <a:schemeClr val="accent4"/>
+                </a:solidFill>
+                <a:latin typeface="Consolas" charset="0"/>
+                <a:ea typeface="Consolas" charset="0"/>
+                <a:cs typeface="Consolas" charset="0"/>
+              </a:rPr>
+              <a:t>(</a:t>
+            </a:r>
+            <a:r>
+              <a:rPr lang="da-DK" sz="3600" dirty="0">
+                <a:solidFill>
+                  <a:schemeClr val="accent4"/>
+                </a:solidFill>
+                <a:latin typeface="Consolas" charset="0"/>
+                <a:ea typeface="Consolas" charset="0"/>
+                <a:cs typeface="Consolas" charset="0"/>
+              </a:rPr>
+              <a:t>i.3),(i.5</a:t>
+            </a:r>
+            <a:r>
+              <a:rPr lang="da-DK" sz="3600" dirty="0" smtClean="0">
+                <a:solidFill>
+                  <a:schemeClr val="accent4"/>
+                </a:solidFill>
+                <a:latin typeface="Consolas" charset="0"/>
+                <a:ea typeface="Consolas" charset="0"/>
+                <a:cs typeface="Consolas" charset="0"/>
+              </a:rPr>
+              <a:t>)</a:t>
+            </a:r>
+          </a:p>
+          <a:p>
+            <a:r>
+              <a:rPr lang="da-DK" sz="3600" dirty="0" smtClean="0">
+                <a:solidFill>
+                  <a:schemeClr val="accent4"/>
+                </a:solidFill>
+                <a:latin typeface="Consolas" charset="0"/>
+                <a:ea typeface="Consolas" charset="0"/>
+                <a:cs typeface="Consolas" charset="0"/>
+              </a:rPr>
+              <a:t>0 </a:t>
+            </a:r>
+            <a:r>
+              <a:rPr lang="da-DK" sz="3600" dirty="0">
+                <a:solidFill>
+                  <a:schemeClr val="accent4"/>
+                </a:solidFill>
+                <a:latin typeface="Consolas" charset="0"/>
+                <a:ea typeface="Consolas" charset="0"/>
+                <a:cs typeface="Consolas" charset="0"/>
+              </a:rPr>
+              <a:t>1 2 0 1 2 3 4</a:t>
+            </a:r>
+            <a:endParaRPr lang="da-DK" sz="3600" dirty="0" smtClean="0">
+              <a:solidFill>
+                <a:schemeClr val="accent4"/>
+              </a:solidFill>
+              <a:latin typeface="Consolas" charset="0"/>
+              <a:ea typeface="Consolas" charset="0"/>
+              <a:cs typeface="Consolas" charset="0"/>
+            </a:endParaRPr>
+          </a:p>
+        </p:txBody>
+      </p:sp>
+    </p:spTree>
+    <p:extLst>
+      <p:ext uri="{BB962C8B-B14F-4D97-AF65-F5344CB8AC3E}">
+        <p14:creationId xmlns:p14="http://schemas.microsoft.com/office/powerpoint/2010/main" val="1049491361"/>
+      </p:ext>
+    </p:extLst>
+  </p:cSld>
+  <p:clrMapOvr>
+    <a:masterClrMapping/>
+  </p:clrMapOvr>
+  <mc:AlternateContent xmlns:mc="http://schemas.openxmlformats.org/markup-compatibility/2006">
+    <mc:Choice xmlns:p14="http://schemas.microsoft.com/office/powerpoint/2010/main" Requires="p14">
+      <p:transition spd="slow" p14:dur="2000"/>
+    </mc:Choice>
+    <mc:Fallback>
+      <p:transition spd="slow"/>
+    </mc:Fallback>
+  </mc:AlternateContent>
+  <p:timing>
+    <p:tnLst>
+      <p:par>
+        <p:cTn id="1" dur="indefinite" restart="never" nodeType="tmRoot"/>
+      </p:par>
+    </p:tnLst>
+  </p:timing>
+</p:sld>
+</file>
+
+<file path=ppt/slides/slide56.xml><?xml version="1.0" encoding="utf-8"?>
 <p:sld xmlns:a="http://schemas.openxmlformats.org/drawingml/2006/main" xmlns:r="http://schemas.openxmlformats.org/officeDocument/2006/relationships" xmlns:p="http://schemas.openxmlformats.org/presentationml/2006/main">
   <p:cSld>
     <p:spTree>
@@ -18288,393 +21476,6 @@
 </p:sld>
 </file>
 
-<file path=ppt/slides/slide52.xml><?xml version="1.0" encoding="utf-8"?>
-<p:sld xmlns:a="http://schemas.openxmlformats.org/drawingml/2006/main" xmlns:r="http://schemas.openxmlformats.org/officeDocument/2006/relationships" xmlns:p="http://schemas.openxmlformats.org/presentationml/2006/main">
-  <p:cSld>
-    <p:spTree>
-      <p:nvGrpSpPr>
-        <p:cNvPr id="1" name=""/>
-        <p:cNvGrpSpPr/>
-        <p:nvPr/>
-      </p:nvGrpSpPr>
-      <p:grpSpPr>
-        <a:xfrm>
-          <a:off x="0" y="0"/>
-          <a:ext cx="0" cy="0"/>
-          <a:chOff x="0" y="0"/>
-          <a:chExt cx="0" cy="0"/>
-        </a:xfrm>
-      </p:grpSpPr>
-      <p:sp>
-        <p:nvSpPr>
-          <p:cNvPr id="2" name="TextBox 1"/>
-          <p:cNvSpPr txBox="1"/>
-          <p:nvPr/>
-        </p:nvSpPr>
-        <p:spPr>
-          <a:xfrm>
-            <a:off x="883920" y="1946149"/>
-            <a:ext cx="10424160" cy="1754326"/>
-          </a:xfrm>
-          <a:prstGeom prst="rect">
-            <a:avLst/>
-          </a:prstGeom>
-          <a:noFill/>
-        </p:spPr>
-        <p:txBody>
-          <a:bodyPr wrap="square" rtlCol="0">
-            <a:spAutoFit/>
-          </a:bodyPr>
-          <a:lstStyle/>
-          <a:p>
-            <a:pPr algn="ctr"/>
-            <a:r>
-              <a:rPr lang="en-US" sz="5400" cap="all" dirty="0">
-                <a:solidFill>
-                  <a:schemeClr val="bg1"/>
-                </a:solidFill>
-                <a:latin typeface="Arial Black" charset="0"/>
-              </a:rPr>
-              <a:t>Never put a seat belt around your intuition</a:t>
-            </a:r>
-          </a:p>
-        </p:txBody>
-      </p:sp>
-    </p:spTree>
-    <p:extLst>
-      <p:ext uri="{BB962C8B-B14F-4D97-AF65-F5344CB8AC3E}">
-        <p14:creationId xmlns:p14="http://schemas.microsoft.com/office/powerpoint/2010/main" val="1398082634"/>
-      </p:ext>
-    </p:extLst>
-  </p:cSld>
-  <p:clrMapOvr>
-    <a:masterClrMapping/>
-  </p:clrMapOvr>
-  <p:timing>
-    <p:tnLst>
-      <p:par>
-        <p:cTn id="1" dur="indefinite" restart="never" nodeType="tmRoot"/>
-      </p:par>
-    </p:tnLst>
-  </p:timing>
-</p:sld>
-</file>
-
-<file path=ppt/slides/slide53.xml><?xml version="1.0" encoding="utf-8"?>
-<p:sld xmlns:a="http://schemas.openxmlformats.org/drawingml/2006/main" xmlns:r="http://schemas.openxmlformats.org/officeDocument/2006/relationships" xmlns:p="http://schemas.openxmlformats.org/presentationml/2006/main">
-  <p:cSld>
-    <p:spTree>
-      <p:nvGrpSpPr>
-        <p:cNvPr id="1" name=""/>
-        <p:cNvGrpSpPr/>
-        <p:nvPr/>
-      </p:nvGrpSpPr>
-      <p:grpSpPr>
-        <a:xfrm>
-          <a:off x="0" y="0"/>
-          <a:ext cx="0" cy="0"/>
-          <a:chOff x="0" y="0"/>
-          <a:chExt cx="0" cy="0"/>
-        </a:xfrm>
-      </p:grpSpPr>
-      <p:sp>
-        <p:nvSpPr>
-          <p:cNvPr id="2" name="TextBox 1"/>
-          <p:cNvSpPr txBox="1"/>
-          <p:nvPr/>
-        </p:nvSpPr>
-        <p:spPr>
-          <a:xfrm>
-            <a:off x="1442978" y="1458411"/>
-            <a:ext cx="9306045" cy="2800767"/>
-          </a:xfrm>
-          <a:prstGeom prst="rect">
-            <a:avLst/>
-          </a:prstGeom>
-          <a:noFill/>
-        </p:spPr>
-        <p:txBody>
-          <a:bodyPr wrap="square" rtlCol="0">
-            <a:spAutoFit/>
-          </a:bodyPr>
-          <a:lstStyle/>
-          <a:p>
-            <a:pPr algn="ctr"/>
-            <a:r>
-              <a:rPr lang="en-US" sz="8800" b="1" i="1" dirty="0" smtClean="0">
-                <a:solidFill>
-                  <a:schemeClr val="bg1"/>
-                </a:solidFill>
-                <a:latin typeface="Helvetica Neue" charset="0"/>
-                <a:ea typeface="Helvetica Neue" charset="0"/>
-                <a:cs typeface="Helvetica Neue" charset="0"/>
-              </a:rPr>
-              <a:t>Atoms, Lists,</a:t>
-            </a:r>
-          </a:p>
-          <a:p>
-            <a:pPr algn="ctr"/>
-            <a:r>
-              <a:rPr lang="en-US" sz="8800" b="1" i="1" dirty="0" smtClean="0">
-                <a:solidFill>
-                  <a:schemeClr val="bg1"/>
-                </a:solidFill>
-                <a:latin typeface="Helvetica Neue" charset="0"/>
-                <a:ea typeface="Helvetica Neue" charset="0"/>
-                <a:cs typeface="Helvetica Neue" charset="0"/>
-              </a:rPr>
-              <a:t>Tables, et al.</a:t>
-            </a:r>
-            <a:endParaRPr lang="en-US" sz="8800" b="1" i="1" dirty="0">
-              <a:solidFill>
-                <a:schemeClr val="bg1"/>
-              </a:solidFill>
-              <a:latin typeface="Helvetica Neue" charset="0"/>
-              <a:ea typeface="Helvetica Neue" charset="0"/>
-              <a:cs typeface="Helvetica Neue" charset="0"/>
-            </a:endParaRPr>
-          </a:p>
-        </p:txBody>
-      </p:sp>
-    </p:spTree>
-    <p:extLst>
-      <p:ext uri="{BB962C8B-B14F-4D97-AF65-F5344CB8AC3E}">
-        <p14:creationId xmlns:p14="http://schemas.microsoft.com/office/powerpoint/2010/main" val="609151674"/>
-      </p:ext>
-    </p:extLst>
-  </p:cSld>
-  <p:clrMapOvr>
-    <a:masterClrMapping/>
-  </p:clrMapOvr>
-  <p:timing>
-    <p:tnLst>
-      <p:par>
-        <p:cTn id="1" dur="indefinite" restart="never" nodeType="tmRoot"/>
-      </p:par>
-    </p:tnLst>
-  </p:timing>
-</p:sld>
-</file>
-
-<file path=ppt/slides/slide54.xml><?xml version="1.0" encoding="utf-8"?>
-<p:sld xmlns:a="http://schemas.openxmlformats.org/drawingml/2006/main" xmlns:r="http://schemas.openxmlformats.org/officeDocument/2006/relationships" xmlns:p="http://schemas.openxmlformats.org/presentationml/2006/main">
-  <p:cSld>
-    <p:spTree>
-      <p:nvGrpSpPr>
-        <p:cNvPr id="1" name=""/>
-        <p:cNvGrpSpPr/>
-        <p:nvPr/>
-      </p:nvGrpSpPr>
-      <p:grpSpPr>
-        <a:xfrm>
-          <a:off x="0" y="0"/>
-          <a:ext cx="0" cy="0"/>
-          <a:chOff x="0" y="0"/>
-          <a:chExt cx="0" cy="0"/>
-        </a:xfrm>
-      </p:grpSpPr>
-      <p:sp>
-        <p:nvSpPr>
-          <p:cNvPr id="2" name="TextBox 1"/>
-          <p:cNvSpPr txBox="1"/>
-          <p:nvPr/>
-        </p:nvSpPr>
-        <p:spPr>
-          <a:xfrm>
-            <a:off x="1442978" y="1458411"/>
-            <a:ext cx="9306045" cy="1446550"/>
-          </a:xfrm>
-          <a:prstGeom prst="rect">
-            <a:avLst/>
-          </a:prstGeom>
-          <a:noFill/>
-        </p:spPr>
-        <p:txBody>
-          <a:bodyPr wrap="square" rtlCol="0">
-            <a:spAutoFit/>
-          </a:bodyPr>
-          <a:lstStyle/>
-          <a:p>
-            <a:pPr algn="ctr"/>
-            <a:r>
-              <a:rPr lang="en-US" sz="8800" b="1" i="1" dirty="0" smtClean="0">
-                <a:solidFill>
-                  <a:schemeClr val="bg1"/>
-                </a:solidFill>
-                <a:latin typeface="Helvetica Neue" charset="0"/>
-                <a:ea typeface="Helvetica Neue" charset="0"/>
-                <a:cs typeface="Helvetica Neue" charset="0"/>
-              </a:rPr>
-              <a:t>Rank</a:t>
-            </a:r>
-            <a:endParaRPr lang="en-US" sz="8800" b="1" i="1" dirty="0">
-              <a:solidFill>
-                <a:schemeClr val="bg1"/>
-              </a:solidFill>
-              <a:latin typeface="Helvetica Neue" charset="0"/>
-              <a:ea typeface="Helvetica Neue" charset="0"/>
-              <a:cs typeface="Helvetica Neue" charset="0"/>
-            </a:endParaRPr>
-          </a:p>
-        </p:txBody>
-      </p:sp>
-    </p:spTree>
-    <p:extLst>
-      <p:ext uri="{BB962C8B-B14F-4D97-AF65-F5344CB8AC3E}">
-        <p14:creationId xmlns:p14="http://schemas.microsoft.com/office/powerpoint/2010/main" val="938156885"/>
-      </p:ext>
-    </p:extLst>
-  </p:cSld>
-  <p:clrMapOvr>
-    <a:masterClrMapping/>
-  </p:clrMapOvr>
-  <p:timing>
-    <p:tnLst>
-      <p:par>
-        <p:cTn id="1" dur="indefinite" restart="never" nodeType="tmRoot"/>
-      </p:par>
-    </p:tnLst>
-  </p:timing>
-</p:sld>
-</file>
-
-<file path=ppt/slides/slide55.xml><?xml version="1.0" encoding="utf-8"?>
-<p:sld xmlns:a="http://schemas.openxmlformats.org/drawingml/2006/main" xmlns:r="http://schemas.openxmlformats.org/officeDocument/2006/relationships" xmlns:p="http://schemas.openxmlformats.org/presentationml/2006/main">
-  <p:cSld>
-    <p:spTree>
-      <p:nvGrpSpPr>
-        <p:cNvPr id="1" name=""/>
-        <p:cNvGrpSpPr/>
-        <p:nvPr/>
-      </p:nvGrpSpPr>
-      <p:grpSpPr>
-        <a:xfrm>
-          <a:off x="0" y="0"/>
-          <a:ext cx="0" cy="0"/>
-          <a:chOff x="0" y="0"/>
-          <a:chExt cx="0" cy="0"/>
-        </a:xfrm>
-      </p:grpSpPr>
-      <p:sp>
-        <p:nvSpPr>
-          <p:cNvPr id="2" name="TextBox 1"/>
-          <p:cNvSpPr txBox="1"/>
-          <p:nvPr/>
-        </p:nvSpPr>
-        <p:spPr>
-          <a:xfrm>
-            <a:off x="1481560" y="1956121"/>
-            <a:ext cx="9190299" cy="2862322"/>
-          </a:xfrm>
-          <a:prstGeom prst="rect">
-            <a:avLst/>
-          </a:prstGeom>
-          <a:noFill/>
-        </p:spPr>
-        <p:txBody>
-          <a:bodyPr wrap="square" rtlCol="0">
-            <a:spAutoFit/>
-          </a:bodyPr>
-          <a:lstStyle/>
-          <a:p>
-            <a:r>
-              <a:rPr lang="en-US" sz="3600" dirty="0">
-                <a:solidFill>
-                  <a:schemeClr val="bg1"/>
-                </a:solidFill>
-              </a:rPr>
-              <a:t>The rank of a noun is the count of its axes. An atom has rank 0, a list rank 1, a table rank 2, and an array with 5 axes has rank 5</a:t>
-            </a:r>
-            <a:r>
-              <a:rPr lang="en-US" sz="3600" dirty="0" smtClean="0">
-                <a:solidFill>
-                  <a:schemeClr val="bg1"/>
-                </a:solidFill>
-              </a:rPr>
-              <a:t>.</a:t>
-            </a:r>
-          </a:p>
-          <a:p>
-            <a:endParaRPr lang="en-US" sz="3600" dirty="0">
-              <a:solidFill>
-                <a:schemeClr val="bg1"/>
-              </a:solidFill>
-            </a:endParaRPr>
-          </a:p>
-          <a:p>
-            <a:r>
-              <a:rPr lang="en-US" sz="3600" i="1" dirty="0" smtClean="0">
-                <a:solidFill>
-                  <a:schemeClr val="bg1"/>
-                </a:solidFill>
-              </a:rPr>
-              <a:t>J Primer</a:t>
-            </a:r>
-            <a:endParaRPr lang="en-US" sz="3600" i="1" dirty="0">
-              <a:solidFill>
-                <a:schemeClr val="bg1"/>
-              </a:solidFill>
-            </a:endParaRPr>
-          </a:p>
-        </p:txBody>
-      </p:sp>
-    </p:spTree>
-    <p:extLst>
-      <p:ext uri="{BB962C8B-B14F-4D97-AF65-F5344CB8AC3E}">
-        <p14:creationId xmlns:p14="http://schemas.microsoft.com/office/powerpoint/2010/main" val="929097531"/>
-      </p:ext>
-    </p:extLst>
-  </p:cSld>
-  <p:clrMapOvr>
-    <a:masterClrMapping/>
-  </p:clrMapOvr>
-  <p:timing>
-    <p:tnLst>
-      <p:par>
-        <p:cTn id="1" dur="indefinite" restart="never" nodeType="tmRoot"/>
-      </p:par>
-    </p:tnLst>
-  </p:timing>
-</p:sld>
-</file>
-
-<file path=ppt/slides/slide56.xml><?xml version="1.0" encoding="utf-8"?>
-<p:sld xmlns:a="http://schemas.openxmlformats.org/drawingml/2006/main" xmlns:r="http://schemas.openxmlformats.org/officeDocument/2006/relationships" xmlns:p="http://schemas.openxmlformats.org/presentationml/2006/main">
-  <p:cSld>
-    <p:spTree>
-      <p:nvGrpSpPr>
-        <p:cNvPr id="1" name=""/>
-        <p:cNvGrpSpPr/>
-        <p:nvPr/>
-      </p:nvGrpSpPr>
-      <p:grpSpPr>
-        <a:xfrm>
-          <a:off x="0" y="0"/>
-          <a:ext cx="0" cy="0"/>
-          <a:chOff x="0" y="0"/>
-          <a:chExt cx="0" cy="0"/>
-        </a:xfrm>
-      </p:grpSpPr>
-    </p:spTree>
-    <p:extLst>
-      <p:ext uri="{BB962C8B-B14F-4D97-AF65-F5344CB8AC3E}">
-        <p14:creationId xmlns:p14="http://schemas.microsoft.com/office/powerpoint/2010/main" val="772908860"/>
-      </p:ext>
-    </p:extLst>
-  </p:cSld>
-  <p:clrMapOvr>
-    <a:masterClrMapping/>
-  </p:clrMapOvr>
-  <p:timing>
-    <p:tnLst>
-      <p:par>
-        <p:cTn id="1" dur="indefinite" restart="never" nodeType="tmRoot"/>
-      </p:par>
-    </p:tnLst>
-  </p:timing>
-</p:sld>
-</file>
-
 <file path=ppt/slides/slide57.xml><?xml version="1.0" encoding="utf-8"?>
 <p:sld xmlns:a="http://schemas.openxmlformats.org/drawingml/2006/main" xmlns:r="http://schemas.openxmlformats.org/officeDocument/2006/relationships" xmlns:p="http://schemas.openxmlformats.org/presentationml/2006/main">
   <p:cSld>
@@ -18700,8 +21501,8 @@
         </p:nvSpPr>
         <p:spPr>
           <a:xfrm>
-            <a:off x="883920" y="1182220"/>
-            <a:ext cx="10424160" cy="4247317"/>
+            <a:off x="883920" y="1946149"/>
+            <a:ext cx="10424160" cy="1754326"/>
           </a:xfrm>
           <a:prstGeom prst="rect">
             <a:avLst/>
@@ -18722,46 +21523,7 @@
                 </a:solidFill>
                 <a:latin typeface="Arial Black" charset="0"/>
               </a:rPr>
-              <a:t>If you’re lucky enough to experience </a:t>
-            </a:r>
-            <a:r>
-              <a:rPr lang="en-US" sz="5400" cap="all">
-                <a:solidFill>
-                  <a:schemeClr val="bg1"/>
-                </a:solidFill>
-                <a:latin typeface="Arial Black" charset="0"/>
-              </a:rPr>
-              <a:t>a </a:t>
-            </a:r>
-            <a:r>
-              <a:rPr lang="en-US" sz="5400" cap="all" smtClean="0">
-                <a:solidFill>
-                  <a:schemeClr val="bg1"/>
-                </a:solidFill>
-                <a:latin typeface="Arial Black" charset="0"/>
-              </a:rPr>
-              <a:t>miracle,</a:t>
-            </a:r>
-          </a:p>
-          <a:p>
-            <a:pPr algn="ctr"/>
-            <a:r>
-              <a:rPr lang="en-US" sz="5400" cap="all" dirty="0" smtClean="0">
-                <a:solidFill>
-                  <a:schemeClr val="bg1"/>
-                </a:solidFill>
-                <a:latin typeface="Arial Black" charset="0"/>
-              </a:rPr>
-              <a:t>try </a:t>
-            </a:r>
-            <a:r>
-              <a:rPr lang="en-US" sz="5400" cap="all" dirty="0">
-                <a:solidFill>
-                  <a:schemeClr val="bg1"/>
-                </a:solidFill>
-                <a:latin typeface="Arial Black" charset="0"/>
-              </a:rPr>
-              <a:t>not to micro manage it</a:t>
+              <a:t>Never put a seat belt around your intuition</a:t>
             </a:r>
           </a:p>
         </p:txBody>
@@ -18769,7 +21531,7 @@
     </p:spTree>
     <p:extLst>
       <p:ext uri="{BB962C8B-B14F-4D97-AF65-F5344CB8AC3E}">
-        <p14:creationId xmlns:p14="http://schemas.microsoft.com/office/powerpoint/2010/main" val="150629317"/>
+        <p14:creationId xmlns:p14="http://schemas.microsoft.com/office/powerpoint/2010/main" val="1398082634"/>
       </p:ext>
     </p:extLst>
   </p:cSld>
@@ -18812,7 +21574,7 @@
         <p:spPr>
           <a:xfrm>
             <a:off x="1442978" y="1458411"/>
-            <a:ext cx="9306045" cy="1446550"/>
+            <a:ext cx="9306045" cy="2800767"/>
           </a:xfrm>
           <a:prstGeom prst="rect">
             <a:avLst/>
@@ -18835,7 +21597,21 @@
                 <a:ea typeface="Helvetica Neue" charset="0"/>
                 <a:cs typeface="Helvetica Neue" charset="0"/>
               </a:rPr>
-              <a:t>Recursion</a:t>
+              <a:t>Atoms, Lists,</a:t>
+            </a:r>
+          </a:p>
+          <a:p>
+            <a:pPr algn="ctr"/>
+            <a:r>
+              <a:rPr lang="en-US" sz="8800" b="1" i="1" dirty="0" smtClean="0">
+                <a:solidFill>
+                  <a:schemeClr val="bg1"/>
+                </a:solidFill>
+                <a:latin typeface="Helvetica Neue" charset="0"/>
+                <a:ea typeface="Helvetica Neue" charset="0"/>
+                <a:cs typeface="Helvetica Neue" charset="0"/>
+              </a:rPr>
+              <a:t>Tables, et al.</a:t>
             </a:r>
             <a:endParaRPr lang="en-US" sz="8800" b="1" i="1" dirty="0">
               <a:solidFill>
@@ -18851,7 +21627,7 @@
     </p:spTree>
     <p:extLst>
       <p:ext uri="{BB962C8B-B14F-4D97-AF65-F5344CB8AC3E}">
-        <p14:creationId xmlns:p14="http://schemas.microsoft.com/office/powerpoint/2010/main" val="1891194653"/>
+        <p14:creationId xmlns:p14="http://schemas.microsoft.com/office/powerpoint/2010/main" val="609151674"/>
       </p:ext>
     </p:extLst>
   </p:cSld>
@@ -18885,10 +21661,55 @@
           <a:chExt cx="0" cy="0"/>
         </a:xfrm>
       </p:grpSpPr>
+      <p:sp>
+        <p:nvSpPr>
+          <p:cNvPr id="2" name="TextBox 1"/>
+          <p:cNvSpPr txBox="1"/>
+          <p:nvPr/>
+        </p:nvSpPr>
+        <p:spPr>
+          <a:xfrm>
+            <a:off x="1442978" y="1458411"/>
+            <a:ext cx="9306045" cy="1446550"/>
+          </a:xfrm>
+          <a:prstGeom prst="rect">
+            <a:avLst/>
+          </a:prstGeom>
+          <a:noFill/>
+        </p:spPr>
+        <p:txBody>
+          <a:bodyPr wrap="square" rtlCol="0">
+            <a:spAutoFit/>
+          </a:bodyPr>
+          <a:lstStyle/>
+          <a:p>
+            <a:pPr algn="ctr"/>
+            <a:r>
+              <a:rPr lang="en-US" sz="8800" b="1" i="1" dirty="0" smtClean="0">
+                <a:solidFill>
+                  <a:schemeClr val="bg1"/>
+                </a:solidFill>
+                <a:latin typeface="Helvetica Neue" charset="0"/>
+                <a:ea typeface="Helvetica Neue" charset="0"/>
+                <a:cs typeface="Helvetica Neue" charset="0"/>
+              </a:rPr>
+              <a:t>Rank</a:t>
+            </a:r>
+            <a:endParaRPr lang="en-US" sz="8800" b="1" i="1" dirty="0">
+              <a:solidFill>
+                <a:schemeClr val="bg1"/>
+              </a:solidFill>
+              <a:latin typeface="Helvetica Neue" charset="0"/>
+              <a:ea typeface="Helvetica Neue" charset="0"/>
+              <a:cs typeface="Helvetica Neue" charset="0"/>
+            </a:endParaRPr>
+          </a:p>
+        </p:txBody>
+      </p:sp>
     </p:spTree>
     <p:extLst>
       <p:ext uri="{BB962C8B-B14F-4D97-AF65-F5344CB8AC3E}">
-        <p14:creationId xmlns:p14="http://schemas.microsoft.com/office/powerpoint/2010/main" val="1368533910"/>
+        <p14:creationId xmlns:p14="http://schemas.microsoft.com/office/powerpoint/2010/main" val="938156885"/>
       </p:ext>
     </p:extLst>
   </p:cSld>
@@ -19012,8 +21833,8 @@
         </p:nvSpPr>
         <p:spPr>
           <a:xfrm>
-            <a:off x="956604" y="2686929"/>
-            <a:ext cx="10424160" cy="1107996"/>
+            <a:off x="1481560" y="1956121"/>
+            <a:ext cx="9190299" cy="2862322"/>
           </a:xfrm>
           <a:prstGeom prst="rect">
             <a:avLst/>
@@ -19026,21 +21847,43 @@
           </a:bodyPr>
           <a:lstStyle/>
           <a:p>
-            <a:pPr algn="ctr"/>
-            <a:r>
-              <a:rPr lang="en-US" sz="6600" cap="all" dirty="0" smtClean="0">
+            <a:r>
+              <a:rPr lang="en-US" sz="3600" dirty="0">
                 <a:solidFill>
                   <a:schemeClr val="bg1"/>
                 </a:solidFill>
-                <a:latin typeface="Arial Black" charset="0"/>
-              </a:rPr>
-              <a:t>Devalue having</a:t>
-            </a:r>
-            <a:endParaRPr lang="en-US" sz="6600" cap="all" dirty="0">
+              </a:rPr>
+              <a:t>The rank of a noun is the count of its axes. An atom has rank 0, a list rank 1, a table rank 2, and an array with 5 axes has rank 5</a:t>
+            </a:r>
+            <a:r>
+              <a:rPr lang="en-US" sz="3600" dirty="0" smtClean="0">
+                <a:solidFill>
+                  <a:schemeClr val="bg1"/>
+                </a:solidFill>
+              </a:rPr>
+              <a:t>.</a:t>
+            </a:r>
+          </a:p>
+          <a:p>
+            <a:endParaRPr lang="en-US" sz="3600" dirty="0">
               <a:solidFill>
                 <a:schemeClr val="bg1"/>
               </a:solidFill>
-              <a:latin typeface="Arial Black" charset="0"/>
+            </a:endParaRPr>
+          </a:p>
+          <a:p>
+            <a:r>
+              <a:rPr lang="en-US" sz="3600" i="1" dirty="0" smtClean="0">
+                <a:solidFill>
+                  <a:schemeClr val="bg1"/>
+                </a:solidFill>
+              </a:rPr>
+              <a:t>J Primer</a:t>
+            </a:r>
+            <a:endParaRPr lang="en-US" sz="3600" i="1" dirty="0">
+              <a:solidFill>
+                <a:schemeClr val="bg1"/>
+              </a:solidFill>
             </a:endParaRPr>
           </a:p>
         </p:txBody>
@@ -19048,7 +21891,7 @@
     </p:spTree>
     <p:extLst>
       <p:ext uri="{BB962C8B-B14F-4D97-AF65-F5344CB8AC3E}">
-        <p14:creationId xmlns:p14="http://schemas.microsoft.com/office/powerpoint/2010/main" val="575179960"/>
+        <p14:creationId xmlns:p14="http://schemas.microsoft.com/office/powerpoint/2010/main" val="929097531"/>
       </p:ext>
     </p:extLst>
   </p:cSld>
@@ -19082,69 +21925,10 @@
           <a:chExt cx="0" cy="0"/>
         </a:xfrm>
       </p:grpSpPr>
-      <p:sp>
-        <p:nvSpPr>
-          <p:cNvPr id="2" name="TextBox 1"/>
-          <p:cNvSpPr txBox="1"/>
-          <p:nvPr/>
-        </p:nvSpPr>
-        <p:spPr>
-          <a:xfrm>
-            <a:off x="721489" y="1458411"/>
-            <a:ext cx="10749022" cy="2800767"/>
-          </a:xfrm>
-          <a:prstGeom prst="rect">
-            <a:avLst/>
-          </a:prstGeom>
-          <a:noFill/>
-        </p:spPr>
-        <p:txBody>
-          <a:bodyPr wrap="square" rtlCol="0">
-            <a:spAutoFit/>
-          </a:bodyPr>
-          <a:lstStyle/>
-          <a:p>
-            <a:pPr algn="ctr"/>
-            <a:r>
-              <a:rPr lang="en-US" sz="8800" b="1" i="1" dirty="0" smtClean="0">
-                <a:solidFill>
-                  <a:schemeClr val="bg1"/>
-                </a:solidFill>
-                <a:latin typeface="Helvetica Neue" charset="0"/>
-                <a:ea typeface="Helvetica Neue" charset="0"/>
-                <a:cs typeface="Helvetica Neue" charset="0"/>
-              </a:rPr>
-              <a:t>Hooks, Forks,</a:t>
-            </a:r>
-          </a:p>
-          <a:p>
-            <a:pPr algn="ctr"/>
-            <a:r>
-              <a:rPr lang="en-US" sz="8800" b="1" i="1" dirty="0" smtClean="0">
-                <a:solidFill>
-                  <a:schemeClr val="bg1"/>
-                </a:solidFill>
-                <a:latin typeface="Helvetica Neue" charset="0"/>
-                <a:ea typeface="Helvetica Neue" charset="0"/>
-                <a:cs typeface="Helvetica Neue" charset="0"/>
-              </a:rPr>
-              <a:t>Tacit Functions</a:t>
-            </a:r>
-            <a:endParaRPr lang="en-US" sz="8800" b="1" i="1" dirty="0">
-              <a:solidFill>
-                <a:schemeClr val="bg1"/>
-              </a:solidFill>
-              <a:latin typeface="Helvetica Neue" charset="0"/>
-              <a:ea typeface="Helvetica Neue" charset="0"/>
-              <a:cs typeface="Helvetica Neue" charset="0"/>
-            </a:endParaRPr>
-          </a:p>
-        </p:txBody>
-      </p:sp>
     </p:spTree>
     <p:extLst>
       <p:ext uri="{BB962C8B-B14F-4D97-AF65-F5344CB8AC3E}">
-        <p14:creationId xmlns:p14="http://schemas.microsoft.com/office/powerpoint/2010/main" val="1399566000"/>
+        <p14:creationId xmlns:p14="http://schemas.microsoft.com/office/powerpoint/2010/main" val="772908860"/>
       </p:ext>
     </p:extLst>
   </p:cSld>
@@ -19186,6 +21970,410 @@
         </p:nvSpPr>
         <p:spPr>
           <a:xfrm>
+            <a:off x="883920" y="1182220"/>
+            <a:ext cx="10424160" cy="4247317"/>
+          </a:xfrm>
+          <a:prstGeom prst="rect">
+            <a:avLst/>
+          </a:prstGeom>
+          <a:noFill/>
+        </p:spPr>
+        <p:txBody>
+          <a:bodyPr wrap="square" rtlCol="0">
+            <a:spAutoFit/>
+          </a:bodyPr>
+          <a:lstStyle/>
+          <a:p>
+            <a:pPr algn="ctr"/>
+            <a:r>
+              <a:rPr lang="en-US" sz="5400" cap="all" dirty="0">
+                <a:solidFill>
+                  <a:schemeClr val="bg1"/>
+                </a:solidFill>
+                <a:latin typeface="Arial Black" charset="0"/>
+              </a:rPr>
+              <a:t>If you’re lucky enough to experience </a:t>
+            </a:r>
+            <a:r>
+              <a:rPr lang="en-US" sz="5400" cap="all">
+                <a:solidFill>
+                  <a:schemeClr val="bg1"/>
+                </a:solidFill>
+                <a:latin typeface="Arial Black" charset="0"/>
+              </a:rPr>
+              <a:t>a </a:t>
+            </a:r>
+            <a:r>
+              <a:rPr lang="en-US" sz="5400" cap="all" smtClean="0">
+                <a:solidFill>
+                  <a:schemeClr val="bg1"/>
+                </a:solidFill>
+                <a:latin typeface="Arial Black" charset="0"/>
+              </a:rPr>
+              <a:t>miracle,</a:t>
+            </a:r>
+          </a:p>
+          <a:p>
+            <a:pPr algn="ctr"/>
+            <a:r>
+              <a:rPr lang="en-US" sz="5400" cap="all" dirty="0" smtClean="0">
+                <a:solidFill>
+                  <a:schemeClr val="bg1"/>
+                </a:solidFill>
+                <a:latin typeface="Arial Black" charset="0"/>
+              </a:rPr>
+              <a:t>try </a:t>
+            </a:r>
+            <a:r>
+              <a:rPr lang="en-US" sz="5400" cap="all" dirty="0">
+                <a:solidFill>
+                  <a:schemeClr val="bg1"/>
+                </a:solidFill>
+                <a:latin typeface="Arial Black" charset="0"/>
+              </a:rPr>
+              <a:t>not to micro manage it</a:t>
+            </a:r>
+          </a:p>
+        </p:txBody>
+      </p:sp>
+    </p:spTree>
+    <p:extLst>
+      <p:ext uri="{BB962C8B-B14F-4D97-AF65-F5344CB8AC3E}">
+        <p14:creationId xmlns:p14="http://schemas.microsoft.com/office/powerpoint/2010/main" val="150629317"/>
+      </p:ext>
+    </p:extLst>
+  </p:cSld>
+  <p:clrMapOvr>
+    <a:masterClrMapping/>
+  </p:clrMapOvr>
+  <p:timing>
+    <p:tnLst>
+      <p:par>
+        <p:cTn id="1" dur="indefinite" restart="never" nodeType="tmRoot"/>
+      </p:par>
+    </p:tnLst>
+  </p:timing>
+</p:sld>
+</file>
+
+<file path=ppt/slides/slide63.xml><?xml version="1.0" encoding="utf-8"?>
+<p:sld xmlns:a="http://schemas.openxmlformats.org/drawingml/2006/main" xmlns:r="http://schemas.openxmlformats.org/officeDocument/2006/relationships" xmlns:p="http://schemas.openxmlformats.org/presentationml/2006/main">
+  <p:cSld>
+    <p:spTree>
+      <p:nvGrpSpPr>
+        <p:cNvPr id="1" name=""/>
+        <p:cNvGrpSpPr/>
+        <p:nvPr/>
+      </p:nvGrpSpPr>
+      <p:grpSpPr>
+        <a:xfrm>
+          <a:off x="0" y="0"/>
+          <a:ext cx="0" cy="0"/>
+          <a:chOff x="0" y="0"/>
+          <a:chExt cx="0" cy="0"/>
+        </a:xfrm>
+      </p:grpSpPr>
+      <p:sp>
+        <p:nvSpPr>
+          <p:cNvPr id="2" name="TextBox 1"/>
+          <p:cNvSpPr txBox="1"/>
+          <p:nvPr/>
+        </p:nvSpPr>
+        <p:spPr>
+          <a:xfrm>
+            <a:off x="1442978" y="1458411"/>
+            <a:ext cx="9306045" cy="1446550"/>
+          </a:xfrm>
+          <a:prstGeom prst="rect">
+            <a:avLst/>
+          </a:prstGeom>
+          <a:noFill/>
+        </p:spPr>
+        <p:txBody>
+          <a:bodyPr wrap="square" rtlCol="0">
+            <a:spAutoFit/>
+          </a:bodyPr>
+          <a:lstStyle/>
+          <a:p>
+            <a:pPr algn="ctr"/>
+            <a:r>
+              <a:rPr lang="en-US" sz="8800" b="1" i="1" dirty="0" smtClean="0">
+                <a:solidFill>
+                  <a:schemeClr val="bg1"/>
+                </a:solidFill>
+                <a:latin typeface="Helvetica Neue" charset="0"/>
+                <a:ea typeface="Helvetica Neue" charset="0"/>
+                <a:cs typeface="Helvetica Neue" charset="0"/>
+              </a:rPr>
+              <a:t>Recursion</a:t>
+            </a:r>
+            <a:endParaRPr lang="en-US" sz="8800" b="1" i="1" dirty="0">
+              <a:solidFill>
+                <a:schemeClr val="bg1"/>
+              </a:solidFill>
+              <a:latin typeface="Helvetica Neue" charset="0"/>
+              <a:ea typeface="Helvetica Neue" charset="0"/>
+              <a:cs typeface="Helvetica Neue" charset="0"/>
+            </a:endParaRPr>
+          </a:p>
+        </p:txBody>
+      </p:sp>
+    </p:spTree>
+    <p:extLst>
+      <p:ext uri="{BB962C8B-B14F-4D97-AF65-F5344CB8AC3E}">
+        <p14:creationId xmlns:p14="http://schemas.microsoft.com/office/powerpoint/2010/main" val="1891194653"/>
+      </p:ext>
+    </p:extLst>
+  </p:cSld>
+  <p:clrMapOvr>
+    <a:masterClrMapping/>
+  </p:clrMapOvr>
+  <p:timing>
+    <p:tnLst>
+      <p:par>
+        <p:cTn id="1" dur="indefinite" restart="never" nodeType="tmRoot"/>
+      </p:par>
+    </p:tnLst>
+  </p:timing>
+</p:sld>
+</file>
+
+<file path=ppt/slides/slide64.xml><?xml version="1.0" encoding="utf-8"?>
+<p:sld xmlns:a="http://schemas.openxmlformats.org/drawingml/2006/main" xmlns:r="http://schemas.openxmlformats.org/officeDocument/2006/relationships" xmlns:p="http://schemas.openxmlformats.org/presentationml/2006/main">
+  <p:cSld>
+    <p:spTree>
+      <p:nvGrpSpPr>
+        <p:cNvPr id="1" name=""/>
+        <p:cNvGrpSpPr/>
+        <p:nvPr/>
+      </p:nvGrpSpPr>
+      <p:grpSpPr>
+        <a:xfrm>
+          <a:off x="0" y="0"/>
+          <a:ext cx="0" cy="0"/>
+          <a:chOff x="0" y="0"/>
+          <a:chExt cx="0" cy="0"/>
+        </a:xfrm>
+      </p:grpSpPr>
+    </p:spTree>
+    <p:extLst>
+      <p:ext uri="{BB962C8B-B14F-4D97-AF65-F5344CB8AC3E}">
+        <p14:creationId xmlns:p14="http://schemas.microsoft.com/office/powerpoint/2010/main" val="1368533910"/>
+      </p:ext>
+    </p:extLst>
+  </p:cSld>
+  <p:clrMapOvr>
+    <a:masterClrMapping/>
+  </p:clrMapOvr>
+  <p:timing>
+    <p:tnLst>
+      <p:par>
+        <p:cTn id="1" dur="indefinite" restart="never" nodeType="tmRoot"/>
+      </p:par>
+    </p:tnLst>
+  </p:timing>
+</p:sld>
+</file>
+
+<file path=ppt/slides/slide65.xml><?xml version="1.0" encoding="utf-8"?>
+<p:sld xmlns:a="http://schemas.openxmlformats.org/drawingml/2006/main" xmlns:r="http://schemas.openxmlformats.org/officeDocument/2006/relationships" xmlns:p="http://schemas.openxmlformats.org/presentationml/2006/main">
+  <p:cSld>
+    <p:spTree>
+      <p:nvGrpSpPr>
+        <p:cNvPr id="1" name=""/>
+        <p:cNvGrpSpPr/>
+        <p:nvPr/>
+      </p:nvGrpSpPr>
+      <p:grpSpPr>
+        <a:xfrm>
+          <a:off x="0" y="0"/>
+          <a:ext cx="0" cy="0"/>
+          <a:chOff x="0" y="0"/>
+          <a:chExt cx="0" cy="0"/>
+        </a:xfrm>
+      </p:grpSpPr>
+      <p:sp>
+        <p:nvSpPr>
+          <p:cNvPr id="2" name="TextBox 1"/>
+          <p:cNvSpPr txBox="1"/>
+          <p:nvPr/>
+        </p:nvSpPr>
+        <p:spPr>
+          <a:xfrm>
+            <a:off x="956604" y="2686929"/>
+            <a:ext cx="10424160" cy="1107996"/>
+          </a:xfrm>
+          <a:prstGeom prst="rect">
+            <a:avLst/>
+          </a:prstGeom>
+          <a:noFill/>
+        </p:spPr>
+        <p:txBody>
+          <a:bodyPr wrap="square" rtlCol="0">
+            <a:spAutoFit/>
+          </a:bodyPr>
+          <a:lstStyle/>
+          <a:p>
+            <a:pPr algn="ctr"/>
+            <a:r>
+              <a:rPr lang="en-US" sz="6600" cap="all" dirty="0" smtClean="0">
+                <a:solidFill>
+                  <a:schemeClr val="bg1"/>
+                </a:solidFill>
+                <a:latin typeface="Arial Black" charset="0"/>
+              </a:rPr>
+              <a:t>Devalue having</a:t>
+            </a:r>
+            <a:endParaRPr lang="en-US" sz="6600" cap="all" dirty="0">
+              <a:solidFill>
+                <a:schemeClr val="bg1"/>
+              </a:solidFill>
+              <a:latin typeface="Arial Black" charset="0"/>
+            </a:endParaRPr>
+          </a:p>
+        </p:txBody>
+      </p:sp>
+    </p:spTree>
+    <p:extLst>
+      <p:ext uri="{BB962C8B-B14F-4D97-AF65-F5344CB8AC3E}">
+        <p14:creationId xmlns:p14="http://schemas.microsoft.com/office/powerpoint/2010/main" val="575179960"/>
+      </p:ext>
+    </p:extLst>
+  </p:cSld>
+  <p:clrMapOvr>
+    <a:masterClrMapping/>
+  </p:clrMapOvr>
+  <p:timing>
+    <p:tnLst>
+      <p:par>
+        <p:cTn id="1" dur="indefinite" restart="never" nodeType="tmRoot"/>
+      </p:par>
+    </p:tnLst>
+  </p:timing>
+</p:sld>
+</file>
+
+<file path=ppt/slides/slide66.xml><?xml version="1.0" encoding="utf-8"?>
+<p:sld xmlns:a="http://schemas.openxmlformats.org/drawingml/2006/main" xmlns:r="http://schemas.openxmlformats.org/officeDocument/2006/relationships" xmlns:p="http://schemas.openxmlformats.org/presentationml/2006/main">
+  <p:cSld>
+    <p:spTree>
+      <p:nvGrpSpPr>
+        <p:cNvPr id="1" name=""/>
+        <p:cNvGrpSpPr/>
+        <p:nvPr/>
+      </p:nvGrpSpPr>
+      <p:grpSpPr>
+        <a:xfrm>
+          <a:off x="0" y="0"/>
+          <a:ext cx="0" cy="0"/>
+          <a:chOff x="0" y="0"/>
+          <a:chExt cx="0" cy="0"/>
+        </a:xfrm>
+      </p:grpSpPr>
+      <p:sp>
+        <p:nvSpPr>
+          <p:cNvPr id="2" name="TextBox 1"/>
+          <p:cNvSpPr txBox="1"/>
+          <p:nvPr/>
+        </p:nvSpPr>
+        <p:spPr>
+          <a:xfrm>
+            <a:off x="721489" y="1458411"/>
+            <a:ext cx="10749022" cy="2800767"/>
+          </a:xfrm>
+          <a:prstGeom prst="rect">
+            <a:avLst/>
+          </a:prstGeom>
+          <a:noFill/>
+        </p:spPr>
+        <p:txBody>
+          <a:bodyPr wrap="square" rtlCol="0">
+            <a:spAutoFit/>
+          </a:bodyPr>
+          <a:lstStyle/>
+          <a:p>
+            <a:pPr algn="ctr"/>
+            <a:r>
+              <a:rPr lang="en-US" sz="8800" b="1" i="1" dirty="0" smtClean="0">
+                <a:solidFill>
+                  <a:schemeClr val="bg1"/>
+                </a:solidFill>
+                <a:latin typeface="Helvetica Neue" charset="0"/>
+                <a:ea typeface="Helvetica Neue" charset="0"/>
+                <a:cs typeface="Helvetica Neue" charset="0"/>
+              </a:rPr>
+              <a:t>Hooks, Forks,</a:t>
+            </a:r>
+          </a:p>
+          <a:p>
+            <a:pPr algn="ctr"/>
+            <a:r>
+              <a:rPr lang="en-US" sz="8800" b="1" i="1" dirty="0" smtClean="0">
+                <a:solidFill>
+                  <a:schemeClr val="bg1"/>
+                </a:solidFill>
+                <a:latin typeface="Helvetica Neue" charset="0"/>
+                <a:ea typeface="Helvetica Neue" charset="0"/>
+                <a:cs typeface="Helvetica Neue" charset="0"/>
+              </a:rPr>
+              <a:t>Tacit Functions</a:t>
+            </a:r>
+            <a:endParaRPr lang="en-US" sz="8800" b="1" i="1" dirty="0">
+              <a:solidFill>
+                <a:schemeClr val="bg1"/>
+              </a:solidFill>
+              <a:latin typeface="Helvetica Neue" charset="0"/>
+              <a:ea typeface="Helvetica Neue" charset="0"/>
+              <a:cs typeface="Helvetica Neue" charset="0"/>
+            </a:endParaRPr>
+          </a:p>
+        </p:txBody>
+      </p:sp>
+    </p:spTree>
+    <p:extLst>
+      <p:ext uri="{BB962C8B-B14F-4D97-AF65-F5344CB8AC3E}">
+        <p14:creationId xmlns:p14="http://schemas.microsoft.com/office/powerpoint/2010/main" val="1399566000"/>
+      </p:ext>
+    </p:extLst>
+  </p:cSld>
+  <p:clrMapOvr>
+    <a:masterClrMapping/>
+  </p:clrMapOvr>
+  <p:timing>
+    <p:tnLst>
+      <p:par>
+        <p:cTn id="1" dur="indefinite" restart="never" nodeType="tmRoot"/>
+      </p:par>
+    </p:tnLst>
+  </p:timing>
+</p:sld>
+</file>
+
+<file path=ppt/slides/slide67.xml><?xml version="1.0" encoding="utf-8"?>
+<p:sld xmlns:a="http://schemas.openxmlformats.org/drawingml/2006/main" xmlns:r="http://schemas.openxmlformats.org/officeDocument/2006/relationships" xmlns:p="http://schemas.openxmlformats.org/presentationml/2006/main">
+  <p:cSld>
+    <p:spTree>
+      <p:nvGrpSpPr>
+        <p:cNvPr id="1" name=""/>
+        <p:cNvGrpSpPr/>
+        <p:nvPr/>
+      </p:nvGrpSpPr>
+      <p:grpSpPr>
+        <a:xfrm>
+          <a:off x="0" y="0"/>
+          <a:ext cx="0" cy="0"/>
+          <a:chOff x="0" y="0"/>
+          <a:chExt cx="0" cy="0"/>
+        </a:xfrm>
+      </p:grpSpPr>
+      <p:sp>
+        <p:nvSpPr>
+          <p:cNvPr id="2" name="TextBox 1"/>
+          <p:cNvSpPr txBox="1"/>
+          <p:nvPr/>
+        </p:nvSpPr>
+        <p:spPr>
+          <a:xfrm>
             <a:off x="1713054" y="914400"/>
             <a:ext cx="9190299" cy="3416320"/>
           </a:xfrm>
@@ -19261,7 +22449,7 @@
 </p:sld>
 </file>
 
-<file path=ppt/slides/slide63.xml><?xml version="1.0" encoding="utf-8"?>
+<file path=ppt/slides/slide68.xml><?xml version="1.0" encoding="utf-8"?>
 <p:sld xmlns:a="http://schemas.openxmlformats.org/drawingml/2006/main" xmlns:r="http://schemas.openxmlformats.org/officeDocument/2006/relationships" xmlns:p="http://schemas.openxmlformats.org/presentationml/2006/main">
   <p:cSld>
     <p:spTree>
@@ -19298,7 +22486,7 @@
 </p:sld>
 </file>
 
-<file path=ppt/slides/slide64.xml><?xml version="1.0" encoding="utf-8"?>
+<file path=ppt/slides/slide69.xml><?xml version="1.0" encoding="utf-8"?>
 <p:sld xmlns:a="http://schemas.openxmlformats.org/drawingml/2006/main" xmlns:r="http://schemas.openxmlformats.org/officeDocument/2006/relationships" xmlns:p="http://schemas.openxmlformats.org/presentationml/2006/main">
   <p:cSld>
     <p:spTree>
@@ -19439,7 +22627,89 @@
 </p:sld>
 </file>
 
-<file path=ppt/slides/slide65.xml><?xml version="1.0" encoding="utf-8"?>
+<file path=ppt/slides/slide7.xml><?xml version="1.0" encoding="utf-8"?>
+<p:sld xmlns:a="http://schemas.openxmlformats.org/drawingml/2006/main" xmlns:r="http://schemas.openxmlformats.org/officeDocument/2006/relationships" xmlns:p="http://schemas.openxmlformats.org/presentationml/2006/main">
+  <p:cSld>
+    <p:spTree>
+      <p:nvGrpSpPr>
+        <p:cNvPr id="1" name=""/>
+        <p:cNvGrpSpPr/>
+        <p:nvPr/>
+      </p:nvGrpSpPr>
+      <p:grpSpPr>
+        <a:xfrm>
+          <a:off x="0" y="0"/>
+          <a:ext cx="0" cy="0"/>
+          <a:chOff x="0" y="0"/>
+          <a:chExt cx="0" cy="0"/>
+        </a:xfrm>
+      </p:grpSpPr>
+      <p:sp>
+        <p:nvSpPr>
+          <p:cNvPr id="2" name="TextBox 1"/>
+          <p:cNvSpPr txBox="1"/>
+          <p:nvPr/>
+        </p:nvSpPr>
+        <p:spPr>
+          <a:xfrm>
+            <a:off x="1442978" y="1458411"/>
+            <a:ext cx="9306045" cy="1446550"/>
+          </a:xfrm>
+          <a:prstGeom prst="rect">
+            <a:avLst/>
+          </a:prstGeom>
+          <a:noFill/>
+        </p:spPr>
+        <p:txBody>
+          <a:bodyPr wrap="square" rtlCol="0">
+            <a:spAutoFit/>
+          </a:bodyPr>
+          <a:lstStyle/>
+          <a:p>
+            <a:pPr algn="ctr"/>
+            <a:r>
+              <a:rPr lang="en-US" sz="8800" b="1" i="1" dirty="0" smtClean="0">
+                <a:solidFill>
+                  <a:schemeClr val="bg1"/>
+                </a:solidFill>
+                <a:latin typeface="Helvetica Neue" charset="0"/>
+                <a:ea typeface="Helvetica Neue" charset="0"/>
+                <a:cs typeface="Helvetica Neue" charset="0"/>
+              </a:rPr>
+              <a:t>Syntax</a:t>
+            </a:r>
+            <a:endParaRPr lang="en-US" sz="8800" b="1" i="1" dirty="0">
+              <a:solidFill>
+                <a:schemeClr val="bg1"/>
+              </a:solidFill>
+              <a:latin typeface="Helvetica Neue" charset="0"/>
+              <a:ea typeface="Helvetica Neue" charset="0"/>
+              <a:cs typeface="Helvetica Neue" charset="0"/>
+            </a:endParaRPr>
+          </a:p>
+        </p:txBody>
+      </p:sp>
+    </p:spTree>
+    <p:extLst>
+      <p:ext uri="{BB962C8B-B14F-4D97-AF65-F5344CB8AC3E}">
+        <p14:creationId xmlns:p14="http://schemas.microsoft.com/office/powerpoint/2010/main" val="1243113999"/>
+      </p:ext>
+    </p:extLst>
+  </p:cSld>
+  <p:clrMapOvr>
+    <a:masterClrMapping/>
+  </p:clrMapOvr>
+  <p:timing>
+    <p:tnLst>
+      <p:par>
+        <p:cTn id="1" dur="indefinite" restart="never" nodeType="tmRoot"/>
+      </p:par>
+    </p:tnLst>
+  </p:timing>
+</p:sld>
+</file>
+
+<file path=ppt/slides/slide70.xml><?xml version="1.0" encoding="utf-8"?>
 <p:sld xmlns:a="http://schemas.openxmlformats.org/drawingml/2006/main" xmlns:r="http://schemas.openxmlformats.org/officeDocument/2006/relationships" xmlns:p="http://schemas.openxmlformats.org/presentationml/2006/main">
   <p:cSld>
     <p:spTree>
@@ -19521,7 +22791,7 @@
 </p:sld>
 </file>
 
-<file path=ppt/slides/slide66.xml><?xml version="1.0" encoding="utf-8"?>
+<file path=ppt/slides/slide71.xml><?xml version="1.0" encoding="utf-8"?>
 <p:sld xmlns:a="http://schemas.openxmlformats.org/drawingml/2006/main" xmlns:r="http://schemas.openxmlformats.org/officeDocument/2006/relationships" xmlns:p="http://schemas.openxmlformats.org/presentationml/2006/main" show="0">
   <p:cSld>
     <p:spTree>
@@ -19645,7 +22915,7 @@
 </p:sld>
 </file>
 
-<file path=ppt/slides/slide67.xml><?xml version="1.0" encoding="utf-8"?>
+<file path=ppt/slides/slide72.xml><?xml version="1.0" encoding="utf-8"?>
 <p:sld xmlns:a="http://schemas.openxmlformats.org/drawingml/2006/main" xmlns:r="http://schemas.openxmlformats.org/officeDocument/2006/relationships" xmlns:p="http://schemas.openxmlformats.org/presentationml/2006/main">
   <p:cSld>
     <p:spTree>
@@ -19745,7 +23015,7 @@
 </p:sld>
 </file>
 
-<file path=ppt/slides/slide68.xml><?xml version="1.0" encoding="utf-8"?>
+<file path=ppt/slides/slide73.xml><?xml version="1.0" encoding="utf-8"?>
 <p:sld xmlns:a="http://schemas.openxmlformats.org/drawingml/2006/main" xmlns:r="http://schemas.openxmlformats.org/officeDocument/2006/relationships" xmlns:p="http://schemas.openxmlformats.org/presentationml/2006/main">
   <p:cSld>
     <p:spTree>
@@ -19782,7 +23052,7 @@
 </p:sld>
 </file>
 
-<file path=ppt/slides/slide69.xml><?xml version="1.0" encoding="utf-8"?>
+<file path=ppt/slides/slide74.xml><?xml version="1.0" encoding="utf-8"?>
 <p:sld xmlns:a="http://schemas.openxmlformats.org/drawingml/2006/main" xmlns:r="http://schemas.openxmlformats.org/officeDocument/2006/relationships" xmlns:p="http://schemas.openxmlformats.org/presentationml/2006/main">
   <p:cSld>
     <p:spTree>
@@ -19838,88 +23108,6 @@
     <p:extLst>
       <p:ext uri="{BB962C8B-B14F-4D97-AF65-F5344CB8AC3E}">
         <p14:creationId xmlns:p14="http://schemas.microsoft.com/office/powerpoint/2010/main" val="1760022174"/>
-      </p:ext>
-    </p:extLst>
-  </p:cSld>
-  <p:clrMapOvr>
-    <a:masterClrMapping/>
-  </p:clrMapOvr>
-  <p:timing>
-    <p:tnLst>
-      <p:par>
-        <p:cTn id="1" dur="indefinite" restart="never" nodeType="tmRoot"/>
-      </p:par>
-    </p:tnLst>
-  </p:timing>
-</p:sld>
-</file>
-
-<file path=ppt/slides/slide7.xml><?xml version="1.0" encoding="utf-8"?>
-<p:sld xmlns:a="http://schemas.openxmlformats.org/drawingml/2006/main" xmlns:r="http://schemas.openxmlformats.org/officeDocument/2006/relationships" xmlns:p="http://schemas.openxmlformats.org/presentationml/2006/main">
-  <p:cSld>
-    <p:spTree>
-      <p:nvGrpSpPr>
-        <p:cNvPr id="1" name=""/>
-        <p:cNvGrpSpPr/>
-        <p:nvPr/>
-      </p:nvGrpSpPr>
-      <p:grpSpPr>
-        <a:xfrm>
-          <a:off x="0" y="0"/>
-          <a:ext cx="0" cy="0"/>
-          <a:chOff x="0" y="0"/>
-          <a:chExt cx="0" cy="0"/>
-        </a:xfrm>
-      </p:grpSpPr>
-      <p:sp>
-        <p:nvSpPr>
-          <p:cNvPr id="2" name="TextBox 1"/>
-          <p:cNvSpPr txBox="1"/>
-          <p:nvPr/>
-        </p:nvSpPr>
-        <p:spPr>
-          <a:xfrm>
-            <a:off x="1442978" y="1458411"/>
-            <a:ext cx="9306045" cy="1446550"/>
-          </a:xfrm>
-          <a:prstGeom prst="rect">
-            <a:avLst/>
-          </a:prstGeom>
-          <a:noFill/>
-        </p:spPr>
-        <p:txBody>
-          <a:bodyPr wrap="square" rtlCol="0">
-            <a:spAutoFit/>
-          </a:bodyPr>
-          <a:lstStyle/>
-          <a:p>
-            <a:pPr algn="ctr"/>
-            <a:r>
-              <a:rPr lang="en-US" sz="8800" b="1" i="1" dirty="0" smtClean="0">
-                <a:solidFill>
-                  <a:schemeClr val="bg1"/>
-                </a:solidFill>
-                <a:latin typeface="Helvetica Neue" charset="0"/>
-                <a:ea typeface="Helvetica Neue" charset="0"/>
-                <a:cs typeface="Helvetica Neue" charset="0"/>
-              </a:rPr>
-              <a:t>Syntax</a:t>
-            </a:r>
-            <a:endParaRPr lang="en-US" sz="8800" b="1" i="1" dirty="0">
-              <a:solidFill>
-                <a:schemeClr val="bg1"/>
-              </a:solidFill>
-              <a:latin typeface="Helvetica Neue" charset="0"/>
-              <a:ea typeface="Helvetica Neue" charset="0"/>
-              <a:cs typeface="Helvetica Neue" charset="0"/>
-            </a:endParaRPr>
-          </a:p>
-        </p:txBody>
-      </p:sp>
-    </p:spTree>
-    <p:extLst>
-      <p:ext uri="{BB962C8B-B14F-4D97-AF65-F5344CB8AC3E}">
-        <p14:creationId xmlns:p14="http://schemas.microsoft.com/office/powerpoint/2010/main" val="1243113999"/>
       </p:ext>
     </p:extLst>
   </p:cSld>
